--- a/Presentation.pptx
+++ b/Presentation.pptx
@@ -1,44 +1,51 @@
 
 <file path=ppt/presentation.xml><?xml version="1.0" encoding="utf-8"?>
-<p:presentation xmlns:a="http://schemas.openxmlformats.org/drawingml/2006/main" xmlns:r="http://schemas.openxmlformats.org/officeDocument/2006/relationships" xmlns:mc="http://schemas.openxmlformats.org/markup-compatibility/2006" xmlns:mv="urn:schemas-microsoft-com:mac:vml" xmlns:p="http://schemas.openxmlformats.org/presentationml/2006/main" xmlns:c="http://schemas.openxmlformats.org/drawingml/2006/chart" xmlns:dgm="http://schemas.openxmlformats.org/drawingml/2006/diagram" xmlns:o="urn:schemas-microsoft-com:office:office" xmlns:v="urn:schemas-microsoft-com:vml" xmlns:pvml="urn:schemas-microsoft-com:office:powerpoint" xmlns:com="http://schemas.openxmlformats.org/drawingml/2006/compatibility" xmlns:p14="http://schemas.microsoft.com/office/powerpoint/2010/main" xmlns:p15="http://schemas.microsoft.com/office/powerpoint/2012/main" xmlns:ahyp="http://schemas.microsoft.com/office/drawing/2018/hyperlinkcolor" autoCompressPictures="0" embedTrueTypeFonts="1" strictFirstAndLastChars="0" saveSubsetFonts="1">
+<p:presentation xmlns:a="http://schemas.openxmlformats.org/drawingml/2006/main" xmlns:r="http://schemas.openxmlformats.org/officeDocument/2006/relationships" xmlns:p="http://schemas.openxmlformats.org/presentationml/2006/main" strictFirstAndLastChars="0" embedTrueTypeFonts="1" saveSubsetFonts="1" autoCompressPictures="0">
   <p:sldMasterIdLst>
-    <p:sldMasterId id="2147483660" r:id="rId3"/>
+    <p:sldMasterId id="2147483660" r:id="rId1"/>
   </p:sldMasterIdLst>
   <p:notesMasterIdLst>
-    <p:notesMasterId r:id="rId4"/>
+    <p:notesMasterId r:id="rId12"/>
   </p:notesMasterIdLst>
   <p:sldIdLst>
-    <p:sldId id="256" r:id="rId5"/>
-    <p:sldId id="257" r:id="rId6"/>
-    <p:sldId id="258" r:id="rId7"/>
-    <p:sldId id="259" r:id="rId8"/>
-    <p:sldId id="260" r:id="rId9"/>
-    <p:sldId id="261" r:id="rId10"/>
-    <p:sldId id="262" r:id="rId11"/>
-    <p:sldId id="263" r:id="rId12"/>
-    <p:sldId id="264" r:id="rId13"/>
-    <p:sldId id="265" r:id="rId14"/>
+    <p:sldId id="256" r:id="rId2"/>
+    <p:sldId id="257" r:id="rId3"/>
+    <p:sldId id="258" r:id="rId4"/>
+    <p:sldId id="259" r:id="rId5"/>
+    <p:sldId id="260" r:id="rId6"/>
+    <p:sldId id="261" r:id="rId7"/>
+    <p:sldId id="262" r:id="rId8"/>
+    <p:sldId id="263" r:id="rId9"/>
+    <p:sldId id="264" r:id="rId10"/>
+    <p:sldId id="265" r:id="rId11"/>
   </p:sldIdLst>
-  <p:sldSz cy="6858000" cx="12192000"/>
+  <p:sldSz cx="12192000" cy="6858000"/>
   <p:notesSz cx="6858000" cy="9144000"/>
   <p:embeddedFontLst>
     <p:embeddedFont>
-      <p:font typeface="Roboto"/>
-      <p:regular r:id="rId15"/>
-      <p:bold r:id="rId16"/>
-      <p:italic r:id="rId17"/>
-      <p:boldItalic r:id="rId18"/>
+      <p:font typeface="Calibri" panose="020F0502020204030204" pitchFamily="34" charset="0"/>
+      <p:regular r:id="rId13"/>
+      <p:bold r:id="rId14"/>
+      <p:italic r:id="rId15"/>
+      <p:boldItalic r:id="rId16"/>
     </p:embeddedFont>
     <p:embeddedFont>
-      <p:font typeface="Merriweather"/>
-      <p:regular r:id="rId19"/>
-      <p:bold r:id="rId20"/>
-      <p:italic r:id="rId21"/>
-      <p:boldItalic r:id="rId22"/>
+      <p:font typeface="Merriweather" panose="00000500000000000000" pitchFamily="2" charset="-18"/>
+      <p:regular r:id="rId17"/>
+      <p:bold r:id="rId18"/>
+      <p:italic r:id="rId19"/>
+      <p:boldItalic r:id="rId20"/>
+    </p:embeddedFont>
+    <p:embeddedFont>
+      <p:font typeface="Roboto" panose="02000000000000000000" pitchFamily="2" charset="0"/>
+      <p:regular r:id="rId21"/>
+      <p:bold r:id="rId22"/>
+      <p:italic r:id="rId23"/>
+      <p:boldItalic r:id="rId24"/>
     </p:embeddedFont>
   </p:embeddedFontLst>
   <p:defaultTextStyle>
-    <a:defPPr lvl="0" marR="0" rtl="0" algn="l">
+    <a:defPPr marR="0" lvl="0" algn="l" rtl="0">
       <a:lnSpc>
         <a:spcPct val="100000"/>
       </a:lnSpc>
@@ -49,7 +56,7 @@
         <a:spcPts val="0"/>
       </a:spcAft>
     </a:defPPr>
-    <a:lvl1pPr lvl="0" marR="0" rtl="0" algn="l">
+    <a:lvl1pPr marR="0" lvl="0" algn="l" rtl="0">
       <a:lnSpc>
         <a:spcPct val="100000"/>
       </a:lnSpc>
@@ -63,7 +70,7 @@
         <a:srgbClr val="000000"/>
       </a:buClr>
       <a:buFont typeface="Arial"/>
-      <a:defRPr b="0" i="0" sz="1400" u="none" cap="none" strike="noStrike">
+      <a:defRPr sz="1400" b="0" i="0" u="none" strike="noStrike" cap="none">
         <a:solidFill>
           <a:srgbClr val="000000"/>
         </a:solidFill>
@@ -73,7 +80,7 @@
         <a:sym typeface="Arial"/>
       </a:defRPr>
     </a:lvl1pPr>
-    <a:lvl2pPr lvl="1" marR="0" rtl="0" algn="l">
+    <a:lvl2pPr marR="0" lvl="1" algn="l" rtl="0">
       <a:lnSpc>
         <a:spcPct val="100000"/>
       </a:lnSpc>
@@ -87,7 +94,7 @@
         <a:srgbClr val="000000"/>
       </a:buClr>
       <a:buFont typeface="Arial"/>
-      <a:defRPr b="0" i="0" sz="1400" u="none" cap="none" strike="noStrike">
+      <a:defRPr sz="1400" b="0" i="0" u="none" strike="noStrike" cap="none">
         <a:solidFill>
           <a:srgbClr val="000000"/>
         </a:solidFill>
@@ -97,7 +104,7 @@
         <a:sym typeface="Arial"/>
       </a:defRPr>
     </a:lvl2pPr>
-    <a:lvl3pPr lvl="2" marR="0" rtl="0" algn="l">
+    <a:lvl3pPr marR="0" lvl="2" algn="l" rtl="0">
       <a:lnSpc>
         <a:spcPct val="100000"/>
       </a:lnSpc>
@@ -111,7 +118,7 @@
         <a:srgbClr val="000000"/>
       </a:buClr>
       <a:buFont typeface="Arial"/>
-      <a:defRPr b="0" i="0" sz="1400" u="none" cap="none" strike="noStrike">
+      <a:defRPr sz="1400" b="0" i="0" u="none" strike="noStrike" cap="none">
         <a:solidFill>
           <a:srgbClr val="000000"/>
         </a:solidFill>
@@ -121,7 +128,7 @@
         <a:sym typeface="Arial"/>
       </a:defRPr>
     </a:lvl3pPr>
-    <a:lvl4pPr lvl="3" marR="0" rtl="0" algn="l">
+    <a:lvl4pPr marR="0" lvl="3" algn="l" rtl="0">
       <a:lnSpc>
         <a:spcPct val="100000"/>
       </a:lnSpc>
@@ -135,7 +142,7 @@
         <a:srgbClr val="000000"/>
       </a:buClr>
       <a:buFont typeface="Arial"/>
-      <a:defRPr b="0" i="0" sz="1400" u="none" cap="none" strike="noStrike">
+      <a:defRPr sz="1400" b="0" i="0" u="none" strike="noStrike" cap="none">
         <a:solidFill>
           <a:srgbClr val="000000"/>
         </a:solidFill>
@@ -145,7 +152,7 @@
         <a:sym typeface="Arial"/>
       </a:defRPr>
     </a:lvl4pPr>
-    <a:lvl5pPr lvl="4" marR="0" rtl="0" algn="l">
+    <a:lvl5pPr marR="0" lvl="4" algn="l" rtl="0">
       <a:lnSpc>
         <a:spcPct val="100000"/>
       </a:lnSpc>
@@ -159,7 +166,7 @@
         <a:srgbClr val="000000"/>
       </a:buClr>
       <a:buFont typeface="Arial"/>
-      <a:defRPr b="0" i="0" sz="1400" u="none" cap="none" strike="noStrike">
+      <a:defRPr sz="1400" b="0" i="0" u="none" strike="noStrike" cap="none">
         <a:solidFill>
           <a:srgbClr val="000000"/>
         </a:solidFill>
@@ -169,7 +176,7 @@
         <a:sym typeface="Arial"/>
       </a:defRPr>
     </a:lvl5pPr>
-    <a:lvl6pPr lvl="5" marR="0" rtl="0" algn="l">
+    <a:lvl6pPr marR="0" lvl="5" algn="l" rtl="0">
       <a:lnSpc>
         <a:spcPct val="100000"/>
       </a:lnSpc>
@@ -183,7 +190,7 @@
         <a:srgbClr val="000000"/>
       </a:buClr>
       <a:buFont typeface="Arial"/>
-      <a:defRPr b="0" i="0" sz="1400" u="none" cap="none" strike="noStrike">
+      <a:defRPr sz="1400" b="0" i="0" u="none" strike="noStrike" cap="none">
         <a:solidFill>
           <a:srgbClr val="000000"/>
         </a:solidFill>
@@ -193,7 +200,7 @@
         <a:sym typeface="Arial"/>
       </a:defRPr>
     </a:lvl6pPr>
-    <a:lvl7pPr lvl="6" marR="0" rtl="0" algn="l">
+    <a:lvl7pPr marR="0" lvl="6" algn="l" rtl="0">
       <a:lnSpc>
         <a:spcPct val="100000"/>
       </a:lnSpc>
@@ -207,7 +214,7 @@
         <a:srgbClr val="000000"/>
       </a:buClr>
       <a:buFont typeface="Arial"/>
-      <a:defRPr b="0" i="0" sz="1400" u="none" cap="none" strike="noStrike">
+      <a:defRPr sz="1400" b="0" i="0" u="none" strike="noStrike" cap="none">
         <a:solidFill>
           <a:srgbClr val="000000"/>
         </a:solidFill>
@@ -217,7 +224,7 @@
         <a:sym typeface="Arial"/>
       </a:defRPr>
     </a:lvl7pPr>
-    <a:lvl8pPr lvl="7" marR="0" rtl="0" algn="l">
+    <a:lvl8pPr marR="0" lvl="7" algn="l" rtl="0">
       <a:lnSpc>
         <a:spcPct val="100000"/>
       </a:lnSpc>
@@ -231,7 +238,7 @@
         <a:srgbClr val="000000"/>
       </a:buClr>
       <a:buFont typeface="Arial"/>
-      <a:defRPr b="0" i="0" sz="1400" u="none" cap="none" strike="noStrike">
+      <a:defRPr sz="1400" b="0" i="0" u="none" strike="noStrike" cap="none">
         <a:solidFill>
           <a:srgbClr val="000000"/>
         </a:solidFill>
@@ -241,7 +248,7 @@
         <a:sym typeface="Arial"/>
       </a:defRPr>
     </a:lvl8pPr>
-    <a:lvl9pPr lvl="8" marR="0" rtl="0" algn="l">
+    <a:lvl9pPr marR="0" lvl="8" algn="l" rtl="0">
       <a:lnSpc>
         <a:spcPct val="100000"/>
       </a:lnSpc>
@@ -255,7 +262,7 @@
         <a:srgbClr val="000000"/>
       </a:buClr>
       <a:buFont typeface="Arial"/>
-      <a:defRPr b="0" i="0" sz="1400" u="none" cap="none" strike="noStrike">
+      <a:defRPr sz="1400" b="0" i="0" u="none" strike="noStrike" cap="none">
         <a:solidFill>
           <a:srgbClr val="000000"/>
         </a:solidFill>
@@ -270,11 +277,16 @@
 </file>
 
 <file path=ppt/notesMasters/notesMaster1.xml><?xml version="1.0" encoding="utf-8"?>
-<p:notesMaster xmlns:a="http://schemas.openxmlformats.org/drawingml/2006/main" xmlns:r="http://schemas.openxmlformats.org/officeDocument/2006/relationships" xmlns:mc="http://schemas.openxmlformats.org/markup-compatibility/2006" xmlns:mv="urn:schemas-microsoft-com:mac:vml" xmlns:p="http://schemas.openxmlformats.org/presentationml/2006/main" xmlns:c="http://schemas.openxmlformats.org/drawingml/2006/chart" xmlns:dgm="http://schemas.openxmlformats.org/drawingml/2006/diagram" xmlns:o="urn:schemas-microsoft-com:office:office" xmlns:v="urn:schemas-microsoft-com:vml" xmlns:pvml="urn:schemas-microsoft-com:office:powerpoint" xmlns:com="http://schemas.openxmlformats.org/drawingml/2006/compatibility" xmlns:p14="http://schemas.microsoft.com/office/powerpoint/2010/main" xmlns:p15="http://schemas.microsoft.com/office/powerpoint/2012/main" xmlns:ahyp="http://schemas.microsoft.com/office/drawing/2018/hyperlinkcolor">
+<p:notesMaster xmlns:a="http://schemas.openxmlformats.org/drawingml/2006/main" xmlns:r="http://schemas.openxmlformats.org/officeDocument/2006/relationships" xmlns:p="http://schemas.openxmlformats.org/presentationml/2006/main">
   <p:cSld>
+    <p:bg>
+      <p:bgRef idx="1001">
+        <a:schemeClr val="bg1"/>
+      </p:bgRef>
+    </p:bg>
     <p:spTree>
       <p:nvGrpSpPr>
-        <p:cNvPr id="2" name="Shape 2"/>
+        <p:cNvPr id="1" name="Shape 2"/>
         <p:cNvGrpSpPr/>
         <p:nvPr/>
       </p:nvGrpSpPr>
@@ -289,9 +301,11 @@
       <p:sp>
         <p:nvSpPr>
           <p:cNvPr id="3" name="Google Shape;3;n"/>
-          <p:cNvSpPr/>
+          <p:cNvSpPr>
+            <a:spLocks noGrp="1" noRot="1" noChangeAspect="1"/>
+          </p:cNvSpPr>
           <p:nvPr>
-            <p:ph idx="2" type="sldImg"/>
+            <p:ph type="sldImg" idx="2"/>
           </p:nvPr>
         </p:nvSpPr>
         <p:spPr>
@@ -300,9 +314,13 @@
             <a:ext cx="4572225" cy="3429000"/>
           </a:xfrm>
           <a:custGeom>
-            <a:rect b="b" l="l" r="r" t="t"/>
+            <a:avLst/>
+            <a:gdLst/>
+            <a:ahLst/>
+            <a:cxnLst/>
+            <a:rect l="l" t="t" r="r" b="b"/>
             <a:pathLst>
-              <a:path extrusionOk="0" h="120000" w="120000">
+              <a:path w="120000" h="120000" extrusionOk="0">
                 <a:moveTo>
                   <a:pt x="0" y="0"/>
                 </a:moveTo>
@@ -320,23 +338,25 @@
             </a:pathLst>
           </a:custGeom>
           <a:noFill/>
-          <a:ln cap="flat" cmpd="sng" w="9525">
+          <a:ln w="9525" cap="flat" cmpd="sng">
             <a:solidFill>
               <a:srgbClr val="000000"/>
             </a:solidFill>
             <a:prstDash val="solid"/>
             <a:round/>
-            <a:headEnd len="sm" w="sm" type="none"/>
-            <a:tailEnd len="sm" w="sm" type="none"/>
+            <a:headEnd type="none" w="sm" len="sm"/>
+            <a:tailEnd type="none" w="sm" len="sm"/>
           </a:ln>
         </p:spPr>
       </p:sp>
       <p:sp>
         <p:nvSpPr>
           <p:cNvPr id="4" name="Google Shape;4;n"/>
-          <p:cNvSpPr txBox="1"/>
+          <p:cNvSpPr txBox="1">
+            <a:spLocks noGrp="1"/>
+          </p:cNvSpPr>
           <p:nvPr>
-            <p:ph idx="1" type="body"/>
+            <p:ph type="body" idx="1"/>
           </p:nvPr>
         </p:nvSpPr>
         <p:spPr>
@@ -353,11 +373,11 @@
           </a:ln>
         </p:spPr>
         <p:txBody>
-          <a:bodyPr anchorCtr="0" anchor="t" bIns="91425" lIns="91425" spcFirstLastPara="1" rIns="91425" wrap="square" tIns="91425">
+          <a:bodyPr spcFirstLastPara="1" wrap="square" lIns="91425" tIns="91425" rIns="91425" bIns="91425" anchor="t" anchorCtr="0">
             <a:noAutofit/>
           </a:bodyPr>
           <a:lstStyle>
-            <a:lvl1pPr indent="-298450" lvl="0" marL="457200">
+            <a:lvl1pPr marL="457200" lvl="0" indent="-298450">
               <a:spcBef>
                 <a:spcPts val="0"/>
               </a:spcBef>
@@ -368,7 +388,7 @@
               <a:buChar char="●"/>
               <a:defRPr sz="1100"/>
             </a:lvl1pPr>
-            <a:lvl2pPr indent="-298450" lvl="1" marL="914400">
+            <a:lvl2pPr marL="914400" lvl="1" indent="-298450">
               <a:spcBef>
                 <a:spcPts val="0"/>
               </a:spcBef>
@@ -379,7 +399,7 @@
               <a:buChar char="○"/>
               <a:defRPr sz="1100"/>
             </a:lvl2pPr>
-            <a:lvl3pPr indent="-298450" lvl="2" marL="1371600">
+            <a:lvl3pPr marL="1371600" lvl="2" indent="-298450">
               <a:spcBef>
                 <a:spcPts val="0"/>
               </a:spcBef>
@@ -390,7 +410,7 @@
               <a:buChar char="■"/>
               <a:defRPr sz="1100"/>
             </a:lvl3pPr>
-            <a:lvl4pPr indent="-298450" lvl="3" marL="1828800">
+            <a:lvl4pPr marL="1828800" lvl="3" indent="-298450">
               <a:spcBef>
                 <a:spcPts val="0"/>
               </a:spcBef>
@@ -401,7 +421,7 @@
               <a:buChar char="●"/>
               <a:defRPr sz="1100"/>
             </a:lvl4pPr>
-            <a:lvl5pPr indent="-298450" lvl="4" marL="2286000">
+            <a:lvl5pPr marL="2286000" lvl="4" indent="-298450">
               <a:spcBef>
                 <a:spcPts val="0"/>
               </a:spcBef>
@@ -412,7 +432,7 @@
               <a:buChar char="○"/>
               <a:defRPr sz="1100"/>
             </a:lvl5pPr>
-            <a:lvl6pPr indent="-298450" lvl="5" marL="2743200">
+            <a:lvl6pPr marL="2743200" lvl="5" indent="-298450">
               <a:spcBef>
                 <a:spcPts val="0"/>
               </a:spcBef>
@@ -423,7 +443,7 @@
               <a:buChar char="■"/>
               <a:defRPr sz="1100"/>
             </a:lvl6pPr>
-            <a:lvl7pPr indent="-298450" lvl="6" marL="3200400">
+            <a:lvl7pPr marL="3200400" lvl="6" indent="-298450">
               <a:spcBef>
                 <a:spcPts val="0"/>
               </a:spcBef>
@@ -434,7 +454,7 @@
               <a:buChar char="●"/>
               <a:defRPr sz="1100"/>
             </a:lvl7pPr>
-            <a:lvl8pPr indent="-298450" lvl="7" marL="3657600">
+            <a:lvl8pPr marL="3657600" lvl="7" indent="-298450">
               <a:spcBef>
                 <a:spcPts val="0"/>
               </a:spcBef>
@@ -445,7 +465,7 @@
               <a:buChar char="○"/>
               <a:defRPr sz="1100"/>
             </a:lvl8pPr>
-            <a:lvl9pPr indent="-298450" lvl="8" marL="4114800">
+            <a:lvl9pPr marL="4114800" lvl="8" indent="-298450">
               <a:spcBef>
                 <a:spcPts val="0"/>
               </a:spcBef>
@@ -457,14 +477,16 @@
               <a:defRPr sz="1100"/>
             </a:lvl9pPr>
           </a:lstStyle>
-          <a:p/>
+          <a:p>
+            <a:endParaRPr/>
+          </a:p>
         </p:txBody>
       </p:sp>
     </p:spTree>
   </p:cSld>
-  <p:clrMap accent1="accent1" accent2="accent2" accent3="accent3" accent4="accent4" accent5="accent5" accent6="accent6" bg1="lt1" bg2="dk2" tx1="dk1" tx2="lt2" folHlink="folHlink" hlink="hlink"/>
+  <p:clrMap bg1="lt1" tx1="dk1" bg2="dk2" tx2="lt2" accent1="accent1" accent2="accent2" accent3="accent3" accent4="accent4" accent5="accent5" accent6="accent6" hlink="hlink" folHlink="folHlink"/>
   <p:notesStyle>
-    <a:defPPr lvl="0" marR="0" rtl="0" algn="l">
+    <a:defPPr marR="0" lvl="0" algn="l" rtl="0">
       <a:lnSpc>
         <a:spcPct val="100000"/>
       </a:lnSpc>
@@ -475,7 +497,7 @@
         <a:spcPts val="0"/>
       </a:spcAft>
     </a:defPPr>
-    <a:lvl1pPr lvl="0" marR="0" rtl="0" algn="l">
+    <a:lvl1pPr marR="0" lvl="0" algn="l" rtl="0">
       <a:lnSpc>
         <a:spcPct val="100000"/>
       </a:lnSpc>
@@ -489,7 +511,7 @@
         <a:srgbClr val="000000"/>
       </a:buClr>
       <a:buFont typeface="Arial"/>
-      <a:defRPr b="0" i="0" sz="1400" u="none" cap="none" strike="noStrike">
+      <a:defRPr sz="1400" b="0" i="0" u="none" strike="noStrike" cap="none">
         <a:solidFill>
           <a:srgbClr val="000000"/>
         </a:solidFill>
@@ -499,7 +521,7 @@
         <a:sym typeface="Arial"/>
       </a:defRPr>
     </a:lvl1pPr>
-    <a:lvl2pPr lvl="1" marR="0" rtl="0" algn="l">
+    <a:lvl2pPr marR="0" lvl="1" algn="l" rtl="0">
       <a:lnSpc>
         <a:spcPct val="100000"/>
       </a:lnSpc>
@@ -513,7 +535,7 @@
         <a:srgbClr val="000000"/>
       </a:buClr>
       <a:buFont typeface="Arial"/>
-      <a:defRPr b="0" i="0" sz="1400" u="none" cap="none" strike="noStrike">
+      <a:defRPr sz="1400" b="0" i="0" u="none" strike="noStrike" cap="none">
         <a:solidFill>
           <a:srgbClr val="000000"/>
         </a:solidFill>
@@ -523,7 +545,7 @@
         <a:sym typeface="Arial"/>
       </a:defRPr>
     </a:lvl2pPr>
-    <a:lvl3pPr lvl="2" marR="0" rtl="0" algn="l">
+    <a:lvl3pPr marR="0" lvl="2" algn="l" rtl="0">
       <a:lnSpc>
         <a:spcPct val="100000"/>
       </a:lnSpc>
@@ -537,7 +559,7 @@
         <a:srgbClr val="000000"/>
       </a:buClr>
       <a:buFont typeface="Arial"/>
-      <a:defRPr b="0" i="0" sz="1400" u="none" cap="none" strike="noStrike">
+      <a:defRPr sz="1400" b="0" i="0" u="none" strike="noStrike" cap="none">
         <a:solidFill>
           <a:srgbClr val="000000"/>
         </a:solidFill>
@@ -547,7 +569,7 @@
         <a:sym typeface="Arial"/>
       </a:defRPr>
     </a:lvl3pPr>
-    <a:lvl4pPr lvl="3" marR="0" rtl="0" algn="l">
+    <a:lvl4pPr marR="0" lvl="3" algn="l" rtl="0">
       <a:lnSpc>
         <a:spcPct val="100000"/>
       </a:lnSpc>
@@ -561,7 +583,7 @@
         <a:srgbClr val="000000"/>
       </a:buClr>
       <a:buFont typeface="Arial"/>
-      <a:defRPr b="0" i="0" sz="1400" u="none" cap="none" strike="noStrike">
+      <a:defRPr sz="1400" b="0" i="0" u="none" strike="noStrike" cap="none">
         <a:solidFill>
           <a:srgbClr val="000000"/>
         </a:solidFill>
@@ -571,7 +593,7 @@
         <a:sym typeface="Arial"/>
       </a:defRPr>
     </a:lvl4pPr>
-    <a:lvl5pPr lvl="4" marR="0" rtl="0" algn="l">
+    <a:lvl5pPr marR="0" lvl="4" algn="l" rtl="0">
       <a:lnSpc>
         <a:spcPct val="100000"/>
       </a:lnSpc>
@@ -585,7 +607,7 @@
         <a:srgbClr val="000000"/>
       </a:buClr>
       <a:buFont typeface="Arial"/>
-      <a:defRPr b="0" i="0" sz="1400" u="none" cap="none" strike="noStrike">
+      <a:defRPr sz="1400" b="0" i="0" u="none" strike="noStrike" cap="none">
         <a:solidFill>
           <a:srgbClr val="000000"/>
         </a:solidFill>
@@ -595,7 +617,7 @@
         <a:sym typeface="Arial"/>
       </a:defRPr>
     </a:lvl5pPr>
-    <a:lvl6pPr lvl="5" marR="0" rtl="0" algn="l">
+    <a:lvl6pPr marR="0" lvl="5" algn="l" rtl="0">
       <a:lnSpc>
         <a:spcPct val="100000"/>
       </a:lnSpc>
@@ -609,7 +631,7 @@
         <a:srgbClr val="000000"/>
       </a:buClr>
       <a:buFont typeface="Arial"/>
-      <a:defRPr b="0" i="0" sz="1400" u="none" cap="none" strike="noStrike">
+      <a:defRPr sz="1400" b="0" i="0" u="none" strike="noStrike" cap="none">
         <a:solidFill>
           <a:srgbClr val="000000"/>
         </a:solidFill>
@@ -619,7 +641,7 @@
         <a:sym typeface="Arial"/>
       </a:defRPr>
     </a:lvl6pPr>
-    <a:lvl7pPr lvl="6" marR="0" rtl="0" algn="l">
+    <a:lvl7pPr marR="0" lvl="6" algn="l" rtl="0">
       <a:lnSpc>
         <a:spcPct val="100000"/>
       </a:lnSpc>
@@ -633,7 +655,7 @@
         <a:srgbClr val="000000"/>
       </a:buClr>
       <a:buFont typeface="Arial"/>
-      <a:defRPr b="0" i="0" sz="1400" u="none" cap="none" strike="noStrike">
+      <a:defRPr sz="1400" b="0" i="0" u="none" strike="noStrike" cap="none">
         <a:solidFill>
           <a:srgbClr val="000000"/>
         </a:solidFill>
@@ -643,7 +665,7 @@
         <a:sym typeface="Arial"/>
       </a:defRPr>
     </a:lvl7pPr>
-    <a:lvl8pPr lvl="7" marR="0" rtl="0" algn="l">
+    <a:lvl8pPr marR="0" lvl="7" algn="l" rtl="0">
       <a:lnSpc>
         <a:spcPct val="100000"/>
       </a:lnSpc>
@@ -657,7 +679,7 @@
         <a:srgbClr val="000000"/>
       </a:buClr>
       <a:buFont typeface="Arial"/>
-      <a:defRPr b="0" i="0" sz="1400" u="none" cap="none" strike="noStrike">
+      <a:defRPr sz="1400" b="0" i="0" u="none" strike="noStrike" cap="none">
         <a:solidFill>
           <a:srgbClr val="000000"/>
         </a:solidFill>
@@ -667,7 +689,7 @@
         <a:sym typeface="Arial"/>
       </a:defRPr>
     </a:lvl8pPr>
-    <a:lvl9pPr lvl="8" marR="0" rtl="0" algn="l">
+    <a:lvl9pPr marR="0" lvl="8" algn="l" rtl="0">
       <a:lnSpc>
         <a:spcPct val="100000"/>
       </a:lnSpc>
@@ -681,7 +703,7 @@
         <a:srgbClr val="000000"/>
       </a:buClr>
       <a:buFont typeface="Arial"/>
-      <a:defRPr b="0" i="0" sz="1400" u="none" cap="none" strike="noStrike">
+      <a:defRPr sz="1400" b="0" i="0" u="none" strike="noStrike" cap="none">
         <a:solidFill>
           <a:srgbClr val="000000"/>
         </a:solidFill>
@@ -696,11 +718,11 @@
 </file>
 
 <file path=ppt/notesSlides/notesSlide1.xml><?xml version="1.0" encoding="utf-8"?>
-<p:notes xmlns:a="http://schemas.openxmlformats.org/drawingml/2006/main" xmlns:r="http://schemas.openxmlformats.org/officeDocument/2006/relationships" xmlns:mc="http://schemas.openxmlformats.org/markup-compatibility/2006" xmlns:mv="urn:schemas-microsoft-com:mac:vml" xmlns:p="http://schemas.openxmlformats.org/presentationml/2006/main" xmlns:c="http://schemas.openxmlformats.org/drawingml/2006/chart" xmlns:dgm="http://schemas.openxmlformats.org/drawingml/2006/diagram" xmlns:o="urn:schemas-microsoft-com:office:office" xmlns:v="urn:schemas-microsoft-com:vml" xmlns:pvml="urn:schemas-microsoft-com:office:powerpoint" xmlns:com="http://schemas.openxmlformats.org/drawingml/2006/compatibility" xmlns:p14="http://schemas.microsoft.com/office/powerpoint/2010/main" xmlns:p15="http://schemas.microsoft.com/office/powerpoint/2012/main" xmlns:ahyp="http://schemas.microsoft.com/office/drawing/2018/hyperlinkcolor" showMasterPhAnim="0" showMasterSp="0">
+<p:notes xmlns:a="http://schemas.openxmlformats.org/drawingml/2006/main" xmlns:r="http://schemas.openxmlformats.org/officeDocument/2006/relationships" xmlns:p="http://schemas.openxmlformats.org/presentationml/2006/main" showMasterSp="0" showMasterPhAnim="0">
   <p:cSld>
     <p:spTree>
       <p:nvGrpSpPr>
-        <p:cNvPr id="66" name="Shape 66"/>
+        <p:cNvPr id="1" name="Shape 66"/>
         <p:cNvGrpSpPr/>
         <p:nvPr/>
       </p:nvGrpSpPr>
@@ -715,9 +737,11 @@
       <p:sp>
         <p:nvSpPr>
           <p:cNvPr id="67" name="Google Shape;67;p1:notes"/>
-          <p:cNvSpPr txBox="1"/>
+          <p:cNvSpPr txBox="1">
+            <a:spLocks noGrp="1"/>
+          </p:cNvSpPr>
           <p:nvPr>
-            <p:ph idx="1" type="body"/>
+            <p:ph type="body" idx="1"/>
           </p:nvPr>
         </p:nvSpPr>
         <p:spPr>
@@ -730,12 +754,12 @@
           </a:prstGeom>
         </p:spPr>
         <p:txBody>
-          <a:bodyPr anchorCtr="0" anchor="t" bIns="91425" lIns="91425" spcFirstLastPara="1" rIns="91425" wrap="square" tIns="91425">
+          <a:bodyPr spcFirstLastPara="1" wrap="square" lIns="91425" tIns="91425" rIns="91425" bIns="91425" anchor="t" anchorCtr="0">
             <a:noAutofit/>
           </a:bodyPr>
           <a:lstStyle/>
           <a:p>
-            <a:pPr indent="0" lvl="0" marL="0" rtl="0" algn="l">
+            <a:pPr marL="0" lvl="0" indent="0" algn="l" rtl="0">
               <a:spcBef>
                 <a:spcPts val="0"/>
               </a:spcBef>
@@ -744,9 +768,6 @@
               </a:spcAft>
               <a:buNone/>
             </a:pPr>
-            <a:r>
-              <a:t/>
-            </a:r>
             <a:endParaRPr/>
           </a:p>
         </p:txBody>
@@ -754,9 +775,11 @@
       <p:sp>
         <p:nvSpPr>
           <p:cNvPr id="68" name="Google Shape;68;p1:notes"/>
-          <p:cNvSpPr/>
+          <p:cNvSpPr>
+            <a:spLocks noGrp="1" noRot="1" noChangeAspect="1"/>
+          </p:cNvSpPr>
           <p:nvPr>
-            <p:ph idx="2" type="sldImg"/>
+            <p:ph type="sldImg" idx="2"/>
           </p:nvPr>
         </p:nvSpPr>
         <p:spPr>
@@ -765,9 +788,13 @@
             <a:ext cx="4572225" cy="3429000"/>
           </a:xfrm>
           <a:custGeom>
-            <a:rect b="b" l="l" r="r" t="t"/>
+            <a:avLst/>
+            <a:gdLst/>
+            <a:ahLst/>
+            <a:cxnLst/>
+            <a:rect l="l" t="t" r="r" b="b"/>
             <a:pathLst>
-              <a:path extrusionOk="0" h="120000" w="120000">
+              <a:path w="120000" h="120000" extrusionOk="0">
                 <a:moveTo>
                   <a:pt x="0" y="0"/>
                 </a:moveTo>
@@ -795,11 +822,11 @@
 </file>
 
 <file path=ppt/notesSlides/notesSlide10.xml><?xml version="1.0" encoding="utf-8"?>
-<p:notes xmlns:a="http://schemas.openxmlformats.org/drawingml/2006/main" xmlns:r="http://schemas.openxmlformats.org/officeDocument/2006/relationships" xmlns:mc="http://schemas.openxmlformats.org/markup-compatibility/2006" xmlns:mv="urn:schemas-microsoft-com:mac:vml" xmlns:p="http://schemas.openxmlformats.org/presentationml/2006/main" xmlns:c="http://schemas.openxmlformats.org/drawingml/2006/chart" xmlns:dgm="http://schemas.openxmlformats.org/drawingml/2006/diagram" xmlns:o="urn:schemas-microsoft-com:office:office" xmlns:v="urn:schemas-microsoft-com:vml" xmlns:pvml="urn:schemas-microsoft-com:office:powerpoint" xmlns:com="http://schemas.openxmlformats.org/drawingml/2006/compatibility" xmlns:p14="http://schemas.microsoft.com/office/powerpoint/2010/main" xmlns:p15="http://schemas.microsoft.com/office/powerpoint/2012/main" xmlns:ahyp="http://schemas.microsoft.com/office/drawing/2018/hyperlinkcolor" showMasterPhAnim="0" showMasterSp="0">
+<p:notes xmlns:a="http://schemas.openxmlformats.org/drawingml/2006/main" xmlns:r="http://schemas.openxmlformats.org/officeDocument/2006/relationships" xmlns:p="http://schemas.openxmlformats.org/presentationml/2006/main" showMasterSp="0" showMasterPhAnim="0">
   <p:cSld>
     <p:spTree>
       <p:nvGrpSpPr>
-        <p:cNvPr id="129" name="Shape 129"/>
+        <p:cNvPr id="1" name="Shape 129"/>
         <p:cNvGrpSpPr/>
         <p:nvPr/>
       </p:nvGrpSpPr>
@@ -814,9 +841,11 @@
       <p:sp>
         <p:nvSpPr>
           <p:cNvPr id="130" name="Google Shape;130;g2a760e91c58_0_22:notes"/>
-          <p:cNvSpPr/>
+          <p:cNvSpPr>
+            <a:spLocks noGrp="1" noRot="1" noChangeAspect="1"/>
+          </p:cNvSpPr>
           <p:nvPr>
-            <p:ph idx="2" type="sldImg"/>
+            <p:ph type="sldImg" idx="2"/>
           </p:nvPr>
         </p:nvSpPr>
         <p:spPr>
@@ -825,9 +854,13 @@
             <a:ext cx="4572300" cy="3429000"/>
           </a:xfrm>
           <a:custGeom>
-            <a:rect b="b" l="l" r="r" t="t"/>
+            <a:avLst/>
+            <a:gdLst/>
+            <a:ahLst/>
+            <a:cxnLst/>
+            <a:rect l="l" t="t" r="r" b="b"/>
             <a:pathLst>
-              <a:path extrusionOk="0" h="120000" w="120000">
+              <a:path w="120000" h="120000" extrusionOk="0">
                 <a:moveTo>
                   <a:pt x="0" y="0"/>
                 </a:moveTo>
@@ -849,9 +882,11 @@
       <p:sp>
         <p:nvSpPr>
           <p:cNvPr id="131" name="Google Shape;131;g2a760e91c58_0_22:notes"/>
-          <p:cNvSpPr txBox="1"/>
+          <p:cNvSpPr txBox="1">
+            <a:spLocks noGrp="1"/>
+          </p:cNvSpPr>
           <p:nvPr>
-            <p:ph idx="1" type="body"/>
+            <p:ph type="body" idx="1"/>
           </p:nvPr>
         </p:nvSpPr>
         <p:spPr>
@@ -864,12 +899,12 @@
           </a:prstGeom>
         </p:spPr>
         <p:txBody>
-          <a:bodyPr anchorCtr="0" anchor="t" bIns="91425" lIns="91425" spcFirstLastPara="1" rIns="91425" wrap="square" tIns="91425">
+          <a:bodyPr spcFirstLastPara="1" wrap="square" lIns="91425" tIns="91425" rIns="91425" bIns="91425" anchor="t" anchorCtr="0">
             <a:noAutofit/>
           </a:bodyPr>
           <a:lstStyle/>
           <a:p>
-            <a:pPr indent="0" lvl="0" marL="0" rtl="0" algn="l">
+            <a:pPr marL="0" lvl="0" indent="0" algn="l" rtl="0">
               <a:spcBef>
                 <a:spcPts val="0"/>
               </a:spcBef>
@@ -878,9 +913,6 @@
               </a:spcAft>
               <a:buNone/>
             </a:pPr>
-            <a:r>
-              <a:t/>
-            </a:r>
             <a:endParaRPr/>
           </a:p>
         </p:txBody>
@@ -894,11 +926,11 @@
 </file>
 
 <file path=ppt/notesSlides/notesSlide2.xml><?xml version="1.0" encoding="utf-8"?>
-<p:notes xmlns:a="http://schemas.openxmlformats.org/drawingml/2006/main" xmlns:r="http://schemas.openxmlformats.org/officeDocument/2006/relationships" xmlns:mc="http://schemas.openxmlformats.org/markup-compatibility/2006" xmlns:mv="urn:schemas-microsoft-com:mac:vml" xmlns:p="http://schemas.openxmlformats.org/presentationml/2006/main" xmlns:c="http://schemas.openxmlformats.org/drawingml/2006/chart" xmlns:dgm="http://schemas.openxmlformats.org/drawingml/2006/diagram" xmlns:o="urn:schemas-microsoft-com:office:office" xmlns:v="urn:schemas-microsoft-com:vml" xmlns:pvml="urn:schemas-microsoft-com:office:powerpoint" xmlns:com="http://schemas.openxmlformats.org/drawingml/2006/compatibility" xmlns:p14="http://schemas.microsoft.com/office/powerpoint/2010/main" xmlns:p15="http://schemas.microsoft.com/office/powerpoint/2012/main" xmlns:ahyp="http://schemas.microsoft.com/office/drawing/2018/hyperlinkcolor" showMasterPhAnim="0" showMasterSp="0">
+<p:notes xmlns:a="http://schemas.openxmlformats.org/drawingml/2006/main" xmlns:r="http://schemas.openxmlformats.org/officeDocument/2006/relationships" xmlns:p="http://schemas.openxmlformats.org/presentationml/2006/main" showMasterSp="0" showMasterPhAnim="0">
   <p:cSld>
     <p:spTree>
       <p:nvGrpSpPr>
-        <p:cNvPr id="74" name="Shape 74"/>
+        <p:cNvPr id="1" name="Shape 74"/>
         <p:cNvGrpSpPr/>
         <p:nvPr/>
       </p:nvGrpSpPr>
@@ -913,9 +945,11 @@
       <p:sp>
         <p:nvSpPr>
           <p:cNvPr id="75" name="Google Shape;75;p2:notes"/>
-          <p:cNvSpPr txBox="1"/>
+          <p:cNvSpPr txBox="1">
+            <a:spLocks noGrp="1"/>
+          </p:cNvSpPr>
           <p:nvPr>
-            <p:ph idx="1" type="body"/>
+            <p:ph type="body" idx="1"/>
           </p:nvPr>
         </p:nvSpPr>
         <p:spPr>
@@ -928,12 +962,12 @@
           </a:prstGeom>
         </p:spPr>
         <p:txBody>
-          <a:bodyPr anchorCtr="0" anchor="t" bIns="91425" lIns="91425" spcFirstLastPara="1" rIns="91425" wrap="square" tIns="91425">
+          <a:bodyPr spcFirstLastPara="1" wrap="square" lIns="91425" tIns="91425" rIns="91425" bIns="91425" anchor="t" anchorCtr="0">
             <a:noAutofit/>
           </a:bodyPr>
           <a:lstStyle/>
           <a:p>
-            <a:pPr indent="0" lvl="0" marL="0" rtl="0" algn="l">
+            <a:pPr marL="0" lvl="0" indent="0" algn="l" rtl="0">
               <a:spcBef>
                 <a:spcPts val="0"/>
               </a:spcBef>
@@ -942,9 +976,6 @@
               </a:spcAft>
               <a:buNone/>
             </a:pPr>
-            <a:r>
-              <a:t/>
-            </a:r>
             <a:endParaRPr/>
           </a:p>
         </p:txBody>
@@ -952,20 +983,26 @@
       <p:sp>
         <p:nvSpPr>
           <p:cNvPr id="76" name="Google Shape;76;p2:notes"/>
-          <p:cNvSpPr/>
+          <p:cNvSpPr>
+            <a:spLocks noGrp="1" noRot="1" noChangeAspect="1"/>
+          </p:cNvSpPr>
           <p:nvPr>
-            <p:ph idx="2" type="sldImg"/>
+            <p:ph type="sldImg" idx="2"/>
           </p:nvPr>
         </p:nvSpPr>
         <p:spPr>
           <a:xfrm>
-            <a:off x="1143225" y="685800"/>
-            <a:ext cx="4572225" cy="3429000"/>
+            <a:off x="381000" y="685800"/>
+            <a:ext cx="6096000" cy="3429000"/>
           </a:xfrm>
           <a:custGeom>
-            <a:rect b="b" l="l" r="r" t="t"/>
+            <a:avLst/>
+            <a:gdLst/>
+            <a:ahLst/>
+            <a:cxnLst/>
+            <a:rect l="l" t="t" r="r" b="b"/>
             <a:pathLst>
-              <a:path extrusionOk="0" h="120000" w="120000">
+              <a:path w="120000" h="120000" extrusionOk="0">
                 <a:moveTo>
                   <a:pt x="0" y="0"/>
                 </a:moveTo>
@@ -993,11 +1030,11 @@
 </file>
 
 <file path=ppt/notesSlides/notesSlide3.xml><?xml version="1.0" encoding="utf-8"?>
-<p:notes xmlns:a="http://schemas.openxmlformats.org/drawingml/2006/main" xmlns:r="http://schemas.openxmlformats.org/officeDocument/2006/relationships" xmlns:mc="http://schemas.openxmlformats.org/markup-compatibility/2006" xmlns:mv="urn:schemas-microsoft-com:mac:vml" xmlns:p="http://schemas.openxmlformats.org/presentationml/2006/main" xmlns:c="http://schemas.openxmlformats.org/drawingml/2006/chart" xmlns:dgm="http://schemas.openxmlformats.org/drawingml/2006/diagram" xmlns:o="urn:schemas-microsoft-com:office:office" xmlns:v="urn:schemas-microsoft-com:vml" xmlns:pvml="urn:schemas-microsoft-com:office:powerpoint" xmlns:com="http://schemas.openxmlformats.org/drawingml/2006/compatibility" xmlns:p14="http://schemas.microsoft.com/office/powerpoint/2010/main" xmlns:p15="http://schemas.microsoft.com/office/powerpoint/2012/main" xmlns:ahyp="http://schemas.microsoft.com/office/drawing/2018/hyperlinkcolor" showMasterPhAnim="0" showMasterSp="0">
+<p:notes xmlns:a="http://schemas.openxmlformats.org/drawingml/2006/main" xmlns:r="http://schemas.openxmlformats.org/officeDocument/2006/relationships" xmlns:p="http://schemas.openxmlformats.org/presentationml/2006/main" showMasterSp="0" showMasterPhAnim="0">
   <p:cSld>
     <p:spTree>
       <p:nvGrpSpPr>
-        <p:cNvPr id="80" name="Shape 80"/>
+        <p:cNvPr id="1" name="Shape 80"/>
         <p:cNvGrpSpPr/>
         <p:nvPr/>
       </p:nvGrpSpPr>
@@ -1012,9 +1049,11 @@
       <p:sp>
         <p:nvSpPr>
           <p:cNvPr id="81" name="Google Shape;81;g2a760e91c58_0_17:notes"/>
-          <p:cNvSpPr/>
+          <p:cNvSpPr>
+            <a:spLocks noGrp="1" noRot="1" noChangeAspect="1"/>
+          </p:cNvSpPr>
           <p:nvPr>
-            <p:ph idx="2" type="sldImg"/>
+            <p:ph type="sldImg" idx="2"/>
           </p:nvPr>
         </p:nvSpPr>
         <p:spPr>
@@ -1023,9 +1062,13 @@
             <a:ext cx="4572300" cy="3429000"/>
           </a:xfrm>
           <a:custGeom>
-            <a:rect b="b" l="l" r="r" t="t"/>
+            <a:avLst/>
+            <a:gdLst/>
+            <a:ahLst/>
+            <a:cxnLst/>
+            <a:rect l="l" t="t" r="r" b="b"/>
             <a:pathLst>
-              <a:path extrusionOk="0" h="120000" w="120000">
+              <a:path w="120000" h="120000" extrusionOk="0">
                 <a:moveTo>
                   <a:pt x="0" y="0"/>
                 </a:moveTo>
@@ -1047,9 +1090,11 @@
       <p:sp>
         <p:nvSpPr>
           <p:cNvPr id="82" name="Google Shape;82;g2a760e91c58_0_17:notes"/>
-          <p:cNvSpPr txBox="1"/>
+          <p:cNvSpPr txBox="1">
+            <a:spLocks noGrp="1"/>
+          </p:cNvSpPr>
           <p:nvPr>
-            <p:ph idx="1" type="body"/>
+            <p:ph type="body" idx="1"/>
           </p:nvPr>
         </p:nvSpPr>
         <p:spPr>
@@ -1062,12 +1107,12 @@
           </a:prstGeom>
         </p:spPr>
         <p:txBody>
-          <a:bodyPr anchorCtr="0" anchor="t" bIns="91425" lIns="91425" spcFirstLastPara="1" rIns="91425" wrap="square" tIns="91425">
+          <a:bodyPr spcFirstLastPara="1" wrap="square" lIns="91425" tIns="91425" rIns="91425" bIns="91425" anchor="t" anchorCtr="0">
             <a:noAutofit/>
           </a:bodyPr>
           <a:lstStyle/>
           <a:p>
-            <a:pPr indent="0" lvl="0" marL="0" rtl="0" algn="l">
+            <a:pPr marL="0" lvl="0" indent="0" algn="l" rtl="0">
               <a:spcBef>
                 <a:spcPts val="0"/>
               </a:spcBef>
@@ -1076,9 +1121,6 @@
               </a:spcAft>
               <a:buNone/>
             </a:pPr>
-            <a:r>
-              <a:t/>
-            </a:r>
             <a:endParaRPr/>
           </a:p>
         </p:txBody>
@@ -1092,11 +1134,11 @@
 </file>
 
 <file path=ppt/notesSlides/notesSlide4.xml><?xml version="1.0" encoding="utf-8"?>
-<p:notes xmlns:a="http://schemas.openxmlformats.org/drawingml/2006/main" xmlns:r="http://schemas.openxmlformats.org/officeDocument/2006/relationships" xmlns:mc="http://schemas.openxmlformats.org/markup-compatibility/2006" xmlns:mv="urn:schemas-microsoft-com:mac:vml" xmlns:p="http://schemas.openxmlformats.org/presentationml/2006/main" xmlns:c="http://schemas.openxmlformats.org/drawingml/2006/chart" xmlns:dgm="http://schemas.openxmlformats.org/drawingml/2006/diagram" xmlns:o="urn:schemas-microsoft-com:office:office" xmlns:v="urn:schemas-microsoft-com:vml" xmlns:pvml="urn:schemas-microsoft-com:office:powerpoint" xmlns:com="http://schemas.openxmlformats.org/drawingml/2006/compatibility" xmlns:p14="http://schemas.microsoft.com/office/powerpoint/2010/main" xmlns:p15="http://schemas.microsoft.com/office/powerpoint/2012/main" xmlns:ahyp="http://schemas.microsoft.com/office/drawing/2018/hyperlinkcolor" showMasterPhAnim="0" showMasterSp="0">
+<p:notes xmlns:a="http://schemas.openxmlformats.org/drawingml/2006/main" xmlns:r="http://schemas.openxmlformats.org/officeDocument/2006/relationships" xmlns:p="http://schemas.openxmlformats.org/presentationml/2006/main" showMasterSp="0" showMasterPhAnim="0">
   <p:cSld>
     <p:spTree>
       <p:nvGrpSpPr>
-        <p:cNvPr id="87" name="Shape 87"/>
+        <p:cNvPr id="1" name="Shape 87"/>
         <p:cNvGrpSpPr/>
         <p:nvPr/>
       </p:nvGrpSpPr>
@@ -1111,9 +1153,11 @@
       <p:sp>
         <p:nvSpPr>
           <p:cNvPr id="88" name="Google Shape;88;p3:notes"/>
-          <p:cNvSpPr txBox="1"/>
+          <p:cNvSpPr txBox="1">
+            <a:spLocks noGrp="1"/>
+          </p:cNvSpPr>
           <p:nvPr>
-            <p:ph idx="1" type="body"/>
+            <p:ph type="body" idx="1"/>
           </p:nvPr>
         </p:nvSpPr>
         <p:spPr>
@@ -1126,12 +1170,12 @@
           </a:prstGeom>
         </p:spPr>
         <p:txBody>
-          <a:bodyPr anchorCtr="0" anchor="t" bIns="91425" lIns="91425" spcFirstLastPara="1" rIns="91425" wrap="square" tIns="91425">
+          <a:bodyPr spcFirstLastPara="1" wrap="square" lIns="91425" tIns="91425" rIns="91425" bIns="91425" anchor="t" anchorCtr="0">
             <a:noAutofit/>
           </a:bodyPr>
           <a:lstStyle/>
           <a:p>
-            <a:pPr indent="0" lvl="0" marL="0" rtl="0" algn="l">
+            <a:pPr marL="0" lvl="0" indent="0" algn="l" rtl="0">
               <a:spcBef>
                 <a:spcPts val="0"/>
               </a:spcBef>
@@ -1140,9 +1184,6 @@
               </a:spcAft>
               <a:buNone/>
             </a:pPr>
-            <a:r>
-              <a:t/>
-            </a:r>
             <a:endParaRPr/>
           </a:p>
         </p:txBody>
@@ -1150,9 +1191,11 @@
       <p:sp>
         <p:nvSpPr>
           <p:cNvPr id="89" name="Google Shape;89;p3:notes"/>
-          <p:cNvSpPr/>
+          <p:cNvSpPr>
+            <a:spLocks noGrp="1" noRot="1" noChangeAspect="1"/>
+          </p:cNvSpPr>
           <p:nvPr>
-            <p:ph idx="2" type="sldImg"/>
+            <p:ph type="sldImg" idx="2"/>
           </p:nvPr>
         </p:nvSpPr>
         <p:spPr>
@@ -1161,9 +1204,13 @@
             <a:ext cx="4572225" cy="3429000"/>
           </a:xfrm>
           <a:custGeom>
-            <a:rect b="b" l="l" r="r" t="t"/>
+            <a:avLst/>
+            <a:gdLst/>
+            <a:ahLst/>
+            <a:cxnLst/>
+            <a:rect l="l" t="t" r="r" b="b"/>
             <a:pathLst>
-              <a:path extrusionOk="0" h="120000" w="120000">
+              <a:path w="120000" h="120000" extrusionOk="0">
                 <a:moveTo>
                   <a:pt x="0" y="0"/>
                 </a:moveTo>
@@ -1191,11 +1238,11 @@
 </file>
 
 <file path=ppt/notesSlides/notesSlide5.xml><?xml version="1.0" encoding="utf-8"?>
-<p:notes xmlns:a="http://schemas.openxmlformats.org/drawingml/2006/main" xmlns:r="http://schemas.openxmlformats.org/officeDocument/2006/relationships" xmlns:mc="http://schemas.openxmlformats.org/markup-compatibility/2006" xmlns:mv="urn:schemas-microsoft-com:mac:vml" xmlns:p="http://schemas.openxmlformats.org/presentationml/2006/main" xmlns:c="http://schemas.openxmlformats.org/drawingml/2006/chart" xmlns:dgm="http://schemas.openxmlformats.org/drawingml/2006/diagram" xmlns:o="urn:schemas-microsoft-com:office:office" xmlns:v="urn:schemas-microsoft-com:vml" xmlns:pvml="urn:schemas-microsoft-com:office:powerpoint" xmlns:com="http://schemas.openxmlformats.org/drawingml/2006/compatibility" xmlns:p14="http://schemas.microsoft.com/office/powerpoint/2010/main" xmlns:p15="http://schemas.microsoft.com/office/powerpoint/2012/main" xmlns:ahyp="http://schemas.microsoft.com/office/drawing/2018/hyperlinkcolor" showMasterPhAnim="0" showMasterSp="0">
+<p:notes xmlns:a="http://schemas.openxmlformats.org/drawingml/2006/main" xmlns:r="http://schemas.openxmlformats.org/officeDocument/2006/relationships" xmlns:p="http://schemas.openxmlformats.org/presentationml/2006/main" showMasterSp="0" showMasterPhAnim="0">
   <p:cSld>
     <p:spTree>
       <p:nvGrpSpPr>
-        <p:cNvPr id="96" name="Shape 96"/>
+        <p:cNvPr id="1" name="Shape 96"/>
         <p:cNvGrpSpPr/>
         <p:nvPr/>
       </p:nvGrpSpPr>
@@ -1210,9 +1257,11 @@
       <p:sp>
         <p:nvSpPr>
           <p:cNvPr id="97" name="Google Shape;97;g2a7934543a9_1_6:notes"/>
-          <p:cNvSpPr/>
+          <p:cNvSpPr>
+            <a:spLocks noGrp="1" noRot="1" noChangeAspect="1"/>
+          </p:cNvSpPr>
           <p:nvPr>
-            <p:ph idx="2" type="sldImg"/>
+            <p:ph type="sldImg" idx="2"/>
           </p:nvPr>
         </p:nvSpPr>
         <p:spPr>
@@ -1221,9 +1270,13 @@
             <a:ext cx="4572300" cy="3429000"/>
           </a:xfrm>
           <a:custGeom>
-            <a:rect b="b" l="l" r="r" t="t"/>
+            <a:avLst/>
+            <a:gdLst/>
+            <a:ahLst/>
+            <a:cxnLst/>
+            <a:rect l="l" t="t" r="r" b="b"/>
             <a:pathLst>
-              <a:path extrusionOk="0" h="120000" w="120000">
+              <a:path w="120000" h="120000" extrusionOk="0">
                 <a:moveTo>
                   <a:pt x="0" y="0"/>
                 </a:moveTo>
@@ -1245,9 +1298,11 @@
       <p:sp>
         <p:nvSpPr>
           <p:cNvPr id="98" name="Google Shape;98;g2a7934543a9_1_6:notes"/>
-          <p:cNvSpPr txBox="1"/>
+          <p:cNvSpPr txBox="1">
+            <a:spLocks noGrp="1"/>
+          </p:cNvSpPr>
           <p:nvPr>
-            <p:ph idx="1" type="body"/>
+            <p:ph type="body" idx="1"/>
           </p:nvPr>
         </p:nvSpPr>
         <p:spPr>
@@ -1260,12 +1315,12 @@
           </a:prstGeom>
         </p:spPr>
         <p:txBody>
-          <a:bodyPr anchorCtr="0" anchor="t" bIns="91425" lIns="91425" spcFirstLastPara="1" rIns="91425" wrap="square" tIns="91425">
+          <a:bodyPr spcFirstLastPara="1" wrap="square" lIns="91425" tIns="91425" rIns="91425" bIns="91425" anchor="t" anchorCtr="0">
             <a:noAutofit/>
           </a:bodyPr>
           <a:lstStyle/>
           <a:p>
-            <a:pPr indent="0" lvl="0" marL="0" rtl="0" algn="l">
+            <a:pPr marL="0" lvl="0" indent="0" algn="l" rtl="0">
               <a:spcBef>
                 <a:spcPts val="0"/>
               </a:spcBef>
@@ -1274,9 +1329,6 @@
               </a:spcAft>
               <a:buNone/>
             </a:pPr>
-            <a:r>
-              <a:t/>
-            </a:r>
             <a:endParaRPr/>
           </a:p>
         </p:txBody>
@@ -1290,11 +1342,11 @@
 </file>
 
 <file path=ppt/notesSlides/notesSlide6.xml><?xml version="1.0" encoding="utf-8"?>
-<p:notes xmlns:a="http://schemas.openxmlformats.org/drawingml/2006/main" xmlns:r="http://schemas.openxmlformats.org/officeDocument/2006/relationships" xmlns:mc="http://schemas.openxmlformats.org/markup-compatibility/2006" xmlns:mv="urn:schemas-microsoft-com:mac:vml" xmlns:p="http://schemas.openxmlformats.org/presentationml/2006/main" xmlns:c="http://schemas.openxmlformats.org/drawingml/2006/chart" xmlns:dgm="http://schemas.openxmlformats.org/drawingml/2006/diagram" xmlns:o="urn:schemas-microsoft-com:office:office" xmlns:v="urn:schemas-microsoft-com:vml" xmlns:pvml="urn:schemas-microsoft-com:office:powerpoint" xmlns:com="http://schemas.openxmlformats.org/drawingml/2006/compatibility" xmlns:p14="http://schemas.microsoft.com/office/powerpoint/2010/main" xmlns:p15="http://schemas.microsoft.com/office/powerpoint/2012/main" xmlns:ahyp="http://schemas.microsoft.com/office/drawing/2018/hyperlinkcolor" showMasterPhAnim="0" showMasterSp="0">
+<p:notes xmlns:a="http://schemas.openxmlformats.org/drawingml/2006/main" xmlns:r="http://schemas.openxmlformats.org/officeDocument/2006/relationships" xmlns:p="http://schemas.openxmlformats.org/presentationml/2006/main" showMasterSp="0" showMasterPhAnim="0">
   <p:cSld>
     <p:spTree>
       <p:nvGrpSpPr>
-        <p:cNvPr id="102" name="Shape 102"/>
+        <p:cNvPr id="1" name="Shape 102"/>
         <p:cNvGrpSpPr/>
         <p:nvPr/>
       </p:nvGrpSpPr>
@@ -1309,9 +1361,11 @@
       <p:sp>
         <p:nvSpPr>
           <p:cNvPr id="103" name="Google Shape;103;g2a713287825_0_0:notes"/>
-          <p:cNvSpPr/>
+          <p:cNvSpPr>
+            <a:spLocks noGrp="1" noRot="1" noChangeAspect="1"/>
+          </p:cNvSpPr>
           <p:nvPr>
-            <p:ph idx="2" type="sldImg"/>
+            <p:ph type="sldImg" idx="2"/>
           </p:nvPr>
         </p:nvSpPr>
         <p:spPr>
@@ -1320,9 +1374,13 @@
             <a:ext cx="4572300" cy="3429000"/>
           </a:xfrm>
           <a:custGeom>
-            <a:rect b="b" l="l" r="r" t="t"/>
+            <a:avLst/>
+            <a:gdLst/>
+            <a:ahLst/>
+            <a:cxnLst/>
+            <a:rect l="l" t="t" r="r" b="b"/>
             <a:pathLst>
-              <a:path extrusionOk="0" h="120000" w="120000">
+              <a:path w="120000" h="120000" extrusionOk="0">
                 <a:moveTo>
                   <a:pt x="0" y="0"/>
                 </a:moveTo>
@@ -1344,9 +1402,11 @@
       <p:sp>
         <p:nvSpPr>
           <p:cNvPr id="104" name="Google Shape;104;g2a713287825_0_0:notes"/>
-          <p:cNvSpPr txBox="1"/>
+          <p:cNvSpPr txBox="1">
+            <a:spLocks noGrp="1"/>
+          </p:cNvSpPr>
           <p:nvPr>
-            <p:ph idx="1" type="body"/>
+            <p:ph type="body" idx="1"/>
           </p:nvPr>
         </p:nvSpPr>
         <p:spPr>
@@ -1359,12 +1419,12 @@
           </a:prstGeom>
         </p:spPr>
         <p:txBody>
-          <a:bodyPr anchorCtr="0" anchor="t" bIns="91425" lIns="91425" spcFirstLastPara="1" rIns="91425" wrap="square" tIns="91425">
+          <a:bodyPr spcFirstLastPara="1" wrap="square" lIns="91425" tIns="91425" rIns="91425" bIns="91425" anchor="t" anchorCtr="0">
             <a:noAutofit/>
           </a:bodyPr>
           <a:lstStyle/>
           <a:p>
-            <a:pPr indent="0" lvl="0" marL="0" rtl="0" algn="l">
+            <a:pPr marL="0" lvl="0" indent="0" algn="l" rtl="0">
               <a:spcBef>
                 <a:spcPts val="0"/>
               </a:spcBef>
@@ -1373,9 +1433,6 @@
               </a:spcAft>
               <a:buNone/>
             </a:pPr>
-            <a:r>
-              <a:t/>
-            </a:r>
             <a:endParaRPr/>
           </a:p>
         </p:txBody>
@@ -1389,11 +1446,11 @@
 </file>
 
 <file path=ppt/notesSlides/notesSlide7.xml><?xml version="1.0" encoding="utf-8"?>
-<p:notes xmlns:a="http://schemas.openxmlformats.org/drawingml/2006/main" xmlns:r="http://schemas.openxmlformats.org/officeDocument/2006/relationships" xmlns:mc="http://schemas.openxmlformats.org/markup-compatibility/2006" xmlns:mv="urn:schemas-microsoft-com:mac:vml" xmlns:p="http://schemas.openxmlformats.org/presentationml/2006/main" xmlns:c="http://schemas.openxmlformats.org/drawingml/2006/chart" xmlns:dgm="http://schemas.openxmlformats.org/drawingml/2006/diagram" xmlns:o="urn:schemas-microsoft-com:office:office" xmlns:v="urn:schemas-microsoft-com:vml" xmlns:pvml="urn:schemas-microsoft-com:office:powerpoint" xmlns:com="http://schemas.openxmlformats.org/drawingml/2006/compatibility" xmlns:p14="http://schemas.microsoft.com/office/powerpoint/2010/main" xmlns:p15="http://schemas.microsoft.com/office/powerpoint/2012/main" xmlns:ahyp="http://schemas.microsoft.com/office/drawing/2018/hyperlinkcolor" showMasterPhAnim="0" showMasterSp="0">
+<p:notes xmlns:a="http://schemas.openxmlformats.org/drawingml/2006/main" xmlns:r="http://schemas.openxmlformats.org/officeDocument/2006/relationships" xmlns:p="http://schemas.openxmlformats.org/presentationml/2006/main" showMasterSp="0" showMasterPhAnim="0">
   <p:cSld>
     <p:spTree>
       <p:nvGrpSpPr>
-        <p:cNvPr id="109" name="Shape 109"/>
+        <p:cNvPr id="1" name="Shape 109"/>
         <p:cNvGrpSpPr/>
         <p:nvPr/>
       </p:nvGrpSpPr>
@@ -1408,20 +1465,26 @@
       <p:sp>
         <p:nvSpPr>
           <p:cNvPr id="110" name="Google Shape;110;g2a760e91c58_0_0:notes"/>
-          <p:cNvSpPr/>
+          <p:cNvSpPr>
+            <a:spLocks noGrp="1" noRot="1" noChangeAspect="1"/>
+          </p:cNvSpPr>
           <p:nvPr>
-            <p:ph idx="2" type="sldImg"/>
+            <p:ph type="sldImg" idx="2"/>
           </p:nvPr>
         </p:nvSpPr>
         <p:spPr>
           <a:xfrm>
-            <a:off x="1143225" y="685800"/>
-            <a:ext cx="4572300" cy="3429000"/>
+            <a:off x="381000" y="685800"/>
+            <a:ext cx="6096000" cy="3429000"/>
           </a:xfrm>
           <a:custGeom>
-            <a:rect b="b" l="l" r="r" t="t"/>
+            <a:avLst/>
+            <a:gdLst/>
+            <a:ahLst/>
+            <a:cxnLst/>
+            <a:rect l="l" t="t" r="r" b="b"/>
             <a:pathLst>
-              <a:path extrusionOk="0" h="120000" w="120000">
+              <a:path w="120000" h="120000" extrusionOk="0">
                 <a:moveTo>
                   <a:pt x="0" y="0"/>
                 </a:moveTo>
@@ -1443,9 +1506,11 @@
       <p:sp>
         <p:nvSpPr>
           <p:cNvPr id="111" name="Google Shape;111;g2a760e91c58_0_0:notes"/>
-          <p:cNvSpPr txBox="1"/>
+          <p:cNvSpPr txBox="1">
+            <a:spLocks noGrp="1"/>
+          </p:cNvSpPr>
           <p:nvPr>
-            <p:ph idx="1" type="body"/>
+            <p:ph type="body" idx="1"/>
           </p:nvPr>
         </p:nvSpPr>
         <p:spPr>
@@ -1458,12 +1523,12 @@
           </a:prstGeom>
         </p:spPr>
         <p:txBody>
-          <a:bodyPr anchorCtr="0" anchor="t" bIns="91425" lIns="91425" spcFirstLastPara="1" rIns="91425" wrap="square" tIns="91425">
+          <a:bodyPr spcFirstLastPara="1" wrap="square" lIns="91425" tIns="91425" rIns="91425" bIns="91425" anchor="t" anchorCtr="0">
             <a:noAutofit/>
           </a:bodyPr>
           <a:lstStyle/>
           <a:p>
-            <a:pPr indent="0" lvl="0" marL="0" rtl="0" algn="l">
+            <a:pPr marL="0" lvl="0" indent="0" algn="l" rtl="0">
               <a:spcBef>
                 <a:spcPts val="0"/>
               </a:spcBef>
@@ -1472,9 +1537,6 @@
               </a:spcAft>
               <a:buNone/>
             </a:pPr>
-            <a:r>
-              <a:t/>
-            </a:r>
             <a:endParaRPr/>
           </a:p>
         </p:txBody>
@@ -1488,11 +1550,11 @@
 </file>
 
 <file path=ppt/notesSlides/notesSlide8.xml><?xml version="1.0" encoding="utf-8"?>
-<p:notes xmlns:a="http://schemas.openxmlformats.org/drawingml/2006/main" xmlns:r="http://schemas.openxmlformats.org/officeDocument/2006/relationships" xmlns:mc="http://schemas.openxmlformats.org/markup-compatibility/2006" xmlns:mv="urn:schemas-microsoft-com:mac:vml" xmlns:p="http://schemas.openxmlformats.org/presentationml/2006/main" xmlns:c="http://schemas.openxmlformats.org/drawingml/2006/chart" xmlns:dgm="http://schemas.openxmlformats.org/drawingml/2006/diagram" xmlns:o="urn:schemas-microsoft-com:office:office" xmlns:v="urn:schemas-microsoft-com:vml" xmlns:pvml="urn:schemas-microsoft-com:office:powerpoint" xmlns:com="http://schemas.openxmlformats.org/drawingml/2006/compatibility" xmlns:p14="http://schemas.microsoft.com/office/powerpoint/2010/main" xmlns:p15="http://schemas.microsoft.com/office/powerpoint/2012/main" xmlns:ahyp="http://schemas.microsoft.com/office/drawing/2018/hyperlinkcolor" showMasterPhAnim="0" showMasterSp="0">
+<p:notes xmlns:a="http://schemas.openxmlformats.org/drawingml/2006/main" xmlns:r="http://schemas.openxmlformats.org/officeDocument/2006/relationships" xmlns:p="http://schemas.openxmlformats.org/presentationml/2006/main" showMasterSp="0" showMasterPhAnim="0">
   <p:cSld>
     <p:spTree>
       <p:nvGrpSpPr>
-        <p:cNvPr id="115" name="Shape 115"/>
+        <p:cNvPr id="1" name="Shape 115"/>
         <p:cNvGrpSpPr/>
         <p:nvPr/>
       </p:nvGrpSpPr>
@@ -1507,9 +1569,11 @@
       <p:sp>
         <p:nvSpPr>
           <p:cNvPr id="116" name="Google Shape;116;g2a760e91c58_0_5:notes"/>
-          <p:cNvSpPr/>
+          <p:cNvSpPr>
+            <a:spLocks noGrp="1" noRot="1" noChangeAspect="1"/>
+          </p:cNvSpPr>
           <p:nvPr>
-            <p:ph idx="2" type="sldImg"/>
+            <p:ph type="sldImg" idx="2"/>
           </p:nvPr>
         </p:nvSpPr>
         <p:spPr>
@@ -1518,9 +1582,13 @@
             <a:ext cx="4572300" cy="3429000"/>
           </a:xfrm>
           <a:custGeom>
-            <a:rect b="b" l="l" r="r" t="t"/>
+            <a:avLst/>
+            <a:gdLst/>
+            <a:ahLst/>
+            <a:cxnLst/>
+            <a:rect l="l" t="t" r="r" b="b"/>
             <a:pathLst>
-              <a:path extrusionOk="0" h="120000" w="120000">
+              <a:path w="120000" h="120000" extrusionOk="0">
                 <a:moveTo>
                   <a:pt x="0" y="0"/>
                 </a:moveTo>
@@ -1542,9 +1610,11 @@
       <p:sp>
         <p:nvSpPr>
           <p:cNvPr id="117" name="Google Shape;117;g2a760e91c58_0_5:notes"/>
-          <p:cNvSpPr txBox="1"/>
+          <p:cNvSpPr txBox="1">
+            <a:spLocks noGrp="1"/>
+          </p:cNvSpPr>
           <p:nvPr>
-            <p:ph idx="1" type="body"/>
+            <p:ph type="body" idx="1"/>
           </p:nvPr>
         </p:nvSpPr>
         <p:spPr>
@@ -1557,12 +1627,12 @@
           </a:prstGeom>
         </p:spPr>
         <p:txBody>
-          <a:bodyPr anchorCtr="0" anchor="t" bIns="91425" lIns="91425" spcFirstLastPara="1" rIns="91425" wrap="square" tIns="91425">
+          <a:bodyPr spcFirstLastPara="1" wrap="square" lIns="91425" tIns="91425" rIns="91425" bIns="91425" anchor="t" anchorCtr="0">
             <a:noAutofit/>
           </a:bodyPr>
           <a:lstStyle/>
           <a:p>
-            <a:pPr indent="0" lvl="0" marL="0" rtl="0" algn="l">
+            <a:pPr marL="0" lvl="0" indent="0" algn="l" rtl="0">
               <a:spcBef>
                 <a:spcPts val="0"/>
               </a:spcBef>
@@ -1571,9 +1641,6 @@
               </a:spcAft>
               <a:buNone/>
             </a:pPr>
-            <a:r>
-              <a:t/>
-            </a:r>
             <a:endParaRPr/>
           </a:p>
         </p:txBody>
@@ -1587,11 +1654,11 @@
 </file>
 
 <file path=ppt/notesSlides/notesSlide9.xml><?xml version="1.0" encoding="utf-8"?>
-<p:notes xmlns:a="http://schemas.openxmlformats.org/drawingml/2006/main" xmlns:r="http://schemas.openxmlformats.org/officeDocument/2006/relationships" xmlns:mc="http://schemas.openxmlformats.org/markup-compatibility/2006" xmlns:mv="urn:schemas-microsoft-com:mac:vml" xmlns:p="http://schemas.openxmlformats.org/presentationml/2006/main" xmlns:c="http://schemas.openxmlformats.org/drawingml/2006/chart" xmlns:dgm="http://schemas.openxmlformats.org/drawingml/2006/diagram" xmlns:o="urn:schemas-microsoft-com:office:office" xmlns:v="urn:schemas-microsoft-com:vml" xmlns:pvml="urn:schemas-microsoft-com:office:powerpoint" xmlns:com="http://schemas.openxmlformats.org/drawingml/2006/compatibility" xmlns:p14="http://schemas.microsoft.com/office/powerpoint/2010/main" xmlns:p15="http://schemas.microsoft.com/office/powerpoint/2012/main" xmlns:ahyp="http://schemas.microsoft.com/office/drawing/2018/hyperlinkcolor" showMasterPhAnim="0" showMasterSp="0">
+<p:notes xmlns:a="http://schemas.openxmlformats.org/drawingml/2006/main" xmlns:r="http://schemas.openxmlformats.org/officeDocument/2006/relationships" xmlns:p="http://schemas.openxmlformats.org/presentationml/2006/main" showMasterSp="0" showMasterPhAnim="0">
   <p:cSld>
     <p:spTree>
       <p:nvGrpSpPr>
-        <p:cNvPr id="123" name="Shape 123"/>
+        <p:cNvPr id="1" name="Shape 123"/>
         <p:cNvGrpSpPr/>
         <p:nvPr/>
       </p:nvGrpSpPr>
@@ -1606,9 +1673,11 @@
       <p:sp>
         <p:nvSpPr>
           <p:cNvPr id="124" name="Google Shape;124;g2a7934543a9_1_12:notes"/>
-          <p:cNvSpPr/>
+          <p:cNvSpPr>
+            <a:spLocks noGrp="1" noRot="1" noChangeAspect="1"/>
+          </p:cNvSpPr>
           <p:nvPr>
-            <p:ph idx="2" type="sldImg"/>
+            <p:ph type="sldImg" idx="2"/>
           </p:nvPr>
         </p:nvSpPr>
         <p:spPr>
@@ -1617,9 +1686,13 @@
             <a:ext cx="4572300" cy="3429000"/>
           </a:xfrm>
           <a:custGeom>
-            <a:rect b="b" l="l" r="r" t="t"/>
+            <a:avLst/>
+            <a:gdLst/>
+            <a:ahLst/>
+            <a:cxnLst/>
+            <a:rect l="l" t="t" r="r" b="b"/>
             <a:pathLst>
-              <a:path extrusionOk="0" h="120000" w="120000">
+              <a:path w="120000" h="120000" extrusionOk="0">
                 <a:moveTo>
                   <a:pt x="0" y="0"/>
                 </a:moveTo>
@@ -1641,9 +1714,11 @@
       <p:sp>
         <p:nvSpPr>
           <p:cNvPr id="125" name="Google Shape;125;g2a7934543a9_1_12:notes"/>
-          <p:cNvSpPr txBox="1"/>
+          <p:cNvSpPr txBox="1">
+            <a:spLocks noGrp="1"/>
+          </p:cNvSpPr>
           <p:nvPr>
-            <p:ph idx="1" type="body"/>
+            <p:ph type="body" idx="1"/>
           </p:nvPr>
         </p:nvSpPr>
         <p:spPr>
@@ -1656,12 +1731,12 @@
           </a:prstGeom>
         </p:spPr>
         <p:txBody>
-          <a:bodyPr anchorCtr="0" anchor="t" bIns="91425" lIns="91425" spcFirstLastPara="1" rIns="91425" wrap="square" tIns="91425">
+          <a:bodyPr spcFirstLastPara="1" wrap="square" lIns="91425" tIns="91425" rIns="91425" bIns="91425" anchor="t" anchorCtr="0">
             <a:noAutofit/>
           </a:bodyPr>
           <a:lstStyle/>
           <a:p>
-            <a:pPr indent="0" lvl="0" marL="0" rtl="0" algn="l">
+            <a:pPr marL="0" lvl="0" indent="0" algn="l" rtl="0">
               <a:spcBef>
                 <a:spcPts val="0"/>
               </a:spcBef>
@@ -1670,9 +1745,6 @@
               </a:spcAft>
               <a:buNone/>
             </a:pPr>
-            <a:r>
-              <a:t/>
-            </a:r>
             <a:endParaRPr/>
           </a:p>
         </p:txBody>
@@ -1686,18 +1758,19 @@
 </file>
 
 <file path=ppt/slideLayouts/slideLayout1.xml><?xml version="1.0" encoding="utf-8"?>
-<p:sldLayout xmlns:a="http://schemas.openxmlformats.org/drawingml/2006/main" xmlns:r="http://schemas.openxmlformats.org/officeDocument/2006/relationships" xmlns:mc="http://schemas.openxmlformats.org/markup-compatibility/2006" xmlns:mv="urn:schemas-microsoft-com:mac:vml" xmlns:p="http://schemas.openxmlformats.org/presentationml/2006/main" xmlns:c="http://schemas.openxmlformats.org/drawingml/2006/chart" xmlns:dgm="http://schemas.openxmlformats.org/drawingml/2006/diagram" xmlns:o="urn:schemas-microsoft-com:office:office" xmlns:v="urn:schemas-microsoft-com:vml" xmlns:pvml="urn:schemas-microsoft-com:office:powerpoint" xmlns:com="http://schemas.openxmlformats.org/drawingml/2006/compatibility" xmlns:p14="http://schemas.microsoft.com/office/powerpoint/2010/main" xmlns:p15="http://schemas.microsoft.com/office/powerpoint/2012/main" xmlns:ahyp="http://schemas.microsoft.com/office/drawing/2018/hyperlinkcolor" matchingName="Title slide" type="title">
+<p:sldLayout xmlns:a="http://schemas.openxmlformats.org/drawingml/2006/main" xmlns:r="http://schemas.openxmlformats.org/officeDocument/2006/relationships" xmlns:p="http://schemas.openxmlformats.org/presentationml/2006/main" matchingName="Title slide" type="title">
   <p:cSld name="TITLE">
     <p:bg>
       <p:bgPr>
         <a:solidFill>
           <a:schemeClr val="dk1"/>
         </a:solidFill>
+        <a:effectLst/>
       </p:bgPr>
     </p:bg>
     <p:spTree>
       <p:nvGrpSpPr>
-        <p:cNvPr id="9" name="Shape 9"/>
+        <p:cNvPr id="1" name="Shape 9"/>
         <p:cNvGrpSpPr/>
         <p:nvPr/>
       </p:nvGrpSpPr>
@@ -1721,9 +1794,13 @@
             <a:ext cx="12192029" cy="5863987"/>
           </a:xfrm>
           <a:custGeom>
-            <a:rect b="b" l="l" r="r" t="t"/>
+            <a:avLst/>
+            <a:gdLst/>
+            <a:ahLst/>
+            <a:cxnLst/>
+            <a:rect l="l" t="t" r="r" b="b"/>
             <a:pathLst>
-              <a:path extrusionOk="0" h="175924" w="365770">
+              <a:path w="365770" h="175924" extrusionOk="0">
                 <a:moveTo>
                   <a:pt x="0" y="0"/>
                 </a:moveTo>
@@ -1751,7 +1828,9 @@
       <p:sp>
         <p:nvSpPr>
           <p:cNvPr id="11" name="Google Shape;11;p2"/>
-          <p:cNvSpPr txBox="1"/>
+          <p:cNvSpPr txBox="1">
+            <a:spLocks noGrp="1"/>
+          </p:cNvSpPr>
           <p:nvPr>
             <p:ph type="ctrTitle"/>
           </p:nvPr>
@@ -1766,7 +1845,7 @@
           </a:prstGeom>
         </p:spPr>
         <p:txBody>
-          <a:bodyPr anchorCtr="0" anchor="t" bIns="121900" lIns="121900" spcFirstLastPara="1" rIns="121900" wrap="square" tIns="121900">
+          <a:bodyPr spcFirstLastPara="1" wrap="square" lIns="121900" tIns="121900" rIns="121900" bIns="121900" anchor="t" anchorCtr="0">
             <a:normAutofit/>
           </a:bodyPr>
           <a:lstStyle>
@@ -1870,15 +1949,19 @@
               <a:defRPr sz="4800"/>
             </a:lvl9pPr>
           </a:lstStyle>
-          <a:p/>
+          <a:p>
+            <a:endParaRPr/>
+          </a:p>
         </p:txBody>
       </p:sp>
       <p:sp>
         <p:nvSpPr>
           <p:cNvPr id="12" name="Google Shape;12;p2"/>
-          <p:cNvSpPr txBox="1"/>
+          <p:cNvSpPr txBox="1">
+            <a:spLocks noGrp="1"/>
+          </p:cNvSpPr>
           <p:nvPr>
-            <p:ph idx="1" type="subTitle"/>
+            <p:ph type="subTitle" idx="1"/>
           </p:nvPr>
         </p:nvSpPr>
         <p:spPr>
@@ -1891,7 +1974,7 @@
           </a:prstGeom>
         </p:spPr>
         <p:txBody>
-          <a:bodyPr anchorCtr="0" anchor="t" bIns="121900" lIns="121900" spcFirstLastPara="1" rIns="121900" wrap="square" tIns="121900">
+          <a:bodyPr spcFirstLastPara="1" wrap="square" lIns="121900" tIns="121900" rIns="121900" bIns="121900" anchor="t" anchorCtr="0">
             <a:normAutofit/>
           </a:bodyPr>
           <a:lstStyle>
@@ -2085,15 +2168,19 @@
               </a:defRPr>
             </a:lvl9pPr>
           </a:lstStyle>
-          <a:p/>
+          <a:p>
+            <a:endParaRPr/>
+          </a:p>
         </p:txBody>
       </p:sp>
       <p:sp>
         <p:nvSpPr>
           <p:cNvPr id="13" name="Google Shape;13;p2"/>
-          <p:cNvSpPr txBox="1"/>
+          <p:cNvSpPr txBox="1">
+            <a:spLocks noGrp="1"/>
+          </p:cNvSpPr>
           <p:nvPr>
-            <p:ph idx="12" type="sldNum"/>
+            <p:ph type="sldNum" idx="12"/>
           </p:nvPr>
         </p:nvSpPr>
         <p:spPr>
@@ -2106,7 +2193,7 @@
           </a:prstGeom>
         </p:spPr>
         <p:txBody>
-          <a:bodyPr anchorCtr="0" anchor="ctr" bIns="121900" lIns="121900" spcFirstLastPara="1" rIns="121900" wrap="square" tIns="121900">
+          <a:bodyPr spcFirstLastPara="1" wrap="square" lIns="121900" tIns="121900" rIns="121900" bIns="121900" anchor="ctr" anchorCtr="0">
             <a:normAutofit/>
           </a:bodyPr>
           <a:lstStyle>
@@ -2184,7 +2271,7 @@
             </a:lvl9pPr>
           </a:lstStyle>
           <a:p>
-            <a:pPr indent="0" lvl="0" marL="0" rtl="0" algn="r">
+            <a:pPr marL="0" lvl="0" indent="0" algn="r" rtl="0">
               <a:spcBef>
                 <a:spcPts val="0"/>
               </a:spcBef>
@@ -2210,18 +2297,19 @@
 </file>
 
 <file path=ppt/slideLayouts/slideLayout10.xml><?xml version="1.0" encoding="utf-8"?>
-<p:sldLayout xmlns:a="http://schemas.openxmlformats.org/drawingml/2006/main" xmlns:r="http://schemas.openxmlformats.org/officeDocument/2006/relationships" xmlns:mc="http://schemas.openxmlformats.org/markup-compatibility/2006" xmlns:mv="urn:schemas-microsoft-com:mac:vml" xmlns:p="http://schemas.openxmlformats.org/presentationml/2006/main" xmlns:c="http://schemas.openxmlformats.org/drawingml/2006/chart" xmlns:dgm="http://schemas.openxmlformats.org/drawingml/2006/diagram" xmlns:o="urn:schemas-microsoft-com:office:office" xmlns:v="urn:schemas-microsoft-com:vml" xmlns:pvml="urn:schemas-microsoft-com:office:powerpoint" xmlns:com="http://schemas.openxmlformats.org/drawingml/2006/compatibility" xmlns:p14="http://schemas.microsoft.com/office/powerpoint/2010/main" xmlns:p15="http://schemas.microsoft.com/office/powerpoint/2012/main" xmlns:ahyp="http://schemas.microsoft.com/office/drawing/2018/hyperlinkcolor" matchingName="Big number">
+<p:sldLayout xmlns:a="http://schemas.openxmlformats.org/drawingml/2006/main" xmlns:r="http://schemas.openxmlformats.org/officeDocument/2006/relationships" xmlns:p="http://schemas.openxmlformats.org/presentationml/2006/main" matchingName="Big number">
   <p:cSld name="BIG_NUMBER">
     <p:bg>
       <p:bgPr>
         <a:solidFill>
           <a:schemeClr val="dk1"/>
         </a:solidFill>
+        <a:effectLst/>
       </p:bgPr>
     </p:bg>
     <p:spTree>
       <p:nvGrpSpPr>
-        <p:cNvPr id="54" name="Shape 54"/>
+        <p:cNvPr id="1" name="Shape 54"/>
         <p:cNvGrpSpPr/>
         <p:nvPr/>
       </p:nvGrpSpPr>
@@ -2236,9 +2324,11 @@
       <p:sp>
         <p:nvSpPr>
           <p:cNvPr id="55" name="Google Shape;55;p11"/>
-          <p:cNvSpPr txBox="1"/>
+          <p:cNvSpPr txBox="1">
+            <a:spLocks noGrp="1"/>
+          </p:cNvSpPr>
           <p:nvPr>
-            <p:ph hasCustomPrompt="1" type="title"/>
+            <p:ph type="title" hasCustomPrompt="1"/>
           </p:nvPr>
         </p:nvSpPr>
         <p:spPr>
@@ -2251,7 +2341,7 @@
           </a:prstGeom>
         </p:spPr>
         <p:txBody>
-          <a:bodyPr anchorCtr="0" anchor="b" bIns="121900" lIns="121900" spcFirstLastPara="1" rIns="121900" wrap="square" tIns="121900">
+          <a:bodyPr spcFirstLastPara="1" wrap="square" lIns="121900" tIns="121900" rIns="121900" bIns="121900" anchor="b" anchorCtr="0">
             <a:normAutofit/>
           </a:bodyPr>
           <a:lstStyle>
@@ -2428,9 +2518,11 @@
       <p:sp>
         <p:nvSpPr>
           <p:cNvPr id="56" name="Google Shape;56;p11"/>
-          <p:cNvSpPr txBox="1"/>
+          <p:cNvSpPr txBox="1">
+            <a:spLocks noGrp="1"/>
+          </p:cNvSpPr>
           <p:nvPr>
-            <p:ph idx="1" type="body"/>
+            <p:ph type="body" idx="1"/>
           </p:nvPr>
         </p:nvSpPr>
         <p:spPr>
@@ -2443,11 +2535,11 @@
           </a:prstGeom>
         </p:spPr>
         <p:txBody>
-          <a:bodyPr anchorCtr="0" anchor="t" bIns="121900" lIns="121900" spcFirstLastPara="1" rIns="121900" wrap="square" tIns="121900">
+          <a:bodyPr spcFirstLastPara="1" wrap="square" lIns="121900" tIns="121900" rIns="121900" bIns="121900" anchor="t" anchorCtr="0">
             <a:normAutofit/>
           </a:bodyPr>
           <a:lstStyle>
-            <a:lvl1pPr indent="-336550" lvl="0" marL="457200">
+            <a:lvl1pPr marL="457200" lvl="0" indent="-336550">
               <a:spcBef>
                 <a:spcPts val="0"/>
               </a:spcBef>
@@ -2465,7 +2557,7 @@
                 </a:solidFill>
               </a:defRPr>
             </a:lvl1pPr>
-            <a:lvl2pPr indent="-323850" lvl="1" marL="914400">
+            <a:lvl2pPr marL="914400" lvl="1" indent="-323850">
               <a:spcBef>
                 <a:spcPts val="0"/>
               </a:spcBef>
@@ -2483,7 +2575,7 @@
                 </a:solidFill>
               </a:defRPr>
             </a:lvl2pPr>
-            <a:lvl3pPr indent="-323850" lvl="2" marL="1371600">
+            <a:lvl3pPr marL="1371600" lvl="2" indent="-323850">
               <a:spcBef>
                 <a:spcPts val="0"/>
               </a:spcBef>
@@ -2501,7 +2593,7 @@
                 </a:solidFill>
               </a:defRPr>
             </a:lvl3pPr>
-            <a:lvl4pPr indent="-323850" lvl="3" marL="1828800">
+            <a:lvl4pPr marL="1828800" lvl="3" indent="-323850">
               <a:spcBef>
                 <a:spcPts val="0"/>
               </a:spcBef>
@@ -2519,7 +2611,7 @@
                 </a:solidFill>
               </a:defRPr>
             </a:lvl4pPr>
-            <a:lvl5pPr indent="-323850" lvl="4" marL="2286000">
+            <a:lvl5pPr marL="2286000" lvl="4" indent="-323850">
               <a:spcBef>
                 <a:spcPts val="0"/>
               </a:spcBef>
@@ -2537,7 +2629,7 @@
                 </a:solidFill>
               </a:defRPr>
             </a:lvl5pPr>
-            <a:lvl6pPr indent="-323850" lvl="5" marL="2743200">
+            <a:lvl6pPr marL="2743200" lvl="5" indent="-323850">
               <a:spcBef>
                 <a:spcPts val="0"/>
               </a:spcBef>
@@ -2555,7 +2647,7 @@
                 </a:solidFill>
               </a:defRPr>
             </a:lvl6pPr>
-            <a:lvl7pPr indent="-323850" lvl="6" marL="3200400">
+            <a:lvl7pPr marL="3200400" lvl="6" indent="-323850">
               <a:spcBef>
                 <a:spcPts val="0"/>
               </a:spcBef>
@@ -2573,7 +2665,7 @@
                 </a:solidFill>
               </a:defRPr>
             </a:lvl7pPr>
-            <a:lvl8pPr indent="-323850" lvl="7" marL="3657600">
+            <a:lvl8pPr marL="3657600" lvl="7" indent="-323850">
               <a:spcBef>
                 <a:spcPts val="0"/>
               </a:spcBef>
@@ -2591,7 +2683,7 @@
                 </a:solidFill>
               </a:defRPr>
             </a:lvl8pPr>
-            <a:lvl9pPr indent="-323850" lvl="8" marL="4114800">
+            <a:lvl9pPr marL="4114800" lvl="8" indent="-323850">
               <a:spcBef>
                 <a:spcPts val="0"/>
               </a:spcBef>
@@ -2610,15 +2702,19 @@
               </a:defRPr>
             </a:lvl9pPr>
           </a:lstStyle>
-          <a:p/>
+          <a:p>
+            <a:endParaRPr/>
+          </a:p>
         </p:txBody>
       </p:sp>
       <p:sp>
         <p:nvSpPr>
           <p:cNvPr id="57" name="Google Shape;57;p11"/>
-          <p:cNvSpPr txBox="1"/>
+          <p:cNvSpPr txBox="1">
+            <a:spLocks noGrp="1"/>
+          </p:cNvSpPr>
           <p:nvPr>
-            <p:ph idx="12" type="sldNum"/>
+            <p:ph type="sldNum" idx="12"/>
           </p:nvPr>
         </p:nvSpPr>
         <p:spPr>
@@ -2631,7 +2727,7 @@
           </a:prstGeom>
         </p:spPr>
         <p:txBody>
-          <a:bodyPr anchorCtr="0" anchor="ctr" bIns="121900" lIns="121900" spcFirstLastPara="1" rIns="121900" wrap="square" tIns="121900">
+          <a:bodyPr spcFirstLastPara="1" wrap="square" lIns="121900" tIns="121900" rIns="121900" bIns="121900" anchor="ctr" anchorCtr="0">
             <a:normAutofit/>
           </a:bodyPr>
           <a:lstStyle>
@@ -2709,7 +2805,7 @@
             </a:lvl9pPr>
           </a:lstStyle>
           <a:p>
-            <a:pPr indent="0" lvl="0" marL="0" rtl="0" algn="r">
+            <a:pPr marL="0" lvl="0" indent="0" algn="r" rtl="0">
               <a:spcBef>
                 <a:spcPts val="0"/>
               </a:spcBef>
@@ -2735,11 +2831,11 @@
 </file>
 
 <file path=ppt/slideLayouts/slideLayout11.xml><?xml version="1.0" encoding="utf-8"?>
-<p:sldLayout xmlns:a="http://schemas.openxmlformats.org/drawingml/2006/main" xmlns:r="http://schemas.openxmlformats.org/officeDocument/2006/relationships" xmlns:mc="http://schemas.openxmlformats.org/markup-compatibility/2006" xmlns:mv="urn:schemas-microsoft-com:mac:vml" xmlns:p="http://schemas.openxmlformats.org/presentationml/2006/main" xmlns:c="http://schemas.openxmlformats.org/drawingml/2006/chart" xmlns:dgm="http://schemas.openxmlformats.org/drawingml/2006/diagram" xmlns:o="urn:schemas-microsoft-com:office:office" xmlns:v="urn:schemas-microsoft-com:vml" xmlns:pvml="urn:schemas-microsoft-com:office:powerpoint" xmlns:com="http://schemas.openxmlformats.org/drawingml/2006/compatibility" xmlns:p14="http://schemas.microsoft.com/office/powerpoint/2010/main" xmlns:p15="http://schemas.microsoft.com/office/powerpoint/2012/main" xmlns:ahyp="http://schemas.microsoft.com/office/drawing/2018/hyperlinkcolor" matchingName="Blank" type="blank">
+<p:sldLayout xmlns:a="http://schemas.openxmlformats.org/drawingml/2006/main" xmlns:r="http://schemas.openxmlformats.org/officeDocument/2006/relationships" xmlns:p="http://schemas.openxmlformats.org/presentationml/2006/main" matchingName="Blank" type="blank">
   <p:cSld name="BLANK">
     <p:spTree>
       <p:nvGrpSpPr>
-        <p:cNvPr id="58" name="Shape 58"/>
+        <p:cNvPr id="1" name="Shape 58"/>
         <p:cNvGrpSpPr/>
         <p:nvPr/>
       </p:nvGrpSpPr>
@@ -2754,9 +2850,11 @@
       <p:sp>
         <p:nvSpPr>
           <p:cNvPr id="59" name="Google Shape;59;p12"/>
-          <p:cNvSpPr txBox="1"/>
+          <p:cNvSpPr txBox="1">
+            <a:spLocks noGrp="1"/>
+          </p:cNvSpPr>
           <p:nvPr>
-            <p:ph idx="12" type="sldNum"/>
+            <p:ph type="sldNum" idx="12"/>
           </p:nvPr>
         </p:nvSpPr>
         <p:spPr>
@@ -2769,7 +2867,7 @@
           </a:prstGeom>
         </p:spPr>
         <p:txBody>
-          <a:bodyPr anchorCtr="0" anchor="ctr" bIns="121900" lIns="121900" spcFirstLastPara="1" rIns="121900" wrap="square" tIns="121900">
+          <a:bodyPr spcFirstLastPara="1" wrap="square" lIns="121900" tIns="121900" rIns="121900" bIns="121900" anchor="ctr" anchorCtr="0">
             <a:normAutofit/>
           </a:bodyPr>
           <a:lstStyle>
@@ -2811,7 +2909,7 @@
             </a:lvl9pPr>
           </a:lstStyle>
           <a:p>
-            <a:pPr indent="0" lvl="0" marL="0" rtl="0" algn="r">
+            <a:pPr marL="0" lvl="0" indent="0" algn="r" rtl="0">
               <a:spcBef>
                 <a:spcPts val="0"/>
               </a:spcBef>
@@ -2837,11 +2935,11 @@
 </file>
 
 <file path=ppt/slideLayouts/slideLayout12.xml><?xml version="1.0" encoding="utf-8"?>
-<p:sldLayout xmlns:a="http://schemas.openxmlformats.org/drawingml/2006/main" xmlns:r="http://schemas.openxmlformats.org/officeDocument/2006/relationships" xmlns:mc="http://schemas.openxmlformats.org/markup-compatibility/2006" xmlns:mv="urn:schemas-microsoft-com:mac:vml" xmlns:p="http://schemas.openxmlformats.org/presentationml/2006/main" xmlns:c="http://schemas.openxmlformats.org/drawingml/2006/chart" xmlns:dgm="http://schemas.openxmlformats.org/drawingml/2006/diagram" xmlns:o="urn:schemas-microsoft-com:office:office" xmlns:v="urn:schemas-microsoft-com:vml" xmlns:pvml="urn:schemas-microsoft-com:office:powerpoint" xmlns:com="http://schemas.openxmlformats.org/drawingml/2006/compatibility" xmlns:p14="http://schemas.microsoft.com/office/powerpoint/2010/main" xmlns:p15="http://schemas.microsoft.com/office/powerpoint/2012/main" xmlns:ahyp="http://schemas.microsoft.com/office/drawing/2018/hyperlinkcolor" matchingName="Cím és tartalom" type="obj">
+<p:sldLayout xmlns:a="http://schemas.openxmlformats.org/drawingml/2006/main" xmlns:r="http://schemas.openxmlformats.org/officeDocument/2006/relationships" xmlns:p="http://schemas.openxmlformats.org/presentationml/2006/main" matchingName="Cím és tartalom" type="obj">
   <p:cSld name="OBJECT">
     <p:spTree>
       <p:nvGrpSpPr>
-        <p:cNvPr id="60" name="Shape 60"/>
+        <p:cNvPr id="1" name="Shape 60"/>
         <p:cNvGrpSpPr/>
         <p:nvPr/>
       </p:nvGrpSpPr>
@@ -2856,7 +2954,9 @@
       <p:sp>
         <p:nvSpPr>
           <p:cNvPr id="61" name="Google Shape;61;p13"/>
-          <p:cNvSpPr txBox="1"/>
+          <p:cNvSpPr txBox="1">
+            <a:spLocks noGrp="1"/>
+          </p:cNvSpPr>
           <p:nvPr>
             <p:ph type="title"/>
           </p:nvPr>
@@ -2875,11 +2975,11 @@
           </a:ln>
         </p:spPr>
         <p:txBody>
-          <a:bodyPr anchorCtr="0" anchor="ctr" bIns="45700" lIns="91425" spcFirstLastPara="1" rIns="91425" wrap="square" tIns="45700">
+          <a:bodyPr spcFirstLastPara="1" wrap="square" lIns="91425" tIns="45700" rIns="91425" bIns="45700" anchor="ctr" anchorCtr="0">
             <a:normAutofit/>
           </a:bodyPr>
           <a:lstStyle>
-            <a:lvl1pPr lvl="0" rtl="0" algn="l">
+            <a:lvl1pPr lvl="0" algn="l" rtl="0">
               <a:lnSpc>
                 <a:spcPct val="90000"/>
               </a:lnSpc>
@@ -2985,15 +3085,19 @@
               <a:defRPr/>
             </a:lvl9pPr>
           </a:lstStyle>
-          <a:p/>
+          <a:p>
+            <a:endParaRPr/>
+          </a:p>
         </p:txBody>
       </p:sp>
       <p:sp>
         <p:nvSpPr>
           <p:cNvPr id="62" name="Google Shape;62;p13"/>
-          <p:cNvSpPr txBox="1"/>
+          <p:cNvSpPr txBox="1">
+            <a:spLocks noGrp="1"/>
+          </p:cNvSpPr>
           <p:nvPr>
-            <p:ph idx="1" type="body"/>
+            <p:ph type="body" idx="1"/>
           </p:nvPr>
         </p:nvSpPr>
         <p:spPr>
@@ -3010,11 +3114,11 @@
           </a:ln>
         </p:spPr>
         <p:txBody>
-          <a:bodyPr anchorCtr="0" anchor="t" bIns="45700" lIns="91425" spcFirstLastPara="1" rIns="91425" wrap="square" tIns="45700">
+          <a:bodyPr spcFirstLastPara="1" wrap="square" lIns="91425" tIns="45700" rIns="91425" bIns="45700" anchor="t" anchorCtr="0">
             <a:normAutofit/>
           </a:bodyPr>
           <a:lstStyle>
-            <a:lvl1pPr indent="-342900" lvl="0" marL="457200" rtl="0" algn="l">
+            <a:lvl1pPr marL="457200" lvl="0" indent="-342900" algn="l" rtl="0">
               <a:lnSpc>
                 <a:spcPct val="90000"/>
               </a:lnSpc>
@@ -3031,7 +3135,7 @@
               <a:buChar char="●"/>
               <a:defRPr/>
             </a:lvl1pPr>
-            <a:lvl2pPr indent="-342900" lvl="1" marL="914400" rtl="0" algn="l">
+            <a:lvl2pPr marL="914400" lvl="1" indent="-342900" algn="l" rtl="0">
               <a:lnSpc>
                 <a:spcPct val="90000"/>
               </a:lnSpc>
@@ -3048,7 +3152,7 @@
               <a:buChar char="○"/>
               <a:defRPr/>
             </a:lvl2pPr>
-            <a:lvl3pPr indent="-342900" lvl="2" marL="1371600" rtl="0" algn="l">
+            <a:lvl3pPr marL="1371600" lvl="2" indent="-342900" algn="l" rtl="0">
               <a:lnSpc>
                 <a:spcPct val="90000"/>
               </a:lnSpc>
@@ -3065,7 +3169,7 @@
               <a:buChar char="■"/>
               <a:defRPr/>
             </a:lvl3pPr>
-            <a:lvl4pPr indent="-342900" lvl="3" marL="1828800" rtl="0" algn="l">
+            <a:lvl4pPr marL="1828800" lvl="3" indent="-342900" algn="l" rtl="0">
               <a:lnSpc>
                 <a:spcPct val="90000"/>
               </a:lnSpc>
@@ -3082,7 +3186,7 @@
               <a:buChar char="●"/>
               <a:defRPr/>
             </a:lvl4pPr>
-            <a:lvl5pPr indent="-342900" lvl="4" marL="2286000" rtl="0" algn="l">
+            <a:lvl5pPr marL="2286000" lvl="4" indent="-342900" algn="l" rtl="0">
               <a:lnSpc>
                 <a:spcPct val="90000"/>
               </a:lnSpc>
@@ -3099,7 +3203,7 @@
               <a:buChar char="○"/>
               <a:defRPr/>
             </a:lvl5pPr>
-            <a:lvl6pPr indent="-342900" lvl="5" marL="2743200" rtl="0" algn="l">
+            <a:lvl6pPr marL="2743200" lvl="5" indent="-342900" algn="l" rtl="0">
               <a:lnSpc>
                 <a:spcPct val="90000"/>
               </a:lnSpc>
@@ -3116,7 +3220,7 @@
               <a:buChar char="■"/>
               <a:defRPr/>
             </a:lvl6pPr>
-            <a:lvl7pPr indent="-342900" lvl="6" marL="3200400" rtl="0" algn="l">
+            <a:lvl7pPr marL="3200400" lvl="6" indent="-342900" algn="l" rtl="0">
               <a:lnSpc>
                 <a:spcPct val="90000"/>
               </a:lnSpc>
@@ -3133,7 +3237,7 @@
               <a:buChar char="●"/>
               <a:defRPr/>
             </a:lvl7pPr>
-            <a:lvl8pPr indent="-342900" lvl="7" marL="3657600" rtl="0" algn="l">
+            <a:lvl8pPr marL="3657600" lvl="7" indent="-342900" algn="l" rtl="0">
               <a:lnSpc>
                 <a:spcPct val="90000"/>
               </a:lnSpc>
@@ -3150,7 +3254,7 @@
               <a:buChar char="○"/>
               <a:defRPr/>
             </a:lvl8pPr>
-            <a:lvl9pPr indent="-342900" lvl="8" marL="4114800" rtl="0" algn="l">
+            <a:lvl9pPr marL="4114800" lvl="8" indent="-342900" algn="l" rtl="0">
               <a:lnSpc>
                 <a:spcPct val="90000"/>
               </a:lnSpc>
@@ -3168,15 +3272,19 @@
               <a:defRPr/>
             </a:lvl9pPr>
           </a:lstStyle>
-          <a:p/>
+          <a:p>
+            <a:endParaRPr/>
+          </a:p>
         </p:txBody>
       </p:sp>
       <p:sp>
         <p:nvSpPr>
           <p:cNvPr id="63" name="Google Shape;63;p13"/>
-          <p:cNvSpPr txBox="1"/>
+          <p:cNvSpPr txBox="1">
+            <a:spLocks noGrp="1"/>
+          </p:cNvSpPr>
           <p:nvPr>
-            <p:ph idx="10" type="dt"/>
+            <p:ph type="dt" idx="10"/>
           </p:nvPr>
         </p:nvSpPr>
         <p:spPr>
@@ -3193,11 +3301,11 @@
           </a:ln>
         </p:spPr>
         <p:txBody>
-          <a:bodyPr anchorCtr="0" anchor="ctr" bIns="45700" lIns="91425" spcFirstLastPara="1" rIns="91425" wrap="square" tIns="45700">
+          <a:bodyPr spcFirstLastPara="1" wrap="square" lIns="91425" tIns="45700" rIns="91425" bIns="45700" anchor="ctr" anchorCtr="0">
             <a:noAutofit/>
           </a:bodyPr>
           <a:lstStyle>
-            <a:lvl1pPr lvl="0" rtl="0" algn="l">
+            <a:lvl1pPr lvl="0" algn="l" rtl="0">
               <a:spcBef>
                 <a:spcPts val="0"/>
               </a:spcBef>
@@ -3208,7 +3316,7 @@
               <a:buNone/>
               <a:defRPr/>
             </a:lvl1pPr>
-            <a:lvl2pPr lvl="1" rtl="0" algn="l">
+            <a:lvl2pPr lvl="1" algn="l" rtl="0">
               <a:spcBef>
                 <a:spcPts val="0"/>
               </a:spcBef>
@@ -3219,7 +3327,7 @@
               <a:buNone/>
               <a:defRPr/>
             </a:lvl2pPr>
-            <a:lvl3pPr lvl="2" rtl="0" algn="l">
+            <a:lvl3pPr lvl="2" algn="l" rtl="0">
               <a:spcBef>
                 <a:spcPts val="0"/>
               </a:spcBef>
@@ -3230,7 +3338,7 @@
               <a:buNone/>
               <a:defRPr/>
             </a:lvl3pPr>
-            <a:lvl4pPr lvl="3" rtl="0" algn="l">
+            <a:lvl4pPr lvl="3" algn="l" rtl="0">
               <a:spcBef>
                 <a:spcPts val="0"/>
               </a:spcBef>
@@ -3241,7 +3349,7 @@
               <a:buNone/>
               <a:defRPr/>
             </a:lvl4pPr>
-            <a:lvl5pPr lvl="4" rtl="0" algn="l">
+            <a:lvl5pPr lvl="4" algn="l" rtl="0">
               <a:spcBef>
                 <a:spcPts val="0"/>
               </a:spcBef>
@@ -3252,7 +3360,7 @@
               <a:buNone/>
               <a:defRPr/>
             </a:lvl5pPr>
-            <a:lvl6pPr lvl="5" rtl="0" algn="l">
+            <a:lvl6pPr lvl="5" algn="l" rtl="0">
               <a:spcBef>
                 <a:spcPts val="0"/>
               </a:spcBef>
@@ -3263,7 +3371,7 @@
               <a:buNone/>
               <a:defRPr/>
             </a:lvl6pPr>
-            <a:lvl7pPr lvl="6" rtl="0" algn="l">
+            <a:lvl7pPr lvl="6" algn="l" rtl="0">
               <a:spcBef>
                 <a:spcPts val="0"/>
               </a:spcBef>
@@ -3274,7 +3382,7 @@
               <a:buNone/>
               <a:defRPr/>
             </a:lvl7pPr>
-            <a:lvl8pPr lvl="7" rtl="0" algn="l">
+            <a:lvl8pPr lvl="7" algn="l" rtl="0">
               <a:spcBef>
                 <a:spcPts val="0"/>
               </a:spcBef>
@@ -3285,7 +3393,7 @@
               <a:buNone/>
               <a:defRPr/>
             </a:lvl8pPr>
-            <a:lvl9pPr lvl="8" rtl="0" algn="l">
+            <a:lvl9pPr lvl="8" algn="l" rtl="0">
               <a:spcBef>
                 <a:spcPts val="0"/>
               </a:spcBef>
@@ -3297,15 +3405,19 @@
               <a:defRPr/>
             </a:lvl9pPr>
           </a:lstStyle>
-          <a:p/>
+          <a:p>
+            <a:endParaRPr/>
+          </a:p>
         </p:txBody>
       </p:sp>
       <p:sp>
         <p:nvSpPr>
           <p:cNvPr id="64" name="Google Shape;64;p13"/>
-          <p:cNvSpPr txBox="1"/>
+          <p:cNvSpPr txBox="1">
+            <a:spLocks noGrp="1"/>
+          </p:cNvSpPr>
           <p:nvPr>
-            <p:ph idx="11" type="ftr"/>
+            <p:ph type="ftr" idx="11"/>
           </p:nvPr>
         </p:nvSpPr>
         <p:spPr>
@@ -3322,11 +3434,11 @@
           </a:ln>
         </p:spPr>
         <p:txBody>
-          <a:bodyPr anchorCtr="0" anchor="ctr" bIns="45700" lIns="91425" spcFirstLastPara="1" rIns="91425" wrap="square" tIns="45700">
+          <a:bodyPr spcFirstLastPara="1" wrap="square" lIns="91425" tIns="45700" rIns="91425" bIns="45700" anchor="ctr" anchorCtr="0">
             <a:noAutofit/>
           </a:bodyPr>
           <a:lstStyle>
-            <a:lvl1pPr lvl="0" rtl="0" algn="ctr">
+            <a:lvl1pPr lvl="0" algn="ctr" rtl="0">
               <a:spcBef>
                 <a:spcPts val="0"/>
               </a:spcBef>
@@ -3337,7 +3449,7 @@
               <a:buNone/>
               <a:defRPr/>
             </a:lvl1pPr>
-            <a:lvl2pPr lvl="1" rtl="0" algn="l">
+            <a:lvl2pPr lvl="1" algn="l" rtl="0">
               <a:spcBef>
                 <a:spcPts val="0"/>
               </a:spcBef>
@@ -3348,7 +3460,7 @@
               <a:buNone/>
               <a:defRPr/>
             </a:lvl2pPr>
-            <a:lvl3pPr lvl="2" rtl="0" algn="l">
+            <a:lvl3pPr lvl="2" algn="l" rtl="0">
               <a:spcBef>
                 <a:spcPts val="0"/>
               </a:spcBef>
@@ -3359,7 +3471,7 @@
               <a:buNone/>
               <a:defRPr/>
             </a:lvl3pPr>
-            <a:lvl4pPr lvl="3" rtl="0" algn="l">
+            <a:lvl4pPr lvl="3" algn="l" rtl="0">
               <a:spcBef>
                 <a:spcPts val="0"/>
               </a:spcBef>
@@ -3370,7 +3482,7 @@
               <a:buNone/>
               <a:defRPr/>
             </a:lvl4pPr>
-            <a:lvl5pPr lvl="4" rtl="0" algn="l">
+            <a:lvl5pPr lvl="4" algn="l" rtl="0">
               <a:spcBef>
                 <a:spcPts val="0"/>
               </a:spcBef>
@@ -3381,7 +3493,7 @@
               <a:buNone/>
               <a:defRPr/>
             </a:lvl5pPr>
-            <a:lvl6pPr lvl="5" rtl="0" algn="l">
+            <a:lvl6pPr lvl="5" algn="l" rtl="0">
               <a:spcBef>
                 <a:spcPts val="0"/>
               </a:spcBef>
@@ -3392,7 +3504,7 @@
               <a:buNone/>
               <a:defRPr/>
             </a:lvl6pPr>
-            <a:lvl7pPr lvl="6" rtl="0" algn="l">
+            <a:lvl7pPr lvl="6" algn="l" rtl="0">
               <a:spcBef>
                 <a:spcPts val="0"/>
               </a:spcBef>
@@ -3403,7 +3515,7 @@
               <a:buNone/>
               <a:defRPr/>
             </a:lvl7pPr>
-            <a:lvl8pPr lvl="7" rtl="0" algn="l">
+            <a:lvl8pPr lvl="7" algn="l" rtl="0">
               <a:spcBef>
                 <a:spcPts val="0"/>
               </a:spcBef>
@@ -3414,7 +3526,7 @@
               <a:buNone/>
               <a:defRPr/>
             </a:lvl8pPr>
-            <a:lvl9pPr lvl="8" rtl="0" algn="l">
+            <a:lvl9pPr lvl="8" algn="l" rtl="0">
               <a:spcBef>
                 <a:spcPts val="0"/>
               </a:spcBef>
@@ -3426,15 +3538,19 @@
               <a:defRPr/>
             </a:lvl9pPr>
           </a:lstStyle>
-          <a:p/>
+          <a:p>
+            <a:endParaRPr/>
+          </a:p>
         </p:txBody>
       </p:sp>
       <p:sp>
         <p:nvSpPr>
           <p:cNvPr id="65" name="Google Shape;65;p13"/>
-          <p:cNvSpPr txBox="1"/>
+          <p:cNvSpPr txBox="1">
+            <a:spLocks noGrp="1"/>
+          </p:cNvSpPr>
           <p:nvPr>
-            <p:ph idx="12" type="sldNum"/>
+            <p:ph type="sldNum" idx="12"/>
           </p:nvPr>
         </p:nvSpPr>
         <p:spPr>
@@ -3451,67 +3567,67 @@
           </a:ln>
         </p:spPr>
         <p:txBody>
-          <a:bodyPr anchorCtr="0" anchor="ctr" bIns="45700" lIns="91425" spcFirstLastPara="1" rIns="91425" wrap="square" tIns="45700">
+          <a:bodyPr spcFirstLastPara="1" wrap="square" lIns="91425" tIns="45700" rIns="91425" bIns="45700" anchor="ctr" anchorCtr="0">
             <a:normAutofit/>
           </a:bodyPr>
           <a:lstStyle>
-            <a:lvl1pPr indent="0" lvl="0" marL="0" rtl="0" algn="r">
+            <a:lvl1pPr marL="0" lvl="0" indent="0" algn="r" rtl="0">
               <a:spcBef>
                 <a:spcPts val="0"/>
               </a:spcBef>
               <a:buNone/>
               <a:defRPr/>
             </a:lvl1pPr>
-            <a:lvl2pPr indent="0" lvl="1" marL="0" rtl="0" algn="r">
+            <a:lvl2pPr marL="0" lvl="1" indent="0" algn="r" rtl="0">
               <a:spcBef>
                 <a:spcPts val="0"/>
               </a:spcBef>
               <a:buNone/>
               <a:defRPr/>
             </a:lvl2pPr>
-            <a:lvl3pPr indent="0" lvl="2" marL="0" rtl="0" algn="r">
+            <a:lvl3pPr marL="0" lvl="2" indent="0" algn="r" rtl="0">
               <a:spcBef>
                 <a:spcPts val="0"/>
               </a:spcBef>
               <a:buNone/>
               <a:defRPr/>
             </a:lvl3pPr>
-            <a:lvl4pPr indent="0" lvl="3" marL="0" rtl="0" algn="r">
+            <a:lvl4pPr marL="0" lvl="3" indent="0" algn="r" rtl="0">
               <a:spcBef>
                 <a:spcPts val="0"/>
               </a:spcBef>
               <a:buNone/>
               <a:defRPr/>
             </a:lvl4pPr>
-            <a:lvl5pPr indent="0" lvl="4" marL="0" rtl="0" algn="r">
+            <a:lvl5pPr marL="0" lvl="4" indent="0" algn="r" rtl="0">
               <a:spcBef>
                 <a:spcPts val="0"/>
               </a:spcBef>
               <a:buNone/>
               <a:defRPr/>
             </a:lvl5pPr>
-            <a:lvl6pPr indent="0" lvl="5" marL="0" rtl="0" algn="r">
+            <a:lvl6pPr marL="0" lvl="5" indent="0" algn="r" rtl="0">
               <a:spcBef>
                 <a:spcPts val="0"/>
               </a:spcBef>
               <a:buNone/>
               <a:defRPr/>
             </a:lvl6pPr>
-            <a:lvl7pPr indent="0" lvl="6" marL="0" rtl="0" algn="r">
+            <a:lvl7pPr marL="0" lvl="6" indent="0" algn="r" rtl="0">
               <a:spcBef>
                 <a:spcPts val="0"/>
               </a:spcBef>
               <a:buNone/>
               <a:defRPr/>
             </a:lvl7pPr>
-            <a:lvl8pPr indent="0" lvl="7" marL="0" rtl="0" algn="r">
+            <a:lvl8pPr marL="0" lvl="7" indent="0" algn="r" rtl="0">
               <a:spcBef>
                 <a:spcPts val="0"/>
               </a:spcBef>
               <a:buNone/>
               <a:defRPr/>
             </a:lvl8pPr>
-            <a:lvl9pPr indent="0" lvl="8" marL="0" rtl="0" algn="r">
+            <a:lvl9pPr marL="0" lvl="8" indent="0" algn="r" rtl="0">
               <a:spcBef>
                 <a:spcPts val="0"/>
               </a:spcBef>
@@ -3520,7 +3636,7 @@
             </a:lvl9pPr>
           </a:lstStyle>
           <a:p>
-            <a:pPr indent="0" lvl="0" marL="0" rtl="0" algn="r">
+            <a:pPr marL="0" lvl="0" indent="0" algn="r" rtl="0">
               <a:spcBef>
                 <a:spcPts val="0"/>
               </a:spcBef>
@@ -3546,18 +3662,19 @@
 </file>
 
 <file path=ppt/slideLayouts/slideLayout2.xml><?xml version="1.0" encoding="utf-8"?>
-<p:sldLayout xmlns:a="http://schemas.openxmlformats.org/drawingml/2006/main" xmlns:r="http://schemas.openxmlformats.org/officeDocument/2006/relationships" xmlns:mc="http://schemas.openxmlformats.org/markup-compatibility/2006" xmlns:mv="urn:schemas-microsoft-com:mac:vml" xmlns:p="http://schemas.openxmlformats.org/presentationml/2006/main" xmlns:c="http://schemas.openxmlformats.org/drawingml/2006/chart" xmlns:dgm="http://schemas.openxmlformats.org/drawingml/2006/diagram" xmlns:o="urn:schemas-microsoft-com:office:office" xmlns:v="urn:schemas-microsoft-com:vml" xmlns:pvml="urn:schemas-microsoft-com:office:powerpoint" xmlns:com="http://schemas.openxmlformats.org/drawingml/2006/compatibility" xmlns:p14="http://schemas.microsoft.com/office/powerpoint/2010/main" xmlns:p15="http://schemas.microsoft.com/office/powerpoint/2012/main" xmlns:ahyp="http://schemas.microsoft.com/office/drawing/2018/hyperlinkcolor" matchingName="Section header" type="secHead">
+<p:sldLayout xmlns:a="http://schemas.openxmlformats.org/drawingml/2006/main" xmlns:r="http://schemas.openxmlformats.org/officeDocument/2006/relationships" xmlns:p="http://schemas.openxmlformats.org/presentationml/2006/main" matchingName="Section header" type="secHead">
   <p:cSld name="SECTION_HEADER">
     <p:bg>
       <p:bgPr>
         <a:solidFill>
           <a:schemeClr val="accent3"/>
         </a:solidFill>
+        <a:effectLst/>
       </p:bgPr>
     </p:bg>
     <p:spTree>
       <p:nvGrpSpPr>
-        <p:cNvPr id="14" name="Shape 14"/>
+        <p:cNvPr id="1" name="Shape 14"/>
         <p:cNvGrpSpPr/>
         <p:nvPr/>
       </p:nvGrpSpPr>
@@ -3581,9 +3698,13 @@
             <a:ext cx="12192029" cy="5863987"/>
           </a:xfrm>
           <a:custGeom>
-            <a:rect b="b" l="l" r="r" t="t"/>
+            <a:avLst/>
+            <a:gdLst/>
+            <a:ahLst/>
+            <a:cxnLst/>
+            <a:rect l="l" t="t" r="r" b="b"/>
             <a:pathLst>
-              <a:path extrusionOk="0" h="175924" w="365770">
+              <a:path w="365770" h="175924" extrusionOk="0">
                 <a:moveTo>
                   <a:pt x="0" y="0"/>
                 </a:moveTo>
@@ -3620,9 +3741,13 @@
             <a:ext cx="12192029" cy="5863987"/>
           </a:xfrm>
           <a:custGeom>
-            <a:rect b="b" l="l" r="r" t="t"/>
+            <a:avLst/>
+            <a:gdLst/>
+            <a:ahLst/>
+            <a:cxnLst/>
+            <a:rect l="l" t="t" r="r" b="b"/>
             <a:pathLst>
-              <a:path extrusionOk="0" h="175924" w="365770">
+              <a:path w="365770" h="175924" extrusionOk="0">
                 <a:moveTo>
                   <a:pt x="0" y="0"/>
                 </a:moveTo>
@@ -3650,7 +3775,9 @@
       <p:sp>
         <p:nvSpPr>
           <p:cNvPr id="17" name="Google Shape;17;p3"/>
-          <p:cNvSpPr txBox="1"/>
+          <p:cNvSpPr txBox="1">
+            <a:spLocks noGrp="1"/>
+          </p:cNvSpPr>
           <p:nvPr>
             <p:ph type="title"/>
           </p:nvPr>
@@ -3665,7 +3792,7 @@
           </a:prstGeom>
         </p:spPr>
         <p:txBody>
-          <a:bodyPr anchorCtr="0" anchor="t" bIns="121900" lIns="121900" spcFirstLastPara="1" rIns="121900" wrap="square" tIns="121900">
+          <a:bodyPr spcFirstLastPara="1" wrap="square" lIns="121900" tIns="121900" rIns="121900" bIns="121900" anchor="t" anchorCtr="0">
             <a:normAutofit/>
           </a:bodyPr>
           <a:lstStyle>
@@ -3769,15 +3896,19 @@
               <a:defRPr sz="4800"/>
             </a:lvl9pPr>
           </a:lstStyle>
-          <a:p/>
+          <a:p>
+            <a:endParaRPr/>
+          </a:p>
         </p:txBody>
       </p:sp>
       <p:sp>
         <p:nvSpPr>
           <p:cNvPr id="18" name="Google Shape;18;p3"/>
-          <p:cNvSpPr txBox="1"/>
+          <p:cNvSpPr txBox="1">
+            <a:spLocks noGrp="1"/>
+          </p:cNvSpPr>
           <p:nvPr>
-            <p:ph idx="12" type="sldNum"/>
+            <p:ph type="sldNum" idx="12"/>
           </p:nvPr>
         </p:nvSpPr>
         <p:spPr>
@@ -3790,7 +3921,7 @@
           </a:prstGeom>
         </p:spPr>
         <p:txBody>
-          <a:bodyPr anchorCtr="0" anchor="ctr" bIns="121900" lIns="121900" spcFirstLastPara="1" rIns="121900" wrap="square" tIns="121900">
+          <a:bodyPr spcFirstLastPara="1" wrap="square" lIns="121900" tIns="121900" rIns="121900" bIns="121900" anchor="ctr" anchorCtr="0">
             <a:normAutofit/>
           </a:bodyPr>
           <a:lstStyle>
@@ -3868,7 +3999,7 @@
             </a:lvl9pPr>
           </a:lstStyle>
           <a:p>
-            <a:pPr indent="0" lvl="0" marL="0" rtl="0" algn="r">
+            <a:pPr marL="0" lvl="0" indent="0" algn="r" rtl="0">
               <a:spcBef>
                 <a:spcPts val="0"/>
               </a:spcBef>
@@ -3894,11 +4025,11 @@
 </file>
 
 <file path=ppt/slideLayouts/slideLayout3.xml><?xml version="1.0" encoding="utf-8"?>
-<p:sldLayout xmlns:a="http://schemas.openxmlformats.org/drawingml/2006/main" xmlns:r="http://schemas.openxmlformats.org/officeDocument/2006/relationships" xmlns:mc="http://schemas.openxmlformats.org/markup-compatibility/2006" xmlns:mv="urn:schemas-microsoft-com:mac:vml" xmlns:p="http://schemas.openxmlformats.org/presentationml/2006/main" xmlns:c="http://schemas.openxmlformats.org/drawingml/2006/chart" xmlns:dgm="http://schemas.openxmlformats.org/drawingml/2006/diagram" xmlns:o="urn:schemas-microsoft-com:office:office" xmlns:v="urn:schemas-microsoft-com:vml" xmlns:pvml="urn:schemas-microsoft-com:office:powerpoint" xmlns:com="http://schemas.openxmlformats.org/drawingml/2006/compatibility" xmlns:p14="http://schemas.microsoft.com/office/powerpoint/2010/main" xmlns:p15="http://schemas.microsoft.com/office/powerpoint/2012/main" xmlns:ahyp="http://schemas.microsoft.com/office/drawing/2018/hyperlinkcolor" matchingName="Title and body" type="tx">
+<p:sldLayout xmlns:a="http://schemas.openxmlformats.org/drawingml/2006/main" xmlns:r="http://schemas.openxmlformats.org/officeDocument/2006/relationships" xmlns:p="http://schemas.openxmlformats.org/presentationml/2006/main" matchingName="Title and body" type="tx">
   <p:cSld name="TITLE_AND_BODY">
     <p:spTree>
       <p:nvGrpSpPr>
-        <p:cNvPr id="19" name="Shape 19"/>
+        <p:cNvPr id="1" name="Shape 19"/>
         <p:cNvGrpSpPr/>
         <p:nvPr/>
       </p:nvGrpSpPr>
@@ -3932,12 +4063,12 @@
           </a:ln>
         </p:spPr>
         <p:txBody>
-          <a:bodyPr anchorCtr="0" anchor="ctr" bIns="121900" lIns="121900" spcFirstLastPara="1" rIns="121900" wrap="square" tIns="121900">
+          <a:bodyPr spcFirstLastPara="1" wrap="square" lIns="121900" tIns="121900" rIns="121900" bIns="121900" anchor="ctr" anchorCtr="0">
             <a:noAutofit/>
           </a:bodyPr>
           <a:lstStyle/>
           <a:p>
-            <a:pPr indent="0" lvl="0" marL="0" rtl="0" algn="l">
+            <a:pPr marL="0" lvl="0" indent="0" algn="l" rtl="0">
               <a:spcBef>
                 <a:spcPts val="0"/>
               </a:spcBef>
@@ -3946,9 +4077,6 @@
               </a:spcAft>
               <a:buNone/>
             </a:pPr>
-            <a:r>
-              <a:t/>
-            </a:r>
             <a:endParaRPr/>
           </a:p>
         </p:txBody>
@@ -3965,9 +4093,13 @@
             <a:ext cx="5751356" cy="5865687"/>
           </a:xfrm>
           <a:custGeom>
-            <a:rect b="b" l="l" r="r" t="t"/>
+            <a:avLst/>
+            <a:gdLst/>
+            <a:ahLst/>
+            <a:cxnLst/>
+            <a:rect l="l" t="t" r="r" b="b"/>
             <a:pathLst>
-              <a:path extrusionOk="0" h="175975" w="172545">
+              <a:path w="172545" h="175975" extrusionOk="0">
                 <a:moveTo>
                   <a:pt x="0" y="157"/>
                 </a:moveTo>
@@ -4004,9 +4136,13 @@
             <a:ext cx="5755723" cy="5860653"/>
           </a:xfrm>
           <a:custGeom>
-            <a:rect b="b" l="l" r="r" t="t"/>
+            <a:avLst/>
+            <a:gdLst/>
+            <a:ahLst/>
+            <a:cxnLst/>
+            <a:rect l="l" t="t" r="r" b="b"/>
             <a:pathLst>
-              <a:path extrusionOk="0" h="175824" w="172676">
+              <a:path w="172676" h="175824" extrusionOk="0">
                 <a:moveTo>
                   <a:pt x="0" y="6"/>
                 </a:moveTo>
@@ -4034,7 +4170,9 @@
       <p:sp>
         <p:nvSpPr>
           <p:cNvPr id="23" name="Google Shape;23;p4"/>
-          <p:cNvSpPr txBox="1"/>
+          <p:cNvSpPr txBox="1">
+            <a:spLocks noGrp="1"/>
+          </p:cNvSpPr>
           <p:nvPr>
             <p:ph type="title"/>
           </p:nvPr>
@@ -4049,7 +4187,7 @@
           </a:prstGeom>
         </p:spPr>
         <p:txBody>
-          <a:bodyPr anchorCtr="0" anchor="t" bIns="121900" lIns="121900" spcFirstLastPara="1" rIns="121900" wrap="square" tIns="121900">
+          <a:bodyPr spcFirstLastPara="1" wrap="square" lIns="121900" tIns="121900" rIns="121900" bIns="121900" anchor="t" anchorCtr="0">
             <a:normAutofit/>
           </a:bodyPr>
           <a:lstStyle>
@@ -4216,15 +4354,19 @@
               </a:defRPr>
             </a:lvl9pPr>
           </a:lstStyle>
-          <a:p/>
+          <a:p>
+            <a:endParaRPr/>
+          </a:p>
         </p:txBody>
       </p:sp>
       <p:sp>
         <p:nvSpPr>
           <p:cNvPr id="24" name="Google Shape;24;p4"/>
-          <p:cNvSpPr txBox="1"/>
+          <p:cNvSpPr txBox="1">
+            <a:spLocks noGrp="1"/>
+          </p:cNvSpPr>
           <p:nvPr>
-            <p:ph idx="1" type="body"/>
+            <p:ph type="body" idx="1"/>
           </p:nvPr>
         </p:nvSpPr>
         <p:spPr>
@@ -4237,11 +4379,11 @@
           </a:prstGeom>
         </p:spPr>
         <p:txBody>
-          <a:bodyPr anchorCtr="0" anchor="t" bIns="121900" lIns="121900" spcFirstLastPara="1" rIns="121900" wrap="square" tIns="121900">
+          <a:bodyPr spcFirstLastPara="1" wrap="square" lIns="121900" tIns="121900" rIns="121900" bIns="121900" anchor="t" anchorCtr="0">
             <a:normAutofit/>
           </a:bodyPr>
           <a:lstStyle>
-            <a:lvl1pPr indent="-336550" lvl="0" marL="457200">
+            <a:lvl1pPr marL="457200" lvl="0" indent="-336550">
               <a:spcBef>
                 <a:spcPts val="0"/>
               </a:spcBef>
@@ -4252,7 +4394,7 @@
               <a:buChar char="●"/>
               <a:defRPr/>
             </a:lvl1pPr>
-            <a:lvl2pPr indent="-323850" lvl="1" marL="914400">
+            <a:lvl2pPr marL="914400" lvl="1" indent="-323850">
               <a:spcBef>
                 <a:spcPts val="0"/>
               </a:spcBef>
@@ -4263,7 +4405,7 @@
               <a:buChar char="○"/>
               <a:defRPr/>
             </a:lvl2pPr>
-            <a:lvl3pPr indent="-323850" lvl="2" marL="1371600">
+            <a:lvl3pPr marL="1371600" lvl="2" indent="-323850">
               <a:spcBef>
                 <a:spcPts val="0"/>
               </a:spcBef>
@@ -4274,7 +4416,7 @@
               <a:buChar char="■"/>
               <a:defRPr/>
             </a:lvl3pPr>
-            <a:lvl4pPr indent="-323850" lvl="3" marL="1828800">
+            <a:lvl4pPr marL="1828800" lvl="3" indent="-323850">
               <a:spcBef>
                 <a:spcPts val="0"/>
               </a:spcBef>
@@ -4285,7 +4427,7 @@
               <a:buChar char="●"/>
               <a:defRPr/>
             </a:lvl4pPr>
-            <a:lvl5pPr indent="-323850" lvl="4" marL="2286000">
+            <a:lvl5pPr marL="2286000" lvl="4" indent="-323850">
               <a:spcBef>
                 <a:spcPts val="0"/>
               </a:spcBef>
@@ -4296,7 +4438,7 @@
               <a:buChar char="○"/>
               <a:defRPr/>
             </a:lvl5pPr>
-            <a:lvl6pPr indent="-323850" lvl="5" marL="2743200">
+            <a:lvl6pPr marL="2743200" lvl="5" indent="-323850">
               <a:spcBef>
                 <a:spcPts val="0"/>
               </a:spcBef>
@@ -4307,7 +4449,7 @@
               <a:buChar char="■"/>
               <a:defRPr/>
             </a:lvl6pPr>
-            <a:lvl7pPr indent="-323850" lvl="6" marL="3200400">
+            <a:lvl7pPr marL="3200400" lvl="6" indent="-323850">
               <a:spcBef>
                 <a:spcPts val="0"/>
               </a:spcBef>
@@ -4318,7 +4460,7 @@
               <a:buChar char="●"/>
               <a:defRPr/>
             </a:lvl7pPr>
-            <a:lvl8pPr indent="-323850" lvl="7" marL="3657600">
+            <a:lvl8pPr marL="3657600" lvl="7" indent="-323850">
               <a:spcBef>
                 <a:spcPts val="0"/>
               </a:spcBef>
@@ -4329,7 +4471,7 @@
               <a:buChar char="○"/>
               <a:defRPr/>
             </a:lvl8pPr>
-            <a:lvl9pPr indent="-323850" lvl="8" marL="4114800">
+            <a:lvl9pPr marL="4114800" lvl="8" indent="-323850">
               <a:spcBef>
                 <a:spcPts val="0"/>
               </a:spcBef>
@@ -4341,15 +4483,19 @@
               <a:defRPr/>
             </a:lvl9pPr>
           </a:lstStyle>
-          <a:p/>
+          <a:p>
+            <a:endParaRPr/>
+          </a:p>
         </p:txBody>
       </p:sp>
       <p:sp>
         <p:nvSpPr>
           <p:cNvPr id="25" name="Google Shape;25;p4"/>
-          <p:cNvSpPr txBox="1"/>
+          <p:cNvSpPr txBox="1">
+            <a:spLocks noGrp="1"/>
+          </p:cNvSpPr>
           <p:nvPr>
-            <p:ph idx="12" type="sldNum"/>
+            <p:ph type="sldNum" idx="12"/>
           </p:nvPr>
         </p:nvSpPr>
         <p:spPr>
@@ -4362,7 +4508,7 @@
           </a:prstGeom>
         </p:spPr>
         <p:txBody>
-          <a:bodyPr anchorCtr="0" anchor="ctr" bIns="121900" lIns="121900" spcFirstLastPara="1" rIns="121900" wrap="square" tIns="121900">
+          <a:bodyPr spcFirstLastPara="1" wrap="square" lIns="121900" tIns="121900" rIns="121900" bIns="121900" anchor="ctr" anchorCtr="0">
             <a:normAutofit/>
           </a:bodyPr>
           <a:lstStyle>
@@ -4404,7 +4550,7 @@
             </a:lvl9pPr>
           </a:lstStyle>
           <a:p>
-            <a:pPr indent="0" lvl="0" marL="0" rtl="0" algn="r">
+            <a:pPr marL="0" lvl="0" indent="0" algn="r" rtl="0">
               <a:spcBef>
                 <a:spcPts val="0"/>
               </a:spcBef>
@@ -4430,11 +4576,11 @@
 </file>
 
 <file path=ppt/slideLayouts/slideLayout4.xml><?xml version="1.0" encoding="utf-8"?>
-<p:sldLayout xmlns:a="http://schemas.openxmlformats.org/drawingml/2006/main" xmlns:r="http://schemas.openxmlformats.org/officeDocument/2006/relationships" xmlns:mc="http://schemas.openxmlformats.org/markup-compatibility/2006" xmlns:mv="urn:schemas-microsoft-com:mac:vml" xmlns:p="http://schemas.openxmlformats.org/presentationml/2006/main" xmlns:c="http://schemas.openxmlformats.org/drawingml/2006/chart" xmlns:dgm="http://schemas.openxmlformats.org/drawingml/2006/diagram" xmlns:o="urn:schemas-microsoft-com:office:office" xmlns:v="urn:schemas-microsoft-com:vml" xmlns:pvml="urn:schemas-microsoft-com:office:powerpoint" xmlns:com="http://schemas.openxmlformats.org/drawingml/2006/compatibility" xmlns:p14="http://schemas.microsoft.com/office/powerpoint/2010/main" xmlns:p15="http://schemas.microsoft.com/office/powerpoint/2012/main" xmlns:ahyp="http://schemas.microsoft.com/office/drawing/2018/hyperlinkcolor" matchingName="Title and two columns" type="twoColTx">
+<p:sldLayout xmlns:a="http://schemas.openxmlformats.org/drawingml/2006/main" xmlns:r="http://schemas.openxmlformats.org/officeDocument/2006/relationships" xmlns:p="http://schemas.openxmlformats.org/presentationml/2006/main" matchingName="Title and two columns" type="twoColTx">
   <p:cSld name="TITLE_AND_TWO_COLUMNS">
     <p:spTree>
       <p:nvGrpSpPr>
-        <p:cNvPr id="26" name="Shape 26"/>
+        <p:cNvPr id="1" name="Shape 26"/>
         <p:cNvGrpSpPr/>
         <p:nvPr/>
       </p:nvGrpSpPr>
@@ -4468,12 +4614,12 @@
           </a:ln>
         </p:spPr>
         <p:txBody>
-          <a:bodyPr anchorCtr="0" anchor="ctr" bIns="121900" lIns="121900" spcFirstLastPara="1" rIns="121900" wrap="square" tIns="121900">
+          <a:bodyPr spcFirstLastPara="1" wrap="square" lIns="121900" tIns="121900" rIns="121900" bIns="121900" anchor="ctr" anchorCtr="0">
             <a:noAutofit/>
           </a:bodyPr>
           <a:lstStyle/>
           <a:p>
-            <a:pPr indent="0" lvl="0" marL="0" rtl="0" algn="l">
+            <a:pPr marL="0" lvl="0" indent="0" algn="l" rtl="0">
               <a:spcBef>
                 <a:spcPts val="0"/>
               </a:spcBef>
@@ -4482,9 +4628,6 @@
               </a:spcAft>
               <a:buNone/>
             </a:pPr>
-            <a:r>
-              <a:t/>
-            </a:r>
             <a:endParaRPr/>
           </a:p>
         </p:txBody>
@@ -4492,7 +4635,9 @@
       <p:sp>
         <p:nvSpPr>
           <p:cNvPr id="28" name="Google Shape;28;p5"/>
-          <p:cNvSpPr txBox="1"/>
+          <p:cNvSpPr txBox="1">
+            <a:spLocks noGrp="1"/>
+          </p:cNvSpPr>
           <p:nvPr>
             <p:ph type="title"/>
           </p:nvPr>
@@ -4507,7 +4652,7 @@
           </a:prstGeom>
         </p:spPr>
         <p:txBody>
-          <a:bodyPr anchorCtr="0" anchor="t" bIns="121900" lIns="121900" spcFirstLastPara="1" rIns="121900" wrap="square" tIns="121900">
+          <a:bodyPr spcFirstLastPara="1" wrap="square" lIns="121900" tIns="121900" rIns="121900" bIns="121900" anchor="t" anchorCtr="0">
             <a:normAutofit/>
           </a:bodyPr>
           <a:lstStyle>
@@ -4674,15 +4819,19 @@
               </a:defRPr>
             </a:lvl9pPr>
           </a:lstStyle>
-          <a:p/>
+          <a:p>
+            <a:endParaRPr/>
+          </a:p>
         </p:txBody>
       </p:sp>
       <p:sp>
         <p:nvSpPr>
           <p:cNvPr id="29" name="Google Shape;29;p5"/>
-          <p:cNvSpPr txBox="1"/>
+          <p:cNvSpPr txBox="1">
+            <a:spLocks noGrp="1"/>
+          </p:cNvSpPr>
           <p:nvPr>
-            <p:ph idx="1" type="body"/>
+            <p:ph type="body" idx="1"/>
           </p:nvPr>
         </p:nvSpPr>
         <p:spPr>
@@ -4695,11 +4844,11 @@
           </a:prstGeom>
         </p:spPr>
         <p:txBody>
-          <a:bodyPr anchorCtr="0" anchor="t" bIns="121900" lIns="121900" spcFirstLastPara="1" rIns="121900" wrap="square" tIns="121900">
+          <a:bodyPr spcFirstLastPara="1" wrap="square" lIns="121900" tIns="121900" rIns="121900" bIns="121900" anchor="t" anchorCtr="0">
             <a:normAutofit/>
           </a:bodyPr>
           <a:lstStyle>
-            <a:lvl1pPr indent="-336550" lvl="0" marL="457200">
+            <a:lvl1pPr marL="457200" lvl="0" indent="-336550">
               <a:spcBef>
                 <a:spcPts val="0"/>
               </a:spcBef>
@@ -4710,7 +4859,7 @@
               <a:buChar char="●"/>
               <a:defRPr/>
             </a:lvl1pPr>
-            <a:lvl2pPr indent="-323850" lvl="1" marL="914400">
+            <a:lvl2pPr marL="914400" lvl="1" indent="-323850">
               <a:spcBef>
                 <a:spcPts val="0"/>
               </a:spcBef>
@@ -4721,7 +4870,7 @@
               <a:buChar char="○"/>
               <a:defRPr/>
             </a:lvl2pPr>
-            <a:lvl3pPr indent="-323850" lvl="2" marL="1371600">
+            <a:lvl3pPr marL="1371600" lvl="2" indent="-323850">
               <a:spcBef>
                 <a:spcPts val="0"/>
               </a:spcBef>
@@ -4732,7 +4881,7 @@
               <a:buChar char="■"/>
               <a:defRPr/>
             </a:lvl3pPr>
-            <a:lvl4pPr indent="-323850" lvl="3" marL="1828800">
+            <a:lvl4pPr marL="1828800" lvl="3" indent="-323850">
               <a:spcBef>
                 <a:spcPts val="0"/>
               </a:spcBef>
@@ -4743,7 +4892,7 @@
               <a:buChar char="●"/>
               <a:defRPr/>
             </a:lvl4pPr>
-            <a:lvl5pPr indent="-323850" lvl="4" marL="2286000">
+            <a:lvl5pPr marL="2286000" lvl="4" indent="-323850">
               <a:spcBef>
                 <a:spcPts val="0"/>
               </a:spcBef>
@@ -4754,7 +4903,7 @@
               <a:buChar char="○"/>
               <a:defRPr/>
             </a:lvl5pPr>
-            <a:lvl6pPr indent="-323850" lvl="5" marL="2743200">
+            <a:lvl6pPr marL="2743200" lvl="5" indent="-323850">
               <a:spcBef>
                 <a:spcPts val="0"/>
               </a:spcBef>
@@ -4765,7 +4914,7 @@
               <a:buChar char="■"/>
               <a:defRPr/>
             </a:lvl6pPr>
-            <a:lvl7pPr indent="-323850" lvl="6" marL="3200400">
+            <a:lvl7pPr marL="3200400" lvl="6" indent="-323850">
               <a:spcBef>
                 <a:spcPts val="0"/>
               </a:spcBef>
@@ -4776,7 +4925,7 @@
               <a:buChar char="●"/>
               <a:defRPr/>
             </a:lvl7pPr>
-            <a:lvl8pPr indent="-323850" lvl="7" marL="3657600">
+            <a:lvl8pPr marL="3657600" lvl="7" indent="-323850">
               <a:spcBef>
                 <a:spcPts val="0"/>
               </a:spcBef>
@@ -4787,7 +4936,7 @@
               <a:buChar char="○"/>
               <a:defRPr/>
             </a:lvl8pPr>
-            <a:lvl9pPr indent="-323850" lvl="8" marL="4114800">
+            <a:lvl9pPr marL="4114800" lvl="8" indent="-323850">
               <a:spcBef>
                 <a:spcPts val="0"/>
               </a:spcBef>
@@ -4799,15 +4948,19 @@
               <a:defRPr/>
             </a:lvl9pPr>
           </a:lstStyle>
-          <a:p/>
+          <a:p>
+            <a:endParaRPr/>
+          </a:p>
         </p:txBody>
       </p:sp>
       <p:sp>
         <p:nvSpPr>
           <p:cNvPr id="30" name="Google Shape;30;p5"/>
-          <p:cNvSpPr txBox="1"/>
+          <p:cNvSpPr txBox="1">
+            <a:spLocks noGrp="1"/>
+          </p:cNvSpPr>
           <p:nvPr>
-            <p:ph idx="2" type="body"/>
+            <p:ph type="body" idx="2"/>
           </p:nvPr>
         </p:nvSpPr>
         <p:spPr>
@@ -4820,11 +4973,11 @@
           </a:prstGeom>
         </p:spPr>
         <p:txBody>
-          <a:bodyPr anchorCtr="0" anchor="t" bIns="121900" lIns="121900" spcFirstLastPara="1" rIns="121900" wrap="square" tIns="121900">
+          <a:bodyPr spcFirstLastPara="1" wrap="square" lIns="121900" tIns="121900" rIns="121900" bIns="121900" anchor="t" anchorCtr="0">
             <a:normAutofit/>
           </a:bodyPr>
           <a:lstStyle>
-            <a:lvl1pPr indent="-336550" lvl="0" marL="457200">
+            <a:lvl1pPr marL="457200" lvl="0" indent="-336550">
               <a:spcBef>
                 <a:spcPts val="0"/>
               </a:spcBef>
@@ -4835,7 +4988,7 @@
               <a:buChar char="●"/>
               <a:defRPr/>
             </a:lvl1pPr>
-            <a:lvl2pPr indent="-323850" lvl="1" marL="914400">
+            <a:lvl2pPr marL="914400" lvl="1" indent="-323850">
               <a:spcBef>
                 <a:spcPts val="0"/>
               </a:spcBef>
@@ -4846,7 +4999,7 @@
               <a:buChar char="○"/>
               <a:defRPr/>
             </a:lvl2pPr>
-            <a:lvl3pPr indent="-323850" lvl="2" marL="1371600">
+            <a:lvl3pPr marL="1371600" lvl="2" indent="-323850">
               <a:spcBef>
                 <a:spcPts val="0"/>
               </a:spcBef>
@@ -4857,7 +5010,7 @@
               <a:buChar char="■"/>
               <a:defRPr/>
             </a:lvl3pPr>
-            <a:lvl4pPr indent="-323850" lvl="3" marL="1828800">
+            <a:lvl4pPr marL="1828800" lvl="3" indent="-323850">
               <a:spcBef>
                 <a:spcPts val="0"/>
               </a:spcBef>
@@ -4868,7 +5021,7 @@
               <a:buChar char="●"/>
               <a:defRPr/>
             </a:lvl4pPr>
-            <a:lvl5pPr indent="-323850" lvl="4" marL="2286000">
+            <a:lvl5pPr marL="2286000" lvl="4" indent="-323850">
               <a:spcBef>
                 <a:spcPts val="0"/>
               </a:spcBef>
@@ -4879,7 +5032,7 @@
               <a:buChar char="○"/>
               <a:defRPr/>
             </a:lvl5pPr>
-            <a:lvl6pPr indent="-323850" lvl="5" marL="2743200">
+            <a:lvl6pPr marL="2743200" lvl="5" indent="-323850">
               <a:spcBef>
                 <a:spcPts val="0"/>
               </a:spcBef>
@@ -4890,7 +5043,7 @@
               <a:buChar char="■"/>
               <a:defRPr/>
             </a:lvl6pPr>
-            <a:lvl7pPr indent="-323850" lvl="6" marL="3200400">
+            <a:lvl7pPr marL="3200400" lvl="6" indent="-323850">
               <a:spcBef>
                 <a:spcPts val="0"/>
               </a:spcBef>
@@ -4901,7 +5054,7 @@
               <a:buChar char="●"/>
               <a:defRPr/>
             </a:lvl7pPr>
-            <a:lvl8pPr indent="-323850" lvl="7" marL="3657600">
+            <a:lvl8pPr marL="3657600" lvl="7" indent="-323850">
               <a:spcBef>
                 <a:spcPts val="0"/>
               </a:spcBef>
@@ -4912,7 +5065,7 @@
               <a:buChar char="○"/>
               <a:defRPr/>
             </a:lvl8pPr>
-            <a:lvl9pPr indent="-323850" lvl="8" marL="4114800">
+            <a:lvl9pPr marL="4114800" lvl="8" indent="-323850">
               <a:spcBef>
                 <a:spcPts val="0"/>
               </a:spcBef>
@@ -4924,15 +5077,19 @@
               <a:defRPr/>
             </a:lvl9pPr>
           </a:lstStyle>
-          <a:p/>
+          <a:p>
+            <a:endParaRPr/>
+          </a:p>
         </p:txBody>
       </p:sp>
       <p:sp>
         <p:nvSpPr>
           <p:cNvPr id="31" name="Google Shape;31;p5"/>
-          <p:cNvSpPr txBox="1"/>
+          <p:cNvSpPr txBox="1">
+            <a:spLocks noGrp="1"/>
+          </p:cNvSpPr>
           <p:nvPr>
-            <p:ph idx="12" type="sldNum"/>
+            <p:ph type="sldNum" idx="12"/>
           </p:nvPr>
         </p:nvSpPr>
         <p:spPr>
@@ -4945,7 +5102,7 @@
           </a:prstGeom>
         </p:spPr>
         <p:txBody>
-          <a:bodyPr anchorCtr="0" anchor="ctr" bIns="121900" lIns="121900" spcFirstLastPara="1" rIns="121900" wrap="square" tIns="121900">
+          <a:bodyPr spcFirstLastPara="1" wrap="square" lIns="121900" tIns="121900" rIns="121900" bIns="121900" anchor="ctr" anchorCtr="0">
             <a:normAutofit/>
           </a:bodyPr>
           <a:lstStyle>
@@ -4987,7 +5144,7 @@
             </a:lvl9pPr>
           </a:lstStyle>
           <a:p>
-            <a:pPr indent="0" lvl="0" marL="0" rtl="0" algn="r">
+            <a:pPr marL="0" lvl="0" indent="0" algn="r" rtl="0">
               <a:spcBef>
                 <a:spcPts val="0"/>
               </a:spcBef>
@@ -5013,11 +5170,11 @@
 </file>
 
 <file path=ppt/slideLayouts/slideLayout5.xml><?xml version="1.0" encoding="utf-8"?>
-<p:sldLayout xmlns:a="http://schemas.openxmlformats.org/drawingml/2006/main" xmlns:r="http://schemas.openxmlformats.org/officeDocument/2006/relationships" xmlns:mc="http://schemas.openxmlformats.org/markup-compatibility/2006" xmlns:mv="urn:schemas-microsoft-com:mac:vml" xmlns:p="http://schemas.openxmlformats.org/presentationml/2006/main" xmlns:c="http://schemas.openxmlformats.org/drawingml/2006/chart" xmlns:dgm="http://schemas.openxmlformats.org/drawingml/2006/diagram" xmlns:o="urn:schemas-microsoft-com:office:office" xmlns:v="urn:schemas-microsoft-com:vml" xmlns:pvml="urn:schemas-microsoft-com:office:powerpoint" xmlns:com="http://schemas.openxmlformats.org/drawingml/2006/compatibility" xmlns:p14="http://schemas.microsoft.com/office/powerpoint/2010/main" xmlns:p15="http://schemas.microsoft.com/office/powerpoint/2012/main" xmlns:ahyp="http://schemas.microsoft.com/office/drawing/2018/hyperlinkcolor" matchingName="Title only" type="titleOnly">
+<p:sldLayout xmlns:a="http://schemas.openxmlformats.org/drawingml/2006/main" xmlns:r="http://schemas.openxmlformats.org/officeDocument/2006/relationships" xmlns:p="http://schemas.openxmlformats.org/presentationml/2006/main" matchingName="Title only" type="titleOnly">
   <p:cSld name="TITLE_ONLY">
     <p:spTree>
       <p:nvGrpSpPr>
-        <p:cNvPr id="32" name="Shape 32"/>
+        <p:cNvPr id="1" name="Shape 32"/>
         <p:cNvGrpSpPr/>
         <p:nvPr/>
       </p:nvGrpSpPr>
@@ -5051,12 +5208,12 @@
           </a:ln>
         </p:spPr>
         <p:txBody>
-          <a:bodyPr anchorCtr="0" anchor="ctr" bIns="121900" lIns="121900" spcFirstLastPara="1" rIns="121900" wrap="square" tIns="121900">
+          <a:bodyPr spcFirstLastPara="1" wrap="square" lIns="121900" tIns="121900" rIns="121900" bIns="121900" anchor="ctr" anchorCtr="0">
             <a:noAutofit/>
           </a:bodyPr>
           <a:lstStyle/>
           <a:p>
-            <a:pPr indent="0" lvl="0" marL="0" rtl="0" algn="l">
+            <a:pPr marL="0" lvl="0" indent="0" algn="l" rtl="0">
               <a:spcBef>
                 <a:spcPts val="0"/>
               </a:spcBef>
@@ -5065,9 +5222,6 @@
               </a:spcAft>
               <a:buNone/>
             </a:pPr>
-            <a:r>
-              <a:t/>
-            </a:r>
             <a:endParaRPr/>
           </a:p>
         </p:txBody>
@@ -5075,7 +5229,9 @@
       <p:sp>
         <p:nvSpPr>
           <p:cNvPr id="34" name="Google Shape;34;p6"/>
-          <p:cNvSpPr txBox="1"/>
+          <p:cNvSpPr txBox="1">
+            <a:spLocks noGrp="1"/>
+          </p:cNvSpPr>
           <p:nvPr>
             <p:ph type="title"/>
           </p:nvPr>
@@ -5090,7 +5246,7 @@
           </a:prstGeom>
         </p:spPr>
         <p:txBody>
-          <a:bodyPr anchorCtr="0" anchor="t" bIns="121900" lIns="121900" spcFirstLastPara="1" rIns="121900" wrap="square" tIns="121900">
+          <a:bodyPr spcFirstLastPara="1" wrap="square" lIns="121900" tIns="121900" rIns="121900" bIns="121900" anchor="t" anchorCtr="0">
             <a:normAutofit/>
           </a:bodyPr>
           <a:lstStyle>
@@ -5257,15 +5413,19 @@
               </a:defRPr>
             </a:lvl9pPr>
           </a:lstStyle>
-          <a:p/>
+          <a:p>
+            <a:endParaRPr/>
+          </a:p>
         </p:txBody>
       </p:sp>
       <p:sp>
         <p:nvSpPr>
           <p:cNvPr id="35" name="Google Shape;35;p6"/>
-          <p:cNvSpPr txBox="1"/>
+          <p:cNvSpPr txBox="1">
+            <a:spLocks noGrp="1"/>
+          </p:cNvSpPr>
           <p:nvPr>
-            <p:ph idx="12" type="sldNum"/>
+            <p:ph type="sldNum" idx="12"/>
           </p:nvPr>
         </p:nvSpPr>
         <p:spPr>
@@ -5278,7 +5438,7 @@
           </a:prstGeom>
         </p:spPr>
         <p:txBody>
-          <a:bodyPr anchorCtr="0" anchor="ctr" bIns="121900" lIns="121900" spcFirstLastPara="1" rIns="121900" wrap="square" tIns="121900">
+          <a:bodyPr spcFirstLastPara="1" wrap="square" lIns="121900" tIns="121900" rIns="121900" bIns="121900" anchor="ctr" anchorCtr="0">
             <a:normAutofit/>
           </a:bodyPr>
           <a:lstStyle>
@@ -5320,7 +5480,7 @@
             </a:lvl9pPr>
           </a:lstStyle>
           <a:p>
-            <a:pPr indent="0" lvl="0" marL="0" rtl="0" algn="r">
+            <a:pPr marL="0" lvl="0" indent="0" algn="r" rtl="0">
               <a:spcBef>
                 <a:spcPts val="0"/>
               </a:spcBef>
@@ -5346,11 +5506,11 @@
 </file>
 
 <file path=ppt/slideLayouts/slideLayout6.xml><?xml version="1.0" encoding="utf-8"?>
-<p:sldLayout xmlns:a="http://schemas.openxmlformats.org/drawingml/2006/main" xmlns:r="http://schemas.openxmlformats.org/officeDocument/2006/relationships" xmlns:mc="http://schemas.openxmlformats.org/markup-compatibility/2006" xmlns:mv="urn:schemas-microsoft-com:mac:vml" xmlns:p="http://schemas.openxmlformats.org/presentationml/2006/main" xmlns:c="http://schemas.openxmlformats.org/drawingml/2006/chart" xmlns:dgm="http://schemas.openxmlformats.org/drawingml/2006/diagram" xmlns:o="urn:schemas-microsoft-com:office:office" xmlns:v="urn:schemas-microsoft-com:vml" xmlns:pvml="urn:schemas-microsoft-com:office:powerpoint" xmlns:com="http://schemas.openxmlformats.org/drawingml/2006/compatibility" xmlns:p14="http://schemas.microsoft.com/office/powerpoint/2010/main" xmlns:p15="http://schemas.microsoft.com/office/powerpoint/2012/main" xmlns:ahyp="http://schemas.microsoft.com/office/drawing/2018/hyperlinkcolor" matchingName="One column text">
+<p:sldLayout xmlns:a="http://schemas.openxmlformats.org/drawingml/2006/main" xmlns:r="http://schemas.openxmlformats.org/officeDocument/2006/relationships" xmlns:p="http://schemas.openxmlformats.org/presentationml/2006/main" matchingName="One column text">
   <p:cSld name="ONE_COLUMN_TEXT">
     <p:spTree>
       <p:nvGrpSpPr>
-        <p:cNvPr id="36" name="Shape 36"/>
+        <p:cNvPr id="1" name="Shape 36"/>
         <p:cNvGrpSpPr/>
         <p:nvPr/>
       </p:nvGrpSpPr>
@@ -5384,12 +5544,12 @@
           </a:ln>
         </p:spPr>
         <p:txBody>
-          <a:bodyPr anchorCtr="0" anchor="ctr" bIns="121900" lIns="121900" spcFirstLastPara="1" rIns="121900" wrap="square" tIns="121900">
+          <a:bodyPr spcFirstLastPara="1" wrap="square" lIns="121900" tIns="121900" rIns="121900" bIns="121900" anchor="ctr" anchorCtr="0">
             <a:noAutofit/>
           </a:bodyPr>
           <a:lstStyle/>
           <a:p>
-            <a:pPr indent="0" lvl="0" marL="0" rtl="0" algn="l">
+            <a:pPr marL="0" lvl="0" indent="0" algn="l" rtl="0">
               <a:spcBef>
                 <a:spcPts val="0"/>
               </a:spcBef>
@@ -5398,9 +5558,6 @@
               </a:spcAft>
               <a:buNone/>
             </a:pPr>
-            <a:r>
-              <a:t/>
-            </a:r>
             <a:endParaRPr/>
           </a:p>
         </p:txBody>
@@ -5408,7 +5565,9 @@
       <p:sp>
         <p:nvSpPr>
           <p:cNvPr id="38" name="Google Shape;38;p7"/>
-          <p:cNvSpPr txBox="1"/>
+          <p:cNvSpPr txBox="1">
+            <a:spLocks noGrp="1"/>
+          </p:cNvSpPr>
           <p:nvPr>
             <p:ph type="title"/>
           </p:nvPr>
@@ -5423,7 +5582,7 @@
           </a:prstGeom>
         </p:spPr>
         <p:txBody>
-          <a:bodyPr anchorCtr="0" anchor="t" bIns="121900" lIns="121900" spcFirstLastPara="1" rIns="121900" wrap="square" tIns="121900">
+          <a:bodyPr spcFirstLastPara="1" wrap="square" lIns="121900" tIns="121900" rIns="121900" bIns="121900" anchor="t" anchorCtr="0">
             <a:normAutofit/>
           </a:bodyPr>
           <a:lstStyle>
@@ -5590,15 +5749,19 @@
               </a:defRPr>
             </a:lvl9pPr>
           </a:lstStyle>
-          <a:p/>
+          <a:p>
+            <a:endParaRPr/>
+          </a:p>
         </p:txBody>
       </p:sp>
       <p:sp>
         <p:nvSpPr>
           <p:cNvPr id="39" name="Google Shape;39;p7"/>
-          <p:cNvSpPr txBox="1"/>
+          <p:cNvSpPr txBox="1">
+            <a:spLocks noGrp="1"/>
+          </p:cNvSpPr>
           <p:nvPr>
-            <p:ph idx="1" type="body"/>
+            <p:ph type="body" idx="1"/>
           </p:nvPr>
         </p:nvSpPr>
         <p:spPr>
@@ -5611,11 +5774,11 @@
           </a:prstGeom>
         </p:spPr>
         <p:txBody>
-          <a:bodyPr anchorCtr="0" anchor="t" bIns="121900" lIns="121900" spcFirstLastPara="1" rIns="121900" wrap="square" tIns="121900">
+          <a:bodyPr spcFirstLastPara="1" wrap="square" lIns="121900" tIns="121900" rIns="121900" bIns="121900" anchor="t" anchorCtr="0">
             <a:normAutofit/>
           </a:bodyPr>
           <a:lstStyle>
-            <a:lvl1pPr indent="-336550" lvl="0" marL="457200">
+            <a:lvl1pPr marL="457200" lvl="0" indent="-336550">
               <a:spcBef>
                 <a:spcPts val="0"/>
               </a:spcBef>
@@ -5633,7 +5796,7 @@
                 </a:solidFill>
               </a:defRPr>
             </a:lvl1pPr>
-            <a:lvl2pPr indent="-323850" lvl="1" marL="914400">
+            <a:lvl2pPr marL="914400" lvl="1" indent="-323850">
               <a:spcBef>
                 <a:spcPts val="0"/>
               </a:spcBef>
@@ -5651,7 +5814,7 @@
                 </a:solidFill>
               </a:defRPr>
             </a:lvl2pPr>
-            <a:lvl3pPr indent="-323850" lvl="2" marL="1371600">
+            <a:lvl3pPr marL="1371600" lvl="2" indent="-323850">
               <a:spcBef>
                 <a:spcPts val="0"/>
               </a:spcBef>
@@ -5669,7 +5832,7 @@
                 </a:solidFill>
               </a:defRPr>
             </a:lvl3pPr>
-            <a:lvl4pPr indent="-323850" lvl="3" marL="1828800">
+            <a:lvl4pPr marL="1828800" lvl="3" indent="-323850">
               <a:spcBef>
                 <a:spcPts val="0"/>
               </a:spcBef>
@@ -5687,7 +5850,7 @@
                 </a:solidFill>
               </a:defRPr>
             </a:lvl4pPr>
-            <a:lvl5pPr indent="-323850" lvl="4" marL="2286000">
+            <a:lvl5pPr marL="2286000" lvl="4" indent="-323850">
               <a:spcBef>
                 <a:spcPts val="0"/>
               </a:spcBef>
@@ -5705,7 +5868,7 @@
                 </a:solidFill>
               </a:defRPr>
             </a:lvl5pPr>
-            <a:lvl6pPr indent="-323850" lvl="5" marL="2743200">
+            <a:lvl6pPr marL="2743200" lvl="5" indent="-323850">
               <a:spcBef>
                 <a:spcPts val="0"/>
               </a:spcBef>
@@ -5723,7 +5886,7 @@
                 </a:solidFill>
               </a:defRPr>
             </a:lvl6pPr>
-            <a:lvl7pPr indent="-323850" lvl="6" marL="3200400">
+            <a:lvl7pPr marL="3200400" lvl="6" indent="-323850">
               <a:spcBef>
                 <a:spcPts val="0"/>
               </a:spcBef>
@@ -5741,7 +5904,7 @@
                 </a:solidFill>
               </a:defRPr>
             </a:lvl7pPr>
-            <a:lvl8pPr indent="-323850" lvl="7" marL="3657600">
+            <a:lvl8pPr marL="3657600" lvl="7" indent="-323850">
               <a:spcBef>
                 <a:spcPts val="0"/>
               </a:spcBef>
@@ -5759,7 +5922,7 @@
                 </a:solidFill>
               </a:defRPr>
             </a:lvl8pPr>
-            <a:lvl9pPr indent="-323850" lvl="8" marL="4114800">
+            <a:lvl9pPr marL="4114800" lvl="8" indent="-323850">
               <a:spcBef>
                 <a:spcPts val="0"/>
               </a:spcBef>
@@ -5778,15 +5941,19 @@
               </a:defRPr>
             </a:lvl9pPr>
           </a:lstStyle>
-          <a:p/>
+          <a:p>
+            <a:endParaRPr/>
+          </a:p>
         </p:txBody>
       </p:sp>
       <p:sp>
         <p:nvSpPr>
           <p:cNvPr id="40" name="Google Shape;40;p7"/>
-          <p:cNvSpPr txBox="1"/>
+          <p:cNvSpPr txBox="1">
+            <a:spLocks noGrp="1"/>
+          </p:cNvSpPr>
           <p:nvPr>
-            <p:ph idx="12" type="sldNum"/>
+            <p:ph type="sldNum" idx="12"/>
           </p:nvPr>
         </p:nvSpPr>
         <p:spPr>
@@ -5799,7 +5966,7 @@
           </a:prstGeom>
         </p:spPr>
         <p:txBody>
-          <a:bodyPr anchorCtr="0" anchor="ctr" bIns="121900" lIns="121900" spcFirstLastPara="1" rIns="121900" wrap="square" tIns="121900">
+          <a:bodyPr spcFirstLastPara="1" wrap="square" lIns="121900" tIns="121900" rIns="121900" bIns="121900" anchor="ctr" anchorCtr="0">
             <a:normAutofit/>
           </a:bodyPr>
           <a:lstStyle>
@@ -5841,7 +6008,7 @@
             </a:lvl9pPr>
           </a:lstStyle>
           <a:p>
-            <a:pPr indent="0" lvl="0" marL="0" rtl="0" algn="r">
+            <a:pPr marL="0" lvl="0" indent="0" algn="r" rtl="0">
               <a:spcBef>
                 <a:spcPts val="0"/>
               </a:spcBef>
@@ -5867,18 +6034,19 @@
 </file>
 
 <file path=ppt/slideLayouts/slideLayout7.xml><?xml version="1.0" encoding="utf-8"?>
-<p:sldLayout xmlns:a="http://schemas.openxmlformats.org/drawingml/2006/main" xmlns:r="http://schemas.openxmlformats.org/officeDocument/2006/relationships" xmlns:mc="http://schemas.openxmlformats.org/markup-compatibility/2006" xmlns:mv="urn:schemas-microsoft-com:mac:vml" xmlns:p="http://schemas.openxmlformats.org/presentationml/2006/main" xmlns:c="http://schemas.openxmlformats.org/drawingml/2006/chart" xmlns:dgm="http://schemas.openxmlformats.org/drawingml/2006/diagram" xmlns:o="urn:schemas-microsoft-com:office:office" xmlns:v="urn:schemas-microsoft-com:vml" xmlns:pvml="urn:schemas-microsoft-com:office:powerpoint" xmlns:com="http://schemas.openxmlformats.org/drawingml/2006/compatibility" xmlns:p14="http://schemas.microsoft.com/office/powerpoint/2010/main" xmlns:p15="http://schemas.microsoft.com/office/powerpoint/2012/main" xmlns:ahyp="http://schemas.microsoft.com/office/drawing/2018/hyperlinkcolor" matchingName="Main point">
+<p:sldLayout xmlns:a="http://schemas.openxmlformats.org/drawingml/2006/main" xmlns:r="http://schemas.openxmlformats.org/officeDocument/2006/relationships" xmlns:p="http://schemas.openxmlformats.org/presentationml/2006/main" matchingName="Main point">
   <p:cSld name="MAIN_POINT">
     <p:bg>
       <p:bgPr>
         <a:solidFill>
           <a:schemeClr val="accent3"/>
         </a:solidFill>
+        <a:effectLst/>
       </p:bgPr>
     </p:bg>
     <p:spTree>
       <p:nvGrpSpPr>
-        <p:cNvPr id="41" name="Shape 41"/>
+        <p:cNvPr id="1" name="Shape 41"/>
         <p:cNvGrpSpPr/>
         <p:nvPr/>
       </p:nvGrpSpPr>
@@ -5893,7 +6061,9 @@
       <p:sp>
         <p:nvSpPr>
           <p:cNvPr id="42" name="Google Shape;42;p8"/>
-          <p:cNvSpPr txBox="1"/>
+          <p:cNvSpPr txBox="1">
+            <a:spLocks noGrp="1"/>
+          </p:cNvSpPr>
           <p:nvPr>
             <p:ph type="title"/>
           </p:nvPr>
@@ -5908,7 +6078,7 @@
           </a:prstGeom>
         </p:spPr>
         <p:txBody>
-          <a:bodyPr anchorCtr="0" anchor="ctr" bIns="121900" lIns="121900" spcFirstLastPara="1" rIns="121900" wrap="square" tIns="121900">
+          <a:bodyPr spcFirstLastPara="1" wrap="square" lIns="121900" tIns="121900" rIns="121900" bIns="121900" anchor="ctr" anchorCtr="0">
             <a:normAutofit/>
           </a:bodyPr>
           <a:lstStyle>
@@ -6012,15 +6182,19 @@
               <a:defRPr sz="4800"/>
             </a:lvl9pPr>
           </a:lstStyle>
-          <a:p/>
+          <a:p>
+            <a:endParaRPr/>
+          </a:p>
         </p:txBody>
       </p:sp>
       <p:sp>
         <p:nvSpPr>
           <p:cNvPr id="43" name="Google Shape;43;p8"/>
-          <p:cNvSpPr txBox="1"/>
+          <p:cNvSpPr txBox="1">
+            <a:spLocks noGrp="1"/>
+          </p:cNvSpPr>
           <p:nvPr>
-            <p:ph idx="12" type="sldNum"/>
+            <p:ph type="sldNum" idx="12"/>
           </p:nvPr>
         </p:nvSpPr>
         <p:spPr>
@@ -6033,7 +6207,7 @@
           </a:prstGeom>
         </p:spPr>
         <p:txBody>
-          <a:bodyPr anchorCtr="0" anchor="ctr" bIns="121900" lIns="121900" spcFirstLastPara="1" rIns="121900" wrap="square" tIns="121900">
+          <a:bodyPr spcFirstLastPara="1" wrap="square" lIns="121900" tIns="121900" rIns="121900" bIns="121900" anchor="ctr" anchorCtr="0">
             <a:normAutofit/>
           </a:bodyPr>
           <a:lstStyle>
@@ -6111,7 +6285,7 @@
             </a:lvl9pPr>
           </a:lstStyle>
           <a:p>
-            <a:pPr indent="0" lvl="0" marL="0" rtl="0" algn="r">
+            <a:pPr marL="0" lvl="0" indent="0" algn="r" rtl="0">
               <a:spcBef>
                 <a:spcPts val="0"/>
               </a:spcBef>
@@ -6137,11 +6311,11 @@
 </file>
 
 <file path=ppt/slideLayouts/slideLayout8.xml><?xml version="1.0" encoding="utf-8"?>
-<p:sldLayout xmlns:a="http://schemas.openxmlformats.org/drawingml/2006/main" xmlns:r="http://schemas.openxmlformats.org/officeDocument/2006/relationships" xmlns:mc="http://schemas.openxmlformats.org/markup-compatibility/2006" xmlns:mv="urn:schemas-microsoft-com:mac:vml" xmlns:p="http://schemas.openxmlformats.org/presentationml/2006/main" xmlns:c="http://schemas.openxmlformats.org/drawingml/2006/chart" xmlns:dgm="http://schemas.openxmlformats.org/drawingml/2006/diagram" xmlns:o="urn:schemas-microsoft-com:office:office" xmlns:v="urn:schemas-microsoft-com:vml" xmlns:pvml="urn:schemas-microsoft-com:office:powerpoint" xmlns:com="http://schemas.openxmlformats.org/drawingml/2006/compatibility" xmlns:p14="http://schemas.microsoft.com/office/powerpoint/2010/main" xmlns:p15="http://schemas.microsoft.com/office/powerpoint/2012/main" xmlns:ahyp="http://schemas.microsoft.com/office/drawing/2018/hyperlinkcolor" matchingName="Section title and description">
+<p:sldLayout xmlns:a="http://schemas.openxmlformats.org/drawingml/2006/main" xmlns:r="http://schemas.openxmlformats.org/officeDocument/2006/relationships" xmlns:p="http://schemas.openxmlformats.org/presentationml/2006/main" matchingName="Section title and description">
   <p:cSld name="SECTION_TITLE_AND_DESCRIPTION">
     <p:spTree>
       <p:nvGrpSpPr>
-        <p:cNvPr id="44" name="Shape 44"/>
+        <p:cNvPr id="1" name="Shape 44"/>
         <p:cNvGrpSpPr/>
         <p:nvPr/>
       </p:nvGrpSpPr>
@@ -6175,12 +6349,12 @@
           </a:ln>
         </p:spPr>
         <p:txBody>
-          <a:bodyPr anchorCtr="0" anchor="ctr" bIns="121900" lIns="121900" spcFirstLastPara="1" rIns="121900" wrap="square" tIns="121900">
+          <a:bodyPr spcFirstLastPara="1" wrap="square" lIns="121900" tIns="121900" rIns="121900" bIns="121900" anchor="ctr" anchorCtr="0">
             <a:noAutofit/>
           </a:bodyPr>
           <a:lstStyle/>
           <a:p>
-            <a:pPr indent="0" lvl="0" marL="0" rtl="0" algn="l">
+            <a:pPr marL="0" lvl="0" indent="0" algn="l" rtl="0">
               <a:spcBef>
                 <a:spcPts val="0"/>
               </a:spcBef>
@@ -6189,9 +6363,6 @@
               </a:spcAft>
               <a:buNone/>
             </a:pPr>
-            <a:r>
-              <a:t/>
-            </a:r>
             <a:endParaRPr/>
           </a:p>
         </p:txBody>
@@ -6199,7 +6370,9 @@
       <p:sp>
         <p:nvSpPr>
           <p:cNvPr id="46" name="Google Shape;46;p9"/>
-          <p:cNvSpPr txBox="1"/>
+          <p:cNvSpPr txBox="1">
+            <a:spLocks noGrp="1"/>
+          </p:cNvSpPr>
           <p:nvPr>
             <p:ph type="title"/>
           </p:nvPr>
@@ -6214,7 +6387,7 @@
           </a:prstGeom>
         </p:spPr>
         <p:txBody>
-          <a:bodyPr anchorCtr="0" anchor="t" bIns="121900" lIns="121900" spcFirstLastPara="1" rIns="121900" wrap="square" tIns="121900">
+          <a:bodyPr spcFirstLastPara="1" wrap="square" lIns="121900" tIns="121900" rIns="121900" bIns="121900" anchor="t" anchorCtr="0">
             <a:normAutofit/>
           </a:bodyPr>
           <a:lstStyle>
@@ -6381,15 +6554,19 @@
               </a:defRPr>
             </a:lvl9pPr>
           </a:lstStyle>
-          <a:p/>
+          <a:p>
+            <a:endParaRPr/>
+          </a:p>
         </p:txBody>
       </p:sp>
       <p:sp>
         <p:nvSpPr>
           <p:cNvPr id="47" name="Google Shape;47;p9"/>
-          <p:cNvSpPr txBox="1"/>
+          <p:cNvSpPr txBox="1">
+            <a:spLocks noGrp="1"/>
+          </p:cNvSpPr>
           <p:nvPr>
-            <p:ph idx="1" type="subTitle"/>
+            <p:ph type="subTitle" idx="1"/>
           </p:nvPr>
         </p:nvSpPr>
         <p:spPr>
@@ -6402,7 +6579,7 @@
           </a:prstGeom>
         </p:spPr>
         <p:txBody>
-          <a:bodyPr anchorCtr="0" anchor="t" bIns="121900" lIns="121900" spcFirstLastPara="1" rIns="121900" wrap="square" tIns="121900">
+          <a:bodyPr spcFirstLastPara="1" wrap="square" lIns="121900" tIns="121900" rIns="121900" bIns="121900" anchor="t" anchorCtr="0">
             <a:normAutofit/>
           </a:bodyPr>
           <a:lstStyle>
@@ -6596,15 +6773,19 @@
               </a:defRPr>
             </a:lvl9pPr>
           </a:lstStyle>
-          <a:p/>
+          <a:p>
+            <a:endParaRPr/>
+          </a:p>
         </p:txBody>
       </p:sp>
       <p:sp>
         <p:nvSpPr>
           <p:cNvPr id="48" name="Google Shape;48;p9"/>
-          <p:cNvSpPr txBox="1"/>
+          <p:cNvSpPr txBox="1">
+            <a:spLocks noGrp="1"/>
+          </p:cNvSpPr>
           <p:nvPr>
-            <p:ph idx="2" type="body"/>
+            <p:ph type="body" idx="2"/>
           </p:nvPr>
         </p:nvSpPr>
         <p:spPr>
@@ -6617,11 +6798,11 @@
           </a:prstGeom>
         </p:spPr>
         <p:txBody>
-          <a:bodyPr anchorCtr="0" anchor="t" bIns="121900" lIns="121900" spcFirstLastPara="1" rIns="121900" wrap="square" tIns="121900">
+          <a:bodyPr spcFirstLastPara="1" wrap="square" lIns="121900" tIns="121900" rIns="121900" bIns="121900" anchor="t" anchorCtr="0">
             <a:normAutofit/>
           </a:bodyPr>
           <a:lstStyle>
-            <a:lvl1pPr indent="-336550" lvl="0" marL="457200">
+            <a:lvl1pPr marL="457200" lvl="0" indent="-336550">
               <a:spcBef>
                 <a:spcPts val="0"/>
               </a:spcBef>
@@ -6632,7 +6813,7 @@
               <a:buChar char="●"/>
               <a:defRPr/>
             </a:lvl1pPr>
-            <a:lvl2pPr indent="-323850" lvl="1" marL="914400">
+            <a:lvl2pPr marL="914400" lvl="1" indent="-323850">
               <a:spcBef>
                 <a:spcPts val="0"/>
               </a:spcBef>
@@ -6643,7 +6824,7 @@
               <a:buChar char="○"/>
               <a:defRPr/>
             </a:lvl2pPr>
-            <a:lvl3pPr indent="-323850" lvl="2" marL="1371600">
+            <a:lvl3pPr marL="1371600" lvl="2" indent="-323850">
               <a:spcBef>
                 <a:spcPts val="0"/>
               </a:spcBef>
@@ -6654,7 +6835,7 @@
               <a:buChar char="■"/>
               <a:defRPr/>
             </a:lvl3pPr>
-            <a:lvl4pPr indent="-323850" lvl="3" marL="1828800">
+            <a:lvl4pPr marL="1828800" lvl="3" indent="-323850">
               <a:spcBef>
                 <a:spcPts val="0"/>
               </a:spcBef>
@@ -6665,7 +6846,7 @@
               <a:buChar char="●"/>
               <a:defRPr/>
             </a:lvl4pPr>
-            <a:lvl5pPr indent="-323850" lvl="4" marL="2286000">
+            <a:lvl5pPr marL="2286000" lvl="4" indent="-323850">
               <a:spcBef>
                 <a:spcPts val="0"/>
               </a:spcBef>
@@ -6676,7 +6857,7 @@
               <a:buChar char="○"/>
               <a:defRPr/>
             </a:lvl5pPr>
-            <a:lvl6pPr indent="-323850" lvl="5" marL="2743200">
+            <a:lvl6pPr marL="2743200" lvl="5" indent="-323850">
               <a:spcBef>
                 <a:spcPts val="0"/>
               </a:spcBef>
@@ -6687,7 +6868,7 @@
               <a:buChar char="■"/>
               <a:defRPr/>
             </a:lvl6pPr>
-            <a:lvl7pPr indent="-323850" lvl="6" marL="3200400">
+            <a:lvl7pPr marL="3200400" lvl="6" indent="-323850">
               <a:spcBef>
                 <a:spcPts val="0"/>
               </a:spcBef>
@@ -6698,7 +6879,7 @@
               <a:buChar char="●"/>
               <a:defRPr/>
             </a:lvl7pPr>
-            <a:lvl8pPr indent="-323850" lvl="7" marL="3657600">
+            <a:lvl8pPr marL="3657600" lvl="7" indent="-323850">
               <a:spcBef>
                 <a:spcPts val="0"/>
               </a:spcBef>
@@ -6709,7 +6890,7 @@
               <a:buChar char="○"/>
               <a:defRPr/>
             </a:lvl8pPr>
-            <a:lvl9pPr indent="-323850" lvl="8" marL="4114800">
+            <a:lvl9pPr marL="4114800" lvl="8" indent="-323850">
               <a:spcBef>
                 <a:spcPts val="0"/>
               </a:spcBef>
@@ -6721,15 +6902,19 @@
               <a:defRPr/>
             </a:lvl9pPr>
           </a:lstStyle>
-          <a:p/>
+          <a:p>
+            <a:endParaRPr/>
+          </a:p>
         </p:txBody>
       </p:sp>
       <p:sp>
         <p:nvSpPr>
           <p:cNvPr id="49" name="Google Shape;49;p9"/>
-          <p:cNvSpPr txBox="1"/>
+          <p:cNvSpPr txBox="1">
+            <a:spLocks noGrp="1"/>
+          </p:cNvSpPr>
           <p:nvPr>
-            <p:ph idx="12" type="sldNum"/>
+            <p:ph type="sldNum" idx="12"/>
           </p:nvPr>
         </p:nvSpPr>
         <p:spPr>
@@ -6742,7 +6927,7 @@
           </a:prstGeom>
         </p:spPr>
         <p:txBody>
-          <a:bodyPr anchorCtr="0" anchor="ctr" bIns="121900" lIns="121900" spcFirstLastPara="1" rIns="121900" wrap="square" tIns="121900">
+          <a:bodyPr spcFirstLastPara="1" wrap="square" lIns="121900" tIns="121900" rIns="121900" bIns="121900" anchor="ctr" anchorCtr="0">
             <a:normAutofit/>
           </a:bodyPr>
           <a:lstStyle>
@@ -6784,7 +6969,7 @@
             </a:lvl9pPr>
           </a:lstStyle>
           <a:p>
-            <a:pPr indent="0" lvl="0" marL="0" rtl="0" algn="r">
+            <a:pPr marL="0" lvl="0" indent="0" algn="r" rtl="0">
               <a:spcBef>
                 <a:spcPts val="0"/>
               </a:spcBef>
@@ -6810,11 +6995,11 @@
 </file>
 
 <file path=ppt/slideLayouts/slideLayout9.xml><?xml version="1.0" encoding="utf-8"?>
-<p:sldLayout xmlns:a="http://schemas.openxmlformats.org/drawingml/2006/main" xmlns:r="http://schemas.openxmlformats.org/officeDocument/2006/relationships" xmlns:mc="http://schemas.openxmlformats.org/markup-compatibility/2006" xmlns:mv="urn:schemas-microsoft-com:mac:vml" xmlns:p="http://schemas.openxmlformats.org/presentationml/2006/main" xmlns:c="http://schemas.openxmlformats.org/drawingml/2006/chart" xmlns:dgm="http://schemas.openxmlformats.org/drawingml/2006/diagram" xmlns:o="urn:schemas-microsoft-com:office:office" xmlns:v="urn:schemas-microsoft-com:vml" xmlns:pvml="urn:schemas-microsoft-com:office:powerpoint" xmlns:com="http://schemas.openxmlformats.org/drawingml/2006/compatibility" xmlns:p14="http://schemas.microsoft.com/office/powerpoint/2010/main" xmlns:p15="http://schemas.microsoft.com/office/powerpoint/2012/main" xmlns:ahyp="http://schemas.microsoft.com/office/drawing/2018/hyperlinkcolor" matchingName="Caption">
+<p:sldLayout xmlns:a="http://schemas.openxmlformats.org/drawingml/2006/main" xmlns:r="http://schemas.openxmlformats.org/officeDocument/2006/relationships" xmlns:p="http://schemas.openxmlformats.org/presentationml/2006/main" matchingName="Caption">
   <p:cSld name="CAPTION_ONLY">
     <p:spTree>
       <p:nvGrpSpPr>
-        <p:cNvPr id="50" name="Shape 50"/>
+        <p:cNvPr id="1" name="Shape 50"/>
         <p:cNvGrpSpPr/>
         <p:nvPr/>
       </p:nvGrpSpPr>
@@ -6848,12 +7033,12 @@
           </a:ln>
         </p:spPr>
         <p:txBody>
-          <a:bodyPr anchorCtr="0" anchor="ctr" bIns="121900" lIns="121900" spcFirstLastPara="1" rIns="121900" wrap="square" tIns="121900">
+          <a:bodyPr spcFirstLastPara="1" wrap="square" lIns="121900" tIns="121900" rIns="121900" bIns="121900" anchor="ctr" anchorCtr="0">
             <a:noAutofit/>
           </a:bodyPr>
           <a:lstStyle/>
           <a:p>
-            <a:pPr indent="0" lvl="0" marL="0" rtl="0" algn="l">
+            <a:pPr marL="0" lvl="0" indent="0" algn="l" rtl="0">
               <a:spcBef>
                 <a:spcPts val="0"/>
               </a:spcBef>
@@ -6862,9 +7047,6 @@
               </a:spcAft>
               <a:buNone/>
             </a:pPr>
-            <a:r>
-              <a:t/>
-            </a:r>
             <a:endParaRPr/>
           </a:p>
         </p:txBody>
@@ -6872,9 +7054,11 @@
       <p:sp>
         <p:nvSpPr>
           <p:cNvPr id="52" name="Google Shape;52;p10"/>
-          <p:cNvSpPr txBox="1"/>
+          <p:cNvSpPr txBox="1">
+            <a:spLocks noGrp="1"/>
+          </p:cNvSpPr>
           <p:nvPr>
-            <p:ph idx="1" type="body"/>
+            <p:ph type="body" idx="1"/>
           </p:nvPr>
         </p:nvSpPr>
         <p:spPr>
@@ -6887,11 +7071,11 @@
           </a:prstGeom>
         </p:spPr>
         <p:txBody>
-          <a:bodyPr anchorCtr="0" anchor="ctr" bIns="121900" lIns="121900" spcFirstLastPara="1" rIns="121900" wrap="square" tIns="121900">
+          <a:bodyPr spcFirstLastPara="1" wrap="square" lIns="121900" tIns="121900" rIns="121900" bIns="121900" anchor="ctr" anchorCtr="0">
             <a:normAutofit/>
           </a:bodyPr>
           <a:lstStyle>
-            <a:lvl1pPr indent="-228600" lvl="0" marL="457200">
+            <a:lvl1pPr marL="457200" lvl="0" indent="-228600">
               <a:lnSpc>
                 <a:spcPct val="100000"/>
               </a:lnSpc>
@@ -6918,15 +7102,19 @@
               </a:defRPr>
             </a:lvl1pPr>
           </a:lstStyle>
-          <a:p/>
+          <a:p>
+            <a:endParaRPr/>
+          </a:p>
         </p:txBody>
       </p:sp>
       <p:sp>
         <p:nvSpPr>
           <p:cNvPr id="53" name="Google Shape;53;p10"/>
-          <p:cNvSpPr txBox="1"/>
+          <p:cNvSpPr txBox="1">
+            <a:spLocks noGrp="1"/>
+          </p:cNvSpPr>
           <p:nvPr>
-            <p:ph idx="12" type="sldNum"/>
+            <p:ph type="sldNum" idx="12"/>
           </p:nvPr>
         </p:nvSpPr>
         <p:spPr>
@@ -6939,7 +7127,7 @@
           </a:prstGeom>
         </p:spPr>
         <p:txBody>
-          <a:bodyPr anchorCtr="0" anchor="ctr" bIns="121900" lIns="121900" spcFirstLastPara="1" rIns="121900" wrap="square" tIns="121900">
+          <a:bodyPr spcFirstLastPara="1" wrap="square" lIns="121900" tIns="121900" rIns="121900" bIns="121900" anchor="ctr" anchorCtr="0">
             <a:normAutofit/>
           </a:bodyPr>
           <a:lstStyle>
@@ -7017,7 +7205,7 @@
             </a:lvl9pPr>
           </a:lstStyle>
           <a:p>
-            <a:pPr indent="0" lvl="0" marL="0" rtl="0" algn="r">
+            <a:pPr marL="0" lvl="0" indent="0" algn="r" rtl="0">
               <a:spcBef>
                 <a:spcPts val="0"/>
               </a:spcBef>
@@ -7043,18 +7231,19 @@
 </file>
 
 <file path=ppt/slideMasters/slideMaster1.xml><?xml version="1.0" encoding="utf-8"?>
-<p:sldMaster xmlns:a="http://schemas.openxmlformats.org/drawingml/2006/main" xmlns:r="http://schemas.openxmlformats.org/officeDocument/2006/relationships" xmlns:mc="http://schemas.openxmlformats.org/markup-compatibility/2006" xmlns:mv="urn:schemas-microsoft-com:mac:vml" xmlns:p="http://schemas.openxmlformats.org/presentationml/2006/main" xmlns:c="http://schemas.openxmlformats.org/drawingml/2006/chart" xmlns:dgm="http://schemas.openxmlformats.org/drawingml/2006/diagram" xmlns:o="urn:schemas-microsoft-com:office:office" xmlns:v="urn:schemas-microsoft-com:vml" xmlns:pvml="urn:schemas-microsoft-com:office:powerpoint" xmlns:com="http://schemas.openxmlformats.org/drawingml/2006/compatibility" xmlns:p14="http://schemas.microsoft.com/office/powerpoint/2010/main" xmlns:p15="http://schemas.microsoft.com/office/powerpoint/2012/main" xmlns:ahyp="http://schemas.microsoft.com/office/drawing/2018/hyperlinkcolor">
+<p:sldMaster xmlns:a="http://schemas.openxmlformats.org/drawingml/2006/main" xmlns:r="http://schemas.openxmlformats.org/officeDocument/2006/relationships" xmlns:p="http://schemas.openxmlformats.org/presentationml/2006/main">
   <p:cSld name="paradigm">
     <p:bg>
       <p:bgPr>
         <a:solidFill>
           <a:schemeClr val="lt1"/>
         </a:solidFill>
+        <a:effectLst/>
       </p:bgPr>
     </p:bg>
     <p:spTree>
       <p:nvGrpSpPr>
-        <p:cNvPr id="5" name="Shape 5"/>
+        <p:cNvPr id="1" name="Shape 5"/>
         <p:cNvGrpSpPr/>
         <p:nvPr/>
       </p:nvGrpSpPr>
@@ -7069,7 +7258,9 @@
       <p:sp>
         <p:nvSpPr>
           <p:cNvPr id="6" name="Google Shape;6;p1"/>
-          <p:cNvSpPr txBox="1"/>
+          <p:cNvSpPr txBox="1">
+            <a:spLocks noGrp="1"/>
+          </p:cNvSpPr>
           <p:nvPr>
             <p:ph type="title"/>
           </p:nvPr>
@@ -7088,7 +7279,7 @@
           </a:ln>
         </p:spPr>
         <p:txBody>
-          <a:bodyPr anchorCtr="0" anchor="t" bIns="121900" lIns="121900" spcFirstLastPara="1" rIns="121900" wrap="square" tIns="121900">
+          <a:bodyPr spcFirstLastPara="1" wrap="square" lIns="121900" tIns="121900" rIns="121900" bIns="121900" anchor="t" anchorCtr="0">
             <a:normAutofit/>
           </a:bodyPr>
           <a:lstStyle>
@@ -7300,15 +7491,19 @@
               </a:defRPr>
             </a:lvl9pPr>
           </a:lstStyle>
-          <a:p/>
+          <a:p>
+            <a:endParaRPr/>
+          </a:p>
         </p:txBody>
       </p:sp>
       <p:sp>
         <p:nvSpPr>
           <p:cNvPr id="7" name="Google Shape;7;p1"/>
-          <p:cNvSpPr txBox="1"/>
+          <p:cNvSpPr txBox="1">
+            <a:spLocks noGrp="1"/>
+          </p:cNvSpPr>
           <p:nvPr>
-            <p:ph idx="1" type="body"/>
+            <p:ph type="body" idx="1"/>
           </p:nvPr>
         </p:nvSpPr>
         <p:spPr>
@@ -7325,11 +7520,11 @@
           </a:ln>
         </p:spPr>
         <p:txBody>
-          <a:bodyPr anchorCtr="0" anchor="t" bIns="121900" lIns="121900" spcFirstLastPara="1" rIns="121900" wrap="square" tIns="121900">
+          <a:bodyPr spcFirstLastPara="1" wrap="square" lIns="121900" tIns="121900" rIns="121900" bIns="121900" anchor="t" anchorCtr="0">
             <a:normAutofit/>
           </a:bodyPr>
           <a:lstStyle>
-            <a:lvl1pPr indent="-336550" lvl="0" marL="457200">
+            <a:lvl1pPr marL="457200" lvl="0" indent="-336550">
               <a:lnSpc>
                 <a:spcPct val="115000"/>
               </a:lnSpc>
@@ -7355,7 +7550,7 @@
                 <a:sym typeface="Roboto"/>
               </a:defRPr>
             </a:lvl1pPr>
-            <a:lvl2pPr indent="-323850" lvl="1" marL="914400">
+            <a:lvl2pPr marL="914400" lvl="1" indent="-323850">
               <a:lnSpc>
                 <a:spcPct val="115000"/>
               </a:lnSpc>
@@ -7381,7 +7576,7 @@
                 <a:sym typeface="Roboto"/>
               </a:defRPr>
             </a:lvl2pPr>
-            <a:lvl3pPr indent="-323850" lvl="2" marL="1371600">
+            <a:lvl3pPr marL="1371600" lvl="2" indent="-323850">
               <a:lnSpc>
                 <a:spcPct val="115000"/>
               </a:lnSpc>
@@ -7407,7 +7602,7 @@
                 <a:sym typeface="Roboto"/>
               </a:defRPr>
             </a:lvl3pPr>
-            <a:lvl4pPr indent="-323850" lvl="3" marL="1828800">
+            <a:lvl4pPr marL="1828800" lvl="3" indent="-323850">
               <a:lnSpc>
                 <a:spcPct val="115000"/>
               </a:lnSpc>
@@ -7433,7 +7628,7 @@
                 <a:sym typeface="Roboto"/>
               </a:defRPr>
             </a:lvl4pPr>
-            <a:lvl5pPr indent="-323850" lvl="4" marL="2286000">
+            <a:lvl5pPr marL="2286000" lvl="4" indent="-323850">
               <a:lnSpc>
                 <a:spcPct val="115000"/>
               </a:lnSpc>
@@ -7459,7 +7654,7 @@
                 <a:sym typeface="Roboto"/>
               </a:defRPr>
             </a:lvl5pPr>
-            <a:lvl6pPr indent="-323850" lvl="5" marL="2743200">
+            <a:lvl6pPr marL="2743200" lvl="5" indent="-323850">
               <a:lnSpc>
                 <a:spcPct val="115000"/>
               </a:lnSpc>
@@ -7485,7 +7680,7 @@
                 <a:sym typeface="Roboto"/>
               </a:defRPr>
             </a:lvl6pPr>
-            <a:lvl7pPr indent="-323850" lvl="6" marL="3200400">
+            <a:lvl7pPr marL="3200400" lvl="6" indent="-323850">
               <a:lnSpc>
                 <a:spcPct val="115000"/>
               </a:lnSpc>
@@ -7511,7 +7706,7 @@
                 <a:sym typeface="Roboto"/>
               </a:defRPr>
             </a:lvl7pPr>
-            <a:lvl8pPr indent="-323850" lvl="7" marL="3657600">
+            <a:lvl8pPr marL="3657600" lvl="7" indent="-323850">
               <a:lnSpc>
                 <a:spcPct val="115000"/>
               </a:lnSpc>
@@ -7537,7 +7732,7 @@
                 <a:sym typeface="Roboto"/>
               </a:defRPr>
             </a:lvl8pPr>
-            <a:lvl9pPr indent="-323850" lvl="8" marL="4114800">
+            <a:lvl9pPr marL="4114800" lvl="8" indent="-323850">
               <a:lnSpc>
                 <a:spcPct val="115000"/>
               </a:lnSpc>
@@ -7564,15 +7759,19 @@
               </a:defRPr>
             </a:lvl9pPr>
           </a:lstStyle>
-          <a:p/>
+          <a:p>
+            <a:endParaRPr/>
+          </a:p>
         </p:txBody>
       </p:sp>
       <p:sp>
         <p:nvSpPr>
           <p:cNvPr id="8" name="Google Shape;8;p1"/>
-          <p:cNvSpPr txBox="1"/>
+          <p:cNvSpPr txBox="1">
+            <a:spLocks noGrp="1"/>
+          </p:cNvSpPr>
           <p:nvPr>
-            <p:ph idx="12" type="sldNum"/>
+            <p:ph type="sldNum" idx="12"/>
           </p:nvPr>
         </p:nvSpPr>
         <p:spPr>
@@ -7589,7 +7788,7 @@
           </a:ln>
         </p:spPr>
         <p:txBody>
-          <a:bodyPr anchorCtr="0" anchor="ctr" bIns="121900" lIns="121900" spcFirstLastPara="1" rIns="121900" wrap="square" tIns="121900">
+          <a:bodyPr spcFirstLastPara="1" wrap="square" lIns="121900" tIns="121900" rIns="121900" bIns="121900" anchor="ctr" anchorCtr="0">
             <a:normAutofit/>
           </a:bodyPr>
           <a:lstStyle>
@@ -7703,7 +7902,7 @@
             </a:lvl9pPr>
           </a:lstStyle>
           <a:p>
-            <a:pPr indent="0" lvl="0" marL="0" rtl="0" algn="r">
+            <a:pPr marL="0" lvl="0" indent="0" algn="r" rtl="0">
               <a:spcBef>
                 <a:spcPts val="0"/>
               </a:spcBef>
@@ -7722,7 +7921,7 @@
       </p:sp>
     </p:spTree>
   </p:cSld>
-  <p:clrMap accent1="accent1" accent2="accent2" accent3="accent3" accent4="accent4" accent5="accent5" accent6="accent6" bg1="lt1" bg2="dk2" tx1="dk1" tx2="lt2" folHlink="folHlink" hlink="hlink"/>
+  <p:clrMap bg1="lt1" tx1="dk1" bg2="dk2" tx2="lt2" accent1="accent1" accent2="accent2" accent3="accent3" accent4="accent4" accent5="accent5" accent6="accent6" hlink="hlink" folHlink="folHlink"/>
   <p:sldLayoutIdLst>
     <p:sldLayoutId id="2147483648" r:id="rId1"/>
     <p:sldLayoutId id="2147483649" r:id="rId2"/>
@@ -7737,22 +7936,22 @@
     <p:sldLayoutId id="2147483658" r:id="rId11"/>
     <p:sldLayoutId id="2147483659" r:id="rId12"/>
   </p:sldLayoutIdLst>
-  <mc:AlternateContent>
+  <mc:AlternateContent xmlns:mc="http://schemas.openxmlformats.org/markup-compatibility/2006" xmlns:p14="http://schemas.microsoft.com/office/powerpoint/2010/main">
     <mc:Choice Requires="p14">
       <p:transition spd="slow" p14:dur="1500">
         <p:fade thruBlk="1"/>
       </p:transition>
     </mc:Choice>
-    <mc:Fallback>
+    <mc:Fallback xmlns:ahyp="http://schemas.microsoft.com/office/drawing/2018/hyperlinkcolor" xmlns:p15="http://schemas.microsoft.com/office/powerpoint/2012/main" xmlns:com="http://schemas.openxmlformats.org/drawingml/2006/compatibility" xmlns:pvml="urn:schemas-microsoft-com:office:powerpoint" xmlns:v="urn:schemas-microsoft-com:vml" xmlns:o="urn:schemas-microsoft-com:office:office" xmlns:dgm="http://schemas.openxmlformats.org/drawingml/2006/diagram" xmlns:c="http://schemas.openxmlformats.org/drawingml/2006/chart" xmlns:mv="urn:schemas-microsoft-com:mac:vml" xmlns="">
       <p:transition spd="slow">
         <p:fade/>
       </p:transition>
     </mc:Fallback>
   </mc:AlternateContent>
-  <p:hf dt="0" ftr="0" hdr="0" sldNum="0"/>
+  <p:hf sldNum="0" hdr="0" ftr="0" dt="0"/>
   <p:txStyles>
     <p:titleStyle>
-      <a:defPPr lvl="0" marR="0" rtl="0" algn="l">
+      <a:defPPr marR="0" lvl="0" algn="l" rtl="0">
         <a:lnSpc>
           <a:spcPct val="100000"/>
         </a:lnSpc>
@@ -7763,7 +7962,7 @@
           <a:spcPts val="0"/>
         </a:spcAft>
       </a:defPPr>
-      <a:lvl1pPr lvl="0" marR="0" rtl="0" algn="l">
+      <a:lvl1pPr marR="0" lvl="0" algn="l" rtl="0">
         <a:lnSpc>
           <a:spcPct val="100000"/>
         </a:lnSpc>
@@ -7777,7 +7976,7 @@
           <a:srgbClr val="000000"/>
         </a:buClr>
         <a:buFont typeface="Arial"/>
-        <a:defRPr b="0" i="0" sz="1400" u="none" cap="none" strike="noStrike">
+        <a:defRPr sz="1400" b="0" i="0" u="none" strike="noStrike" cap="none">
           <a:solidFill>
             <a:srgbClr val="000000"/>
           </a:solidFill>
@@ -7787,7 +7986,7 @@
           <a:sym typeface="Arial"/>
         </a:defRPr>
       </a:lvl1pPr>
-      <a:lvl2pPr lvl="1" marR="0" rtl="0" algn="l">
+      <a:lvl2pPr marR="0" lvl="1" algn="l" rtl="0">
         <a:lnSpc>
           <a:spcPct val="100000"/>
         </a:lnSpc>
@@ -7801,7 +8000,7 @@
           <a:srgbClr val="000000"/>
         </a:buClr>
         <a:buFont typeface="Arial"/>
-        <a:defRPr b="0" i="0" sz="1400" u="none" cap="none" strike="noStrike">
+        <a:defRPr sz="1400" b="0" i="0" u="none" strike="noStrike" cap="none">
           <a:solidFill>
             <a:srgbClr val="000000"/>
           </a:solidFill>
@@ -7811,7 +8010,7 @@
           <a:sym typeface="Arial"/>
         </a:defRPr>
       </a:lvl2pPr>
-      <a:lvl3pPr lvl="2" marR="0" rtl="0" algn="l">
+      <a:lvl3pPr marR="0" lvl="2" algn="l" rtl="0">
         <a:lnSpc>
           <a:spcPct val="100000"/>
         </a:lnSpc>
@@ -7825,7 +8024,7 @@
           <a:srgbClr val="000000"/>
         </a:buClr>
         <a:buFont typeface="Arial"/>
-        <a:defRPr b="0" i="0" sz="1400" u="none" cap="none" strike="noStrike">
+        <a:defRPr sz="1400" b="0" i="0" u="none" strike="noStrike" cap="none">
           <a:solidFill>
             <a:srgbClr val="000000"/>
           </a:solidFill>
@@ -7835,7 +8034,7 @@
           <a:sym typeface="Arial"/>
         </a:defRPr>
       </a:lvl3pPr>
-      <a:lvl4pPr lvl="3" marR="0" rtl="0" algn="l">
+      <a:lvl4pPr marR="0" lvl="3" algn="l" rtl="0">
         <a:lnSpc>
           <a:spcPct val="100000"/>
         </a:lnSpc>
@@ -7849,7 +8048,7 @@
           <a:srgbClr val="000000"/>
         </a:buClr>
         <a:buFont typeface="Arial"/>
-        <a:defRPr b="0" i="0" sz="1400" u="none" cap="none" strike="noStrike">
+        <a:defRPr sz="1400" b="0" i="0" u="none" strike="noStrike" cap="none">
           <a:solidFill>
             <a:srgbClr val="000000"/>
           </a:solidFill>
@@ -7859,7 +8058,7 @@
           <a:sym typeface="Arial"/>
         </a:defRPr>
       </a:lvl4pPr>
-      <a:lvl5pPr lvl="4" marR="0" rtl="0" algn="l">
+      <a:lvl5pPr marR="0" lvl="4" algn="l" rtl="0">
         <a:lnSpc>
           <a:spcPct val="100000"/>
         </a:lnSpc>
@@ -7873,7 +8072,7 @@
           <a:srgbClr val="000000"/>
         </a:buClr>
         <a:buFont typeface="Arial"/>
-        <a:defRPr b="0" i="0" sz="1400" u="none" cap="none" strike="noStrike">
+        <a:defRPr sz="1400" b="0" i="0" u="none" strike="noStrike" cap="none">
           <a:solidFill>
             <a:srgbClr val="000000"/>
           </a:solidFill>
@@ -7883,7 +8082,7 @@
           <a:sym typeface="Arial"/>
         </a:defRPr>
       </a:lvl5pPr>
-      <a:lvl6pPr lvl="5" marR="0" rtl="0" algn="l">
+      <a:lvl6pPr marR="0" lvl="5" algn="l" rtl="0">
         <a:lnSpc>
           <a:spcPct val="100000"/>
         </a:lnSpc>
@@ -7897,7 +8096,7 @@
           <a:srgbClr val="000000"/>
         </a:buClr>
         <a:buFont typeface="Arial"/>
-        <a:defRPr b="0" i="0" sz="1400" u="none" cap="none" strike="noStrike">
+        <a:defRPr sz="1400" b="0" i="0" u="none" strike="noStrike" cap="none">
           <a:solidFill>
             <a:srgbClr val="000000"/>
           </a:solidFill>
@@ -7907,7 +8106,7 @@
           <a:sym typeface="Arial"/>
         </a:defRPr>
       </a:lvl6pPr>
-      <a:lvl7pPr lvl="6" marR="0" rtl="0" algn="l">
+      <a:lvl7pPr marR="0" lvl="6" algn="l" rtl="0">
         <a:lnSpc>
           <a:spcPct val="100000"/>
         </a:lnSpc>
@@ -7921,7 +8120,7 @@
           <a:srgbClr val="000000"/>
         </a:buClr>
         <a:buFont typeface="Arial"/>
-        <a:defRPr b="0" i="0" sz="1400" u="none" cap="none" strike="noStrike">
+        <a:defRPr sz="1400" b="0" i="0" u="none" strike="noStrike" cap="none">
           <a:solidFill>
             <a:srgbClr val="000000"/>
           </a:solidFill>
@@ -7931,7 +8130,7 @@
           <a:sym typeface="Arial"/>
         </a:defRPr>
       </a:lvl7pPr>
-      <a:lvl8pPr lvl="7" marR="0" rtl="0" algn="l">
+      <a:lvl8pPr marR="0" lvl="7" algn="l" rtl="0">
         <a:lnSpc>
           <a:spcPct val="100000"/>
         </a:lnSpc>
@@ -7945,7 +8144,7 @@
           <a:srgbClr val="000000"/>
         </a:buClr>
         <a:buFont typeface="Arial"/>
-        <a:defRPr b="0" i="0" sz="1400" u="none" cap="none" strike="noStrike">
+        <a:defRPr sz="1400" b="0" i="0" u="none" strike="noStrike" cap="none">
           <a:solidFill>
             <a:srgbClr val="000000"/>
           </a:solidFill>
@@ -7955,7 +8154,7 @@
           <a:sym typeface="Arial"/>
         </a:defRPr>
       </a:lvl8pPr>
-      <a:lvl9pPr lvl="8" marR="0" rtl="0" algn="l">
+      <a:lvl9pPr marR="0" lvl="8" algn="l" rtl="0">
         <a:lnSpc>
           <a:spcPct val="100000"/>
         </a:lnSpc>
@@ -7969,7 +8168,7 @@
           <a:srgbClr val="000000"/>
         </a:buClr>
         <a:buFont typeface="Arial"/>
-        <a:defRPr b="0" i="0" sz="1400" u="none" cap="none" strike="noStrike">
+        <a:defRPr sz="1400" b="0" i="0" u="none" strike="noStrike" cap="none">
           <a:solidFill>
             <a:srgbClr val="000000"/>
           </a:solidFill>
@@ -7981,7 +8180,7 @@
       </a:lvl9pPr>
     </p:titleStyle>
     <p:bodyStyle>
-      <a:defPPr lvl="0" marR="0" rtl="0" algn="l">
+      <a:defPPr marR="0" lvl="0" algn="l" rtl="0">
         <a:lnSpc>
           <a:spcPct val="100000"/>
         </a:lnSpc>
@@ -7992,7 +8191,7 @@
           <a:spcPts val="0"/>
         </a:spcAft>
       </a:defPPr>
-      <a:lvl1pPr lvl="0" marR="0" rtl="0" algn="l">
+      <a:lvl1pPr marR="0" lvl="0" algn="l" rtl="0">
         <a:lnSpc>
           <a:spcPct val="100000"/>
         </a:lnSpc>
@@ -8006,7 +8205,7 @@
           <a:srgbClr val="000000"/>
         </a:buClr>
         <a:buFont typeface="Arial"/>
-        <a:defRPr b="0" i="0" sz="1400" u="none" cap="none" strike="noStrike">
+        <a:defRPr sz="1400" b="0" i="0" u="none" strike="noStrike" cap="none">
           <a:solidFill>
             <a:srgbClr val="000000"/>
           </a:solidFill>
@@ -8016,7 +8215,7 @@
           <a:sym typeface="Arial"/>
         </a:defRPr>
       </a:lvl1pPr>
-      <a:lvl2pPr lvl="1" marR="0" rtl="0" algn="l">
+      <a:lvl2pPr marR="0" lvl="1" algn="l" rtl="0">
         <a:lnSpc>
           <a:spcPct val="100000"/>
         </a:lnSpc>
@@ -8030,7 +8229,7 @@
           <a:srgbClr val="000000"/>
         </a:buClr>
         <a:buFont typeface="Arial"/>
-        <a:defRPr b="0" i="0" sz="1400" u="none" cap="none" strike="noStrike">
+        <a:defRPr sz="1400" b="0" i="0" u="none" strike="noStrike" cap="none">
           <a:solidFill>
             <a:srgbClr val="000000"/>
           </a:solidFill>
@@ -8040,7 +8239,7 @@
           <a:sym typeface="Arial"/>
         </a:defRPr>
       </a:lvl2pPr>
-      <a:lvl3pPr lvl="2" marR="0" rtl="0" algn="l">
+      <a:lvl3pPr marR="0" lvl="2" algn="l" rtl="0">
         <a:lnSpc>
           <a:spcPct val="100000"/>
         </a:lnSpc>
@@ -8054,7 +8253,7 @@
           <a:srgbClr val="000000"/>
         </a:buClr>
         <a:buFont typeface="Arial"/>
-        <a:defRPr b="0" i="0" sz="1400" u="none" cap="none" strike="noStrike">
+        <a:defRPr sz="1400" b="0" i="0" u="none" strike="noStrike" cap="none">
           <a:solidFill>
             <a:srgbClr val="000000"/>
           </a:solidFill>
@@ -8064,7 +8263,7 @@
           <a:sym typeface="Arial"/>
         </a:defRPr>
       </a:lvl3pPr>
-      <a:lvl4pPr lvl="3" marR="0" rtl="0" algn="l">
+      <a:lvl4pPr marR="0" lvl="3" algn="l" rtl="0">
         <a:lnSpc>
           <a:spcPct val="100000"/>
         </a:lnSpc>
@@ -8078,7 +8277,7 @@
           <a:srgbClr val="000000"/>
         </a:buClr>
         <a:buFont typeface="Arial"/>
-        <a:defRPr b="0" i="0" sz="1400" u="none" cap="none" strike="noStrike">
+        <a:defRPr sz="1400" b="0" i="0" u="none" strike="noStrike" cap="none">
           <a:solidFill>
             <a:srgbClr val="000000"/>
           </a:solidFill>
@@ -8088,7 +8287,7 @@
           <a:sym typeface="Arial"/>
         </a:defRPr>
       </a:lvl4pPr>
-      <a:lvl5pPr lvl="4" marR="0" rtl="0" algn="l">
+      <a:lvl5pPr marR="0" lvl="4" algn="l" rtl="0">
         <a:lnSpc>
           <a:spcPct val="100000"/>
         </a:lnSpc>
@@ -8102,7 +8301,7 @@
           <a:srgbClr val="000000"/>
         </a:buClr>
         <a:buFont typeface="Arial"/>
-        <a:defRPr b="0" i="0" sz="1400" u="none" cap="none" strike="noStrike">
+        <a:defRPr sz="1400" b="0" i="0" u="none" strike="noStrike" cap="none">
           <a:solidFill>
             <a:srgbClr val="000000"/>
           </a:solidFill>
@@ -8112,7 +8311,7 @@
           <a:sym typeface="Arial"/>
         </a:defRPr>
       </a:lvl5pPr>
-      <a:lvl6pPr lvl="5" marR="0" rtl="0" algn="l">
+      <a:lvl6pPr marR="0" lvl="5" algn="l" rtl="0">
         <a:lnSpc>
           <a:spcPct val="100000"/>
         </a:lnSpc>
@@ -8126,7 +8325,7 @@
           <a:srgbClr val="000000"/>
         </a:buClr>
         <a:buFont typeface="Arial"/>
-        <a:defRPr b="0" i="0" sz="1400" u="none" cap="none" strike="noStrike">
+        <a:defRPr sz="1400" b="0" i="0" u="none" strike="noStrike" cap="none">
           <a:solidFill>
             <a:srgbClr val="000000"/>
           </a:solidFill>
@@ -8136,7 +8335,7 @@
           <a:sym typeface="Arial"/>
         </a:defRPr>
       </a:lvl6pPr>
-      <a:lvl7pPr lvl="6" marR="0" rtl="0" algn="l">
+      <a:lvl7pPr marR="0" lvl="6" algn="l" rtl="0">
         <a:lnSpc>
           <a:spcPct val="100000"/>
         </a:lnSpc>
@@ -8150,7 +8349,7 @@
           <a:srgbClr val="000000"/>
         </a:buClr>
         <a:buFont typeface="Arial"/>
-        <a:defRPr b="0" i="0" sz="1400" u="none" cap="none" strike="noStrike">
+        <a:defRPr sz="1400" b="0" i="0" u="none" strike="noStrike" cap="none">
           <a:solidFill>
             <a:srgbClr val="000000"/>
           </a:solidFill>
@@ -8160,7 +8359,7 @@
           <a:sym typeface="Arial"/>
         </a:defRPr>
       </a:lvl7pPr>
-      <a:lvl8pPr lvl="7" marR="0" rtl="0" algn="l">
+      <a:lvl8pPr marR="0" lvl="7" algn="l" rtl="0">
         <a:lnSpc>
           <a:spcPct val="100000"/>
         </a:lnSpc>
@@ -8174,7 +8373,7 @@
           <a:srgbClr val="000000"/>
         </a:buClr>
         <a:buFont typeface="Arial"/>
-        <a:defRPr b="0" i="0" sz="1400" u="none" cap="none" strike="noStrike">
+        <a:defRPr sz="1400" b="0" i="0" u="none" strike="noStrike" cap="none">
           <a:solidFill>
             <a:srgbClr val="000000"/>
           </a:solidFill>
@@ -8184,7 +8383,7 @@
           <a:sym typeface="Arial"/>
         </a:defRPr>
       </a:lvl8pPr>
-      <a:lvl9pPr lvl="8" marR="0" rtl="0" algn="l">
+      <a:lvl9pPr marR="0" lvl="8" algn="l" rtl="0">
         <a:lnSpc>
           <a:spcPct val="100000"/>
         </a:lnSpc>
@@ -8198,7 +8397,7 @@
           <a:srgbClr val="000000"/>
         </a:buClr>
         <a:buFont typeface="Arial"/>
-        <a:defRPr b="0" i="0" sz="1400" u="none" cap="none" strike="noStrike">
+        <a:defRPr sz="1400" b="0" i="0" u="none" strike="noStrike" cap="none">
           <a:solidFill>
             <a:srgbClr val="000000"/>
           </a:solidFill>
@@ -8210,7 +8409,7 @@
       </a:lvl9pPr>
     </p:bodyStyle>
     <p:otherStyle>
-      <a:defPPr lvl="0" marR="0" rtl="0" algn="l">
+      <a:defPPr marR="0" lvl="0" algn="l" rtl="0">
         <a:lnSpc>
           <a:spcPct val="100000"/>
         </a:lnSpc>
@@ -8221,7 +8420,7 @@
           <a:spcPts val="0"/>
         </a:spcAft>
       </a:defPPr>
-      <a:lvl1pPr lvl="0" marR="0" rtl="0" algn="l">
+      <a:lvl1pPr marR="0" lvl="0" algn="l" rtl="0">
         <a:lnSpc>
           <a:spcPct val="100000"/>
         </a:lnSpc>
@@ -8235,7 +8434,7 @@
           <a:srgbClr val="000000"/>
         </a:buClr>
         <a:buFont typeface="Arial"/>
-        <a:defRPr b="0" i="0" sz="1400" u="none" cap="none" strike="noStrike">
+        <a:defRPr sz="1400" b="0" i="0" u="none" strike="noStrike" cap="none">
           <a:solidFill>
             <a:srgbClr val="000000"/>
           </a:solidFill>
@@ -8245,7 +8444,7 @@
           <a:sym typeface="Arial"/>
         </a:defRPr>
       </a:lvl1pPr>
-      <a:lvl2pPr lvl="1" marR="0" rtl="0" algn="l">
+      <a:lvl2pPr marR="0" lvl="1" algn="l" rtl="0">
         <a:lnSpc>
           <a:spcPct val="100000"/>
         </a:lnSpc>
@@ -8259,7 +8458,7 @@
           <a:srgbClr val="000000"/>
         </a:buClr>
         <a:buFont typeface="Arial"/>
-        <a:defRPr b="0" i="0" sz="1400" u="none" cap="none" strike="noStrike">
+        <a:defRPr sz="1400" b="0" i="0" u="none" strike="noStrike" cap="none">
           <a:solidFill>
             <a:srgbClr val="000000"/>
           </a:solidFill>
@@ -8269,7 +8468,7 @@
           <a:sym typeface="Arial"/>
         </a:defRPr>
       </a:lvl2pPr>
-      <a:lvl3pPr lvl="2" marR="0" rtl="0" algn="l">
+      <a:lvl3pPr marR="0" lvl="2" algn="l" rtl="0">
         <a:lnSpc>
           <a:spcPct val="100000"/>
         </a:lnSpc>
@@ -8283,7 +8482,7 @@
           <a:srgbClr val="000000"/>
         </a:buClr>
         <a:buFont typeface="Arial"/>
-        <a:defRPr b="0" i="0" sz="1400" u="none" cap="none" strike="noStrike">
+        <a:defRPr sz="1400" b="0" i="0" u="none" strike="noStrike" cap="none">
           <a:solidFill>
             <a:srgbClr val="000000"/>
           </a:solidFill>
@@ -8293,7 +8492,7 @@
           <a:sym typeface="Arial"/>
         </a:defRPr>
       </a:lvl3pPr>
-      <a:lvl4pPr lvl="3" marR="0" rtl="0" algn="l">
+      <a:lvl4pPr marR="0" lvl="3" algn="l" rtl="0">
         <a:lnSpc>
           <a:spcPct val="100000"/>
         </a:lnSpc>
@@ -8307,7 +8506,7 @@
           <a:srgbClr val="000000"/>
         </a:buClr>
         <a:buFont typeface="Arial"/>
-        <a:defRPr b="0" i="0" sz="1400" u="none" cap="none" strike="noStrike">
+        <a:defRPr sz="1400" b="0" i="0" u="none" strike="noStrike" cap="none">
           <a:solidFill>
             <a:srgbClr val="000000"/>
           </a:solidFill>
@@ -8317,7 +8516,7 @@
           <a:sym typeface="Arial"/>
         </a:defRPr>
       </a:lvl4pPr>
-      <a:lvl5pPr lvl="4" marR="0" rtl="0" algn="l">
+      <a:lvl5pPr marR="0" lvl="4" algn="l" rtl="0">
         <a:lnSpc>
           <a:spcPct val="100000"/>
         </a:lnSpc>
@@ -8331,7 +8530,7 @@
           <a:srgbClr val="000000"/>
         </a:buClr>
         <a:buFont typeface="Arial"/>
-        <a:defRPr b="0" i="0" sz="1400" u="none" cap="none" strike="noStrike">
+        <a:defRPr sz="1400" b="0" i="0" u="none" strike="noStrike" cap="none">
           <a:solidFill>
             <a:srgbClr val="000000"/>
           </a:solidFill>
@@ -8341,7 +8540,7 @@
           <a:sym typeface="Arial"/>
         </a:defRPr>
       </a:lvl5pPr>
-      <a:lvl6pPr lvl="5" marR="0" rtl="0" algn="l">
+      <a:lvl6pPr marR="0" lvl="5" algn="l" rtl="0">
         <a:lnSpc>
           <a:spcPct val="100000"/>
         </a:lnSpc>
@@ -8355,7 +8554,7 @@
           <a:srgbClr val="000000"/>
         </a:buClr>
         <a:buFont typeface="Arial"/>
-        <a:defRPr b="0" i="0" sz="1400" u="none" cap="none" strike="noStrike">
+        <a:defRPr sz="1400" b="0" i="0" u="none" strike="noStrike" cap="none">
           <a:solidFill>
             <a:srgbClr val="000000"/>
           </a:solidFill>
@@ -8365,7 +8564,7 @@
           <a:sym typeface="Arial"/>
         </a:defRPr>
       </a:lvl6pPr>
-      <a:lvl7pPr lvl="6" marR="0" rtl="0" algn="l">
+      <a:lvl7pPr marR="0" lvl="6" algn="l" rtl="0">
         <a:lnSpc>
           <a:spcPct val="100000"/>
         </a:lnSpc>
@@ -8379,7 +8578,7 @@
           <a:srgbClr val="000000"/>
         </a:buClr>
         <a:buFont typeface="Arial"/>
-        <a:defRPr b="0" i="0" sz="1400" u="none" cap="none" strike="noStrike">
+        <a:defRPr sz="1400" b="0" i="0" u="none" strike="noStrike" cap="none">
           <a:solidFill>
             <a:srgbClr val="000000"/>
           </a:solidFill>
@@ -8389,7 +8588,7 @@
           <a:sym typeface="Arial"/>
         </a:defRPr>
       </a:lvl7pPr>
-      <a:lvl8pPr lvl="7" marR="0" rtl="0" algn="l">
+      <a:lvl8pPr marR="0" lvl="7" algn="l" rtl="0">
         <a:lnSpc>
           <a:spcPct val="100000"/>
         </a:lnSpc>
@@ -8403,7 +8602,7 @@
           <a:srgbClr val="000000"/>
         </a:buClr>
         <a:buFont typeface="Arial"/>
-        <a:defRPr b="0" i="0" sz="1400" u="none" cap="none" strike="noStrike">
+        <a:defRPr sz="1400" b="0" i="0" u="none" strike="noStrike" cap="none">
           <a:solidFill>
             <a:srgbClr val="000000"/>
           </a:solidFill>
@@ -8413,7 +8612,7 @@
           <a:sym typeface="Arial"/>
         </a:defRPr>
       </a:lvl8pPr>
-      <a:lvl9pPr lvl="8" marR="0" rtl="0" algn="l">
+      <a:lvl9pPr marR="0" lvl="8" algn="l" rtl="0">
         <a:lnSpc>
           <a:spcPct val="100000"/>
         </a:lnSpc>
@@ -8427,7 +8626,7 @@
           <a:srgbClr val="000000"/>
         </a:buClr>
         <a:buFont typeface="Arial"/>
-        <a:defRPr b="0" i="0" sz="1400" u="none" cap="none" strike="noStrike">
+        <a:defRPr sz="1400" b="0" i="0" u="none" strike="noStrike" cap="none">
           <a:solidFill>
             <a:srgbClr val="000000"/>
           </a:solidFill>
@@ -8443,11 +8642,11 @@
 </file>
 
 <file path=ppt/slides/slide1.xml><?xml version="1.0" encoding="utf-8"?>
-<p:sld xmlns:a="http://schemas.openxmlformats.org/drawingml/2006/main" xmlns:r="http://schemas.openxmlformats.org/officeDocument/2006/relationships" xmlns:mc="http://schemas.openxmlformats.org/markup-compatibility/2006" xmlns:mv="urn:schemas-microsoft-com:mac:vml" xmlns:p="http://schemas.openxmlformats.org/presentationml/2006/main" xmlns:c="http://schemas.openxmlformats.org/drawingml/2006/chart" xmlns:dgm="http://schemas.openxmlformats.org/drawingml/2006/diagram" xmlns:o="urn:schemas-microsoft-com:office:office" xmlns:v="urn:schemas-microsoft-com:vml" xmlns:pvml="urn:schemas-microsoft-com:office:powerpoint" xmlns:com="http://schemas.openxmlformats.org/drawingml/2006/compatibility" xmlns:p14="http://schemas.microsoft.com/office/powerpoint/2010/main" xmlns:p15="http://schemas.microsoft.com/office/powerpoint/2012/main" xmlns:ahyp="http://schemas.microsoft.com/office/drawing/2018/hyperlinkcolor">
+<p:sld xmlns:a="http://schemas.openxmlformats.org/drawingml/2006/main" xmlns:r="http://schemas.openxmlformats.org/officeDocument/2006/relationships" xmlns:p="http://schemas.openxmlformats.org/presentationml/2006/main">
   <p:cSld>
     <p:spTree>
       <p:nvGrpSpPr>
-        <p:cNvPr id="69" name="Shape 69"/>
+        <p:cNvPr id="1" name="Shape 69"/>
         <p:cNvGrpSpPr/>
         <p:nvPr/>
       </p:nvGrpSpPr>
@@ -8462,7 +8661,9 @@
       <p:sp>
         <p:nvSpPr>
           <p:cNvPr id="70" name="Google Shape;70;p14"/>
-          <p:cNvSpPr txBox="1"/>
+          <p:cNvSpPr txBox="1">
+            <a:spLocks noGrp="1"/>
+          </p:cNvSpPr>
           <p:nvPr>
             <p:ph type="ctrTitle"/>
           </p:nvPr>
@@ -8481,12 +8682,12 @@
           </a:ln>
         </p:spPr>
         <p:txBody>
-          <a:bodyPr anchorCtr="0" anchor="b" bIns="45700" lIns="91425" spcFirstLastPara="1" rIns="91425" wrap="square" tIns="45700">
+          <a:bodyPr spcFirstLastPara="1" wrap="square" lIns="91425" tIns="45700" rIns="91425" bIns="45700" anchor="b" anchorCtr="0">
             <a:normAutofit/>
           </a:bodyPr>
           <a:lstStyle/>
           <a:p>
-            <a:pPr indent="0" lvl="0" marL="0" rtl="0" algn="ctr">
+            <a:pPr marL="0" lvl="0" indent="0" algn="ctr" rtl="0">
               <a:lnSpc>
                 <a:spcPct val="90000"/>
               </a:lnSpc>
@@ -8604,11 +8805,11 @@
 </file>
 
 <file path=ppt/slides/slide10.xml><?xml version="1.0" encoding="utf-8"?>
-<p:sld xmlns:a="http://schemas.openxmlformats.org/drawingml/2006/main" xmlns:r="http://schemas.openxmlformats.org/officeDocument/2006/relationships" xmlns:mc="http://schemas.openxmlformats.org/markup-compatibility/2006" xmlns:mv="urn:schemas-microsoft-com:mac:vml" xmlns:p="http://schemas.openxmlformats.org/presentationml/2006/main" xmlns:c="http://schemas.openxmlformats.org/drawingml/2006/chart" xmlns:dgm="http://schemas.openxmlformats.org/drawingml/2006/diagram" xmlns:o="urn:schemas-microsoft-com:office:office" xmlns:v="urn:schemas-microsoft-com:vml" xmlns:pvml="urn:schemas-microsoft-com:office:powerpoint" xmlns:com="http://schemas.openxmlformats.org/drawingml/2006/compatibility" xmlns:p14="http://schemas.microsoft.com/office/powerpoint/2010/main" xmlns:p15="http://schemas.microsoft.com/office/powerpoint/2012/main" xmlns:ahyp="http://schemas.microsoft.com/office/drawing/2018/hyperlinkcolor">
+<p:sld xmlns:a="http://schemas.openxmlformats.org/drawingml/2006/main" xmlns:r="http://schemas.openxmlformats.org/officeDocument/2006/relationships" xmlns:p="http://schemas.openxmlformats.org/presentationml/2006/main">
   <p:cSld>
     <p:spTree>
       <p:nvGrpSpPr>
-        <p:cNvPr id="132" name="Shape 132"/>
+        <p:cNvPr id="1" name="Shape 132"/>
         <p:cNvGrpSpPr/>
         <p:nvPr/>
       </p:nvGrpSpPr>
@@ -8623,7 +8824,9 @@
       <p:sp>
         <p:nvSpPr>
           <p:cNvPr id="133" name="Google Shape;133;p23"/>
-          <p:cNvSpPr txBox="1"/>
+          <p:cNvSpPr txBox="1">
+            <a:spLocks noGrp="1"/>
+          </p:cNvSpPr>
           <p:nvPr>
             <p:ph type="title"/>
           </p:nvPr>
@@ -8638,12 +8841,12 @@
           </a:prstGeom>
         </p:spPr>
         <p:txBody>
-          <a:bodyPr anchorCtr="0" anchor="ctr" bIns="45700" lIns="91425" spcFirstLastPara="1" rIns="91425" wrap="square" tIns="45700">
+          <a:bodyPr spcFirstLastPara="1" wrap="square" lIns="91425" tIns="45700" rIns="91425" bIns="45700" anchor="ctr" anchorCtr="0">
             <a:normAutofit/>
           </a:bodyPr>
           <a:lstStyle/>
           <a:p>
-            <a:pPr indent="0" lvl="0" marL="0" rtl="0" algn="ctr">
+            <a:pPr marL="0" lvl="0" indent="0" algn="ctr" rtl="0">
               <a:spcBef>
                 <a:spcPts val="0"/>
               </a:spcBef>
@@ -8669,11 +8872,11 @@
 </file>
 
 <file path=ppt/slides/slide2.xml><?xml version="1.0" encoding="utf-8"?>
-<p:sld xmlns:a="http://schemas.openxmlformats.org/drawingml/2006/main" xmlns:r="http://schemas.openxmlformats.org/officeDocument/2006/relationships" xmlns:mc="http://schemas.openxmlformats.org/markup-compatibility/2006" xmlns:mv="urn:schemas-microsoft-com:mac:vml" xmlns:p="http://schemas.openxmlformats.org/presentationml/2006/main" xmlns:c="http://schemas.openxmlformats.org/drawingml/2006/chart" xmlns:dgm="http://schemas.openxmlformats.org/drawingml/2006/diagram" xmlns:o="urn:schemas-microsoft-com:office:office" xmlns:v="urn:schemas-microsoft-com:vml" xmlns:pvml="urn:schemas-microsoft-com:office:powerpoint" xmlns:com="http://schemas.openxmlformats.org/drawingml/2006/compatibility" xmlns:p14="http://schemas.microsoft.com/office/powerpoint/2010/main" xmlns:p15="http://schemas.microsoft.com/office/powerpoint/2012/main" xmlns:ahyp="http://schemas.microsoft.com/office/drawing/2018/hyperlinkcolor">
+<p:sld xmlns:a="http://schemas.openxmlformats.org/drawingml/2006/main" xmlns:r="http://schemas.openxmlformats.org/officeDocument/2006/relationships" xmlns:p="http://schemas.openxmlformats.org/presentationml/2006/main">
   <p:cSld>
     <p:spTree>
       <p:nvGrpSpPr>
-        <p:cNvPr id="77" name="Shape 77"/>
+        <p:cNvPr id="1" name="Shape 77"/>
         <p:cNvGrpSpPr/>
         <p:nvPr/>
       </p:nvGrpSpPr>
@@ -8688,7 +8891,9 @@
       <p:sp>
         <p:nvSpPr>
           <p:cNvPr id="78" name="Google Shape;78;p15"/>
-          <p:cNvSpPr txBox="1"/>
+          <p:cNvSpPr txBox="1">
+            <a:spLocks noGrp="1"/>
+          </p:cNvSpPr>
           <p:nvPr>
             <p:ph type="title"/>
           </p:nvPr>
@@ -8707,12 +8912,12 @@
           </a:ln>
         </p:spPr>
         <p:txBody>
-          <a:bodyPr anchorCtr="0" anchor="ctr" bIns="45700" lIns="91425" spcFirstLastPara="1" rIns="91425" wrap="square" tIns="45700">
+          <a:bodyPr spcFirstLastPara="1" wrap="square" lIns="91425" tIns="45700" rIns="91425" bIns="45700" anchor="ctr" anchorCtr="0">
             <a:normAutofit/>
           </a:bodyPr>
           <a:lstStyle/>
           <a:p>
-            <a:pPr indent="0" lvl="0" marL="0" rtl="0" algn="l">
+            <a:pPr marL="0" lvl="0" indent="0" algn="l" rtl="0">
               <a:lnSpc>
                 <a:spcPct val="90000"/>
               </a:lnSpc>
@@ -8740,9 +8945,11 @@
       <p:sp>
         <p:nvSpPr>
           <p:cNvPr id="79" name="Google Shape;79;p15"/>
-          <p:cNvSpPr txBox="1"/>
+          <p:cNvSpPr txBox="1">
+            <a:spLocks noGrp="1"/>
+          </p:cNvSpPr>
           <p:nvPr>
-            <p:ph idx="1" type="body"/>
+            <p:ph type="body" idx="1"/>
           </p:nvPr>
         </p:nvSpPr>
         <p:spPr>
@@ -8759,12 +8966,12 @@
           </a:ln>
         </p:spPr>
         <p:txBody>
-          <a:bodyPr anchorCtr="0" anchor="t" bIns="45700" lIns="91425" spcFirstLastPara="1" rIns="91425" wrap="square" tIns="45700">
+          <a:bodyPr spcFirstLastPara="1" wrap="square" lIns="91425" tIns="45700" rIns="91425" bIns="45700" anchor="t" anchorCtr="0">
             <a:normAutofit/>
           </a:bodyPr>
           <a:lstStyle/>
           <a:p>
-            <a:pPr indent="0" lvl="0" marL="0" rtl="0" algn="l">
+            <a:pPr marL="0" lvl="0" indent="0" algn="l" rtl="0">
               <a:lnSpc>
                 <a:spcPct val="90000"/>
               </a:lnSpc>
@@ -8777,7 +8984,7 @@
               <a:buNone/>
             </a:pPr>
             <a:r>
-              <a:rPr lang="hu-HU" sz="3200">
+              <a:rPr lang="hu-HU" sz="3200" dirty="0">
                 <a:solidFill>
                   <a:srgbClr val="000000"/>
                 </a:solidFill>
@@ -8785,10 +8992,15 @@
                   <a:schemeClr val="lt1"/>
                 </a:highlight>
               </a:rPr>
-              <a:t>Alap</a:t>
+              <a:t>Alap modell</a:t>
             </a:r>
+          </a:p>
+          <a:p>
+            <a:pPr marL="0" indent="0">
+              <a:buNone/>
+            </a:pPr>
             <a:r>
-              <a:rPr lang="hu-HU" sz="3200">
+              <a:rPr lang="hu-HU" sz="3200" dirty="0">
                 <a:solidFill>
                   <a:srgbClr val="000000"/>
                 </a:solidFill>
@@ -8796,9 +9008,9 @@
                   <a:schemeClr val="lt1"/>
                 </a:highlight>
               </a:rPr>
-              <a:t> modell</a:t>
+              <a:t>Tanítóhalmazok és adatfeldolgozás</a:t>
             </a:r>
-            <a:endParaRPr sz="3200">
+            <a:endParaRPr sz="3200" dirty="0">
               <a:solidFill>
                 <a:srgbClr val="000000"/>
               </a:solidFill>
@@ -8808,7 +9020,7 @@
             </a:endParaRPr>
           </a:p>
           <a:p>
-            <a:pPr indent="0" lvl="0" marL="0" rtl="0" algn="l">
+            <a:pPr marL="0" lvl="0" indent="0" algn="l" rtl="0">
               <a:lnSpc>
                 <a:spcPct val="90000"/>
               </a:lnSpc>
@@ -8821,7 +9033,7 @@
               <a:buNone/>
             </a:pPr>
             <a:r>
-              <a:rPr lang="hu-HU" sz="3200">
+              <a:rPr lang="hu-HU" sz="3200" dirty="0">
                 <a:solidFill>
                   <a:srgbClr val="000000"/>
                 </a:solidFill>
@@ -8831,7 +9043,7 @@
               </a:rPr>
               <a:t>Háló optimalizálása</a:t>
             </a:r>
-            <a:endParaRPr sz="3200">
+            <a:endParaRPr sz="3200" dirty="0">
               <a:solidFill>
                 <a:srgbClr val="000000"/>
               </a:solidFill>
@@ -8841,9 +9053,12 @@
             </a:endParaRPr>
           </a:p>
           <a:p>
-            <a:pPr indent="0" lvl="0" marL="0" rtl="0" algn="l">
-              <a:spcBef>
-                <a:spcPts val="1000"/>
+            <a:pPr marL="0" lvl="0" indent="0" algn="l" rtl="0">
+              <a:lnSpc>
+                <a:spcPct val="90000"/>
+              </a:lnSpc>
+              <a:spcBef>
+                <a:spcPts val="1600"/>
               </a:spcBef>
               <a:spcAft>
                 <a:spcPts val="0"/>
@@ -8851,7 +9066,7 @@
               <a:buNone/>
             </a:pPr>
             <a:r>
-              <a:rPr lang="hu-HU" sz="3200">
+              <a:rPr lang="hu-HU" sz="3200" dirty="0">
                 <a:solidFill>
                   <a:srgbClr val="000000"/>
                 </a:solidFill>
@@ -8859,9 +9074,9 @@
                   <a:schemeClr val="lt1"/>
                 </a:highlight>
               </a:rPr>
-              <a:t>Tanítóhalmazok és adatfeldolgozás</a:t>
+              <a:t>Kiértékelés és háló választása</a:t>
             </a:r>
-            <a:endParaRPr sz="3200">
+            <a:endParaRPr sz="3200" dirty="0">
               <a:solidFill>
                 <a:srgbClr val="000000"/>
               </a:solidFill>
@@ -8871,12 +9086,12 @@
             </a:endParaRPr>
           </a:p>
           <a:p>
-            <a:pPr indent="0" lvl="0" marL="0" rtl="0" algn="l">
+            <a:pPr marL="0" lvl="0" indent="0" algn="l" rtl="0">
               <a:lnSpc>
                 <a:spcPct val="90000"/>
               </a:lnSpc>
               <a:spcBef>
-                <a:spcPts val="1600"/>
+                <a:spcPts val="1000"/>
               </a:spcBef>
               <a:spcAft>
                 <a:spcPts val="0"/>
@@ -8884,7 +9099,7 @@
               <a:buNone/>
             </a:pPr>
             <a:r>
-              <a:rPr lang="hu-HU" sz="3200">
+              <a:rPr lang="hu-HU" sz="3200" dirty="0">
                 <a:solidFill>
                   <a:srgbClr val="000000"/>
                 </a:solidFill>
@@ -8892,9 +9107,31 @@
                   <a:schemeClr val="lt1"/>
                 </a:highlight>
               </a:rPr>
-              <a:t>Kiértékelés és háló választása</a:t>
+              <a:t>Jelenlegi környezet és </a:t>
             </a:r>
-            <a:endParaRPr sz="3200">
+            <a:r>
+              <a:rPr lang="hu-HU" sz="3200" dirty="0" err="1">
+                <a:solidFill>
+                  <a:srgbClr val="000000"/>
+                </a:solidFill>
+                <a:highlight>
+                  <a:schemeClr val="lt1"/>
+                </a:highlight>
+              </a:rPr>
+              <a:t>pipeline</a:t>
+            </a:r>
+            <a:r>
+              <a:rPr lang="hu-HU" sz="3200" dirty="0">
+                <a:solidFill>
+                  <a:srgbClr val="000000"/>
+                </a:solidFill>
+                <a:highlight>
+                  <a:schemeClr val="lt1"/>
+                </a:highlight>
+              </a:rPr>
+              <a:t>(demó)</a:t>
+            </a:r>
+            <a:endParaRPr sz="3200" dirty="0">
               <a:solidFill>
                 <a:srgbClr val="000000"/>
               </a:solidFill>
@@ -8904,10 +9141,7 @@
             </a:endParaRPr>
           </a:p>
           <a:p>
-            <a:pPr indent="0" lvl="0" marL="0" rtl="0" algn="l">
-              <a:lnSpc>
-                <a:spcPct val="90000"/>
-              </a:lnSpc>
+            <a:pPr marL="0" lvl="0" indent="0" algn="l" rtl="0">
               <a:spcBef>
                 <a:spcPts val="1000"/>
               </a:spcBef>
@@ -8917,7 +9151,7 @@
               <a:buNone/>
             </a:pPr>
             <a:r>
-              <a:rPr lang="hu-HU" sz="3200">
+              <a:rPr lang="hu-HU" sz="3200" dirty="0">
                 <a:solidFill>
                   <a:srgbClr val="000000"/>
                 </a:solidFill>
@@ -8925,9 +9159,9 @@
                   <a:schemeClr val="lt1"/>
                 </a:highlight>
               </a:rPr>
-              <a:t>Jelenlegi környezet és pipeline(demó)</a:t>
+              <a:t>Összefoglalás</a:t>
             </a:r>
-            <a:endParaRPr sz="3200">
+            <a:endParaRPr sz="3200" dirty="0">
               <a:solidFill>
                 <a:srgbClr val="000000"/>
               </a:solidFill>
@@ -8937,37 +9171,7 @@
             </a:endParaRPr>
           </a:p>
           <a:p>
-            <a:pPr indent="0" lvl="0" marL="0" rtl="0" algn="l">
-              <a:spcBef>
-                <a:spcPts val="1000"/>
-              </a:spcBef>
-              <a:spcAft>
-                <a:spcPts val="0"/>
-              </a:spcAft>
-              <a:buNone/>
-            </a:pPr>
-            <a:r>
-              <a:rPr lang="hu-HU" sz="3200">
-                <a:solidFill>
-                  <a:srgbClr val="000000"/>
-                </a:solidFill>
-                <a:highlight>
-                  <a:schemeClr val="lt1"/>
-                </a:highlight>
-              </a:rPr>
-              <a:t>Összefoglalás</a:t>
-            </a:r>
-            <a:endParaRPr sz="3200">
-              <a:solidFill>
-                <a:srgbClr val="000000"/>
-              </a:solidFill>
-              <a:highlight>
-                <a:schemeClr val="lt1"/>
-              </a:highlight>
-            </a:endParaRPr>
-          </a:p>
-          <a:p>
-            <a:pPr indent="-50800" lvl="0" marL="228600" rtl="0" algn="l">
+            <a:pPr marL="228600" lvl="0" indent="-50800" algn="l" rtl="0">
               <a:lnSpc>
                 <a:spcPct val="90000"/>
               </a:lnSpc>
@@ -8983,10 +9187,7 @@
               <a:buSzPts val="2800"/>
               <a:buNone/>
             </a:pPr>
-            <a:r>
-              <a:t/>
-            </a:r>
-            <a:endParaRPr/>
+            <a:endParaRPr dirty="0"/>
           </a:p>
         </p:txBody>
       </p:sp>
@@ -8999,11 +9200,11 @@
 </file>
 
 <file path=ppt/slides/slide3.xml><?xml version="1.0" encoding="utf-8"?>
-<p:sld xmlns:a="http://schemas.openxmlformats.org/drawingml/2006/main" xmlns:r="http://schemas.openxmlformats.org/officeDocument/2006/relationships" xmlns:mc="http://schemas.openxmlformats.org/markup-compatibility/2006" xmlns:mv="urn:schemas-microsoft-com:mac:vml" xmlns:p="http://schemas.openxmlformats.org/presentationml/2006/main" xmlns:c="http://schemas.openxmlformats.org/drawingml/2006/chart" xmlns:dgm="http://schemas.openxmlformats.org/drawingml/2006/diagram" xmlns:o="urn:schemas-microsoft-com:office:office" xmlns:v="urn:schemas-microsoft-com:vml" xmlns:pvml="urn:schemas-microsoft-com:office:powerpoint" xmlns:com="http://schemas.openxmlformats.org/drawingml/2006/compatibility" xmlns:p14="http://schemas.microsoft.com/office/powerpoint/2010/main" xmlns:p15="http://schemas.microsoft.com/office/powerpoint/2012/main" xmlns:ahyp="http://schemas.microsoft.com/office/drawing/2018/hyperlinkcolor">
+<p:sld xmlns:a="http://schemas.openxmlformats.org/drawingml/2006/main" xmlns:r="http://schemas.openxmlformats.org/officeDocument/2006/relationships" xmlns:p="http://schemas.openxmlformats.org/presentationml/2006/main">
   <p:cSld>
     <p:spTree>
       <p:nvGrpSpPr>
-        <p:cNvPr id="83" name="Shape 83"/>
+        <p:cNvPr id="1" name="Shape 83"/>
         <p:cNvGrpSpPr/>
         <p:nvPr/>
       </p:nvGrpSpPr>
@@ -9018,7 +9219,9 @@
       <p:sp>
         <p:nvSpPr>
           <p:cNvPr id="84" name="Google Shape;84;p16"/>
-          <p:cNvSpPr txBox="1"/>
+          <p:cNvSpPr txBox="1">
+            <a:spLocks noGrp="1"/>
+          </p:cNvSpPr>
           <p:nvPr>
             <p:ph type="title"/>
           </p:nvPr>
@@ -9033,12 +9236,12 @@
           </a:prstGeom>
         </p:spPr>
         <p:txBody>
-          <a:bodyPr anchorCtr="0" anchor="ctr" bIns="45700" lIns="91425" spcFirstLastPara="1" rIns="91425" wrap="square" tIns="45700">
+          <a:bodyPr spcFirstLastPara="1" wrap="square" lIns="91425" tIns="45700" rIns="91425" bIns="45700" anchor="ctr" anchorCtr="0">
             <a:normAutofit/>
           </a:bodyPr>
           <a:lstStyle/>
           <a:p>
-            <a:pPr indent="0" lvl="0" marL="0" rtl="0" algn="l">
+            <a:pPr marL="0" lvl="0" indent="0" algn="l" rtl="0">
               <a:spcBef>
                 <a:spcPts val="0"/>
               </a:spcBef>
@@ -9058,9 +9261,11 @@
       <p:sp>
         <p:nvSpPr>
           <p:cNvPr id="85" name="Google Shape;85;p16"/>
-          <p:cNvSpPr txBox="1"/>
+          <p:cNvSpPr txBox="1">
+            <a:spLocks noGrp="1"/>
+          </p:cNvSpPr>
           <p:nvPr>
-            <p:ph idx="1" type="body"/>
+            <p:ph type="body" idx="1"/>
           </p:nvPr>
         </p:nvSpPr>
         <p:spPr>
@@ -9073,12 +9278,12 @@
           </a:prstGeom>
         </p:spPr>
         <p:txBody>
-          <a:bodyPr anchorCtr="0" anchor="t" bIns="45700" lIns="91425" spcFirstLastPara="1" rIns="91425" wrap="square" tIns="45700">
+          <a:bodyPr spcFirstLastPara="1" wrap="square" lIns="91425" tIns="45700" rIns="91425" bIns="45700" anchor="t" anchorCtr="0">
             <a:normAutofit/>
           </a:bodyPr>
           <a:lstStyle/>
           <a:p>
-            <a:pPr indent="-381000" lvl="0" marL="457200" rtl="0" algn="l">
+            <a:pPr marL="457200" lvl="0" indent="-381000" algn="l" rtl="0">
               <a:spcBef>
                 <a:spcPts val="1000"/>
               </a:spcBef>
@@ -9106,7 +9311,7 @@
             </a:endParaRPr>
           </a:p>
           <a:p>
-            <a:pPr indent="-381000" lvl="1" marL="914400" rtl="0" algn="l">
+            <a:pPr marL="914400" lvl="1" indent="-381000" algn="l" rtl="0">
               <a:spcBef>
                 <a:spcPts val="0"/>
               </a:spcBef>
@@ -9134,7 +9339,7 @@
             </a:endParaRPr>
           </a:p>
           <a:p>
-            <a:pPr indent="-381000" lvl="0" marL="457200" rtl="0" algn="l">
+            <a:pPr marL="457200" lvl="0" indent="-381000" algn="l" rtl="0">
               <a:spcBef>
                 <a:spcPts val="0"/>
               </a:spcBef>
@@ -9162,7 +9367,7 @@
             </a:endParaRPr>
           </a:p>
           <a:p>
-            <a:pPr indent="-381000" lvl="1" marL="914400" rtl="0" algn="l">
+            <a:pPr marL="914400" lvl="1" indent="-381000" algn="l" rtl="0">
               <a:spcBef>
                 <a:spcPts val="0"/>
               </a:spcBef>
@@ -9190,7 +9395,7 @@
             </a:endParaRPr>
           </a:p>
           <a:p>
-            <a:pPr indent="-381000" lvl="0" marL="457200" rtl="0" algn="l">
+            <a:pPr marL="457200" lvl="0" indent="-381000" algn="l" rtl="0">
               <a:spcBef>
                 <a:spcPts val="0"/>
               </a:spcBef>
@@ -9221,7 +9426,7 @@
       </p:sp>
       <p:pic>
         <p:nvPicPr>
-          <p:cNvPr descr="&#10;" id="86" name="Google Shape;86;p16"/>
+          <p:cNvPr id="86" name="Google Shape;86;p16" descr="&#10;"/>
           <p:cNvPicPr preferRelativeResize="0"/>
           <p:nvPr/>
         </p:nvPicPr>
@@ -9256,11 +9461,11 @@
 </file>
 
 <file path=ppt/slides/slide4.xml><?xml version="1.0" encoding="utf-8"?>
-<p:sld xmlns:a="http://schemas.openxmlformats.org/drawingml/2006/main" xmlns:r="http://schemas.openxmlformats.org/officeDocument/2006/relationships" xmlns:mc="http://schemas.openxmlformats.org/markup-compatibility/2006" xmlns:mv="urn:schemas-microsoft-com:mac:vml" xmlns:p="http://schemas.openxmlformats.org/presentationml/2006/main" xmlns:c="http://schemas.openxmlformats.org/drawingml/2006/chart" xmlns:dgm="http://schemas.openxmlformats.org/drawingml/2006/diagram" xmlns:o="urn:schemas-microsoft-com:office:office" xmlns:v="urn:schemas-microsoft-com:vml" xmlns:pvml="urn:schemas-microsoft-com:office:powerpoint" xmlns:com="http://schemas.openxmlformats.org/drawingml/2006/compatibility" xmlns:p14="http://schemas.microsoft.com/office/powerpoint/2010/main" xmlns:p15="http://schemas.microsoft.com/office/powerpoint/2012/main" xmlns:ahyp="http://schemas.microsoft.com/office/drawing/2018/hyperlinkcolor">
+<p:sld xmlns:a="http://schemas.openxmlformats.org/drawingml/2006/main" xmlns:r="http://schemas.openxmlformats.org/officeDocument/2006/relationships" xmlns:p="http://schemas.openxmlformats.org/presentationml/2006/main">
   <p:cSld>
     <p:spTree>
       <p:nvGrpSpPr>
-        <p:cNvPr id="90" name="Shape 90"/>
+        <p:cNvPr id="1" name="Shape 90"/>
         <p:cNvGrpSpPr/>
         <p:nvPr/>
       </p:nvGrpSpPr>
@@ -9275,7 +9480,9 @@
       <p:sp>
         <p:nvSpPr>
           <p:cNvPr id="91" name="Google Shape;91;p17"/>
-          <p:cNvSpPr txBox="1"/>
+          <p:cNvSpPr txBox="1">
+            <a:spLocks noGrp="1"/>
+          </p:cNvSpPr>
           <p:nvPr>
             <p:ph type="title"/>
           </p:nvPr>
@@ -9294,12 +9501,12 @@
           </a:ln>
         </p:spPr>
         <p:txBody>
-          <a:bodyPr anchorCtr="0" anchor="ctr" bIns="45700" lIns="91425" spcFirstLastPara="1" rIns="91425" wrap="square" tIns="45700">
+          <a:bodyPr spcFirstLastPara="1" wrap="square" lIns="91425" tIns="45700" rIns="91425" bIns="45700" anchor="ctr" anchorCtr="0">
             <a:normAutofit/>
           </a:bodyPr>
           <a:lstStyle/>
           <a:p>
-            <a:pPr indent="0" lvl="0" marL="228600" rtl="0" algn="l">
+            <a:pPr marL="228600" lvl="0" indent="0" algn="l" rtl="0">
               <a:spcBef>
                 <a:spcPts val="1000"/>
               </a:spcBef>
@@ -9309,13 +9516,13 @@
               <a:buNone/>
             </a:pPr>
             <a:r>
-              <a:rPr b="1" lang="hu-HU" sz="3300"/>
+              <a:rPr lang="hu-HU" sz="3300" b="1"/>
               <a:t>Tanítóhalmazok és adatfeldolgozás</a:t>
             </a:r>
-            <a:endParaRPr b="1" sz="3300"/>
-          </a:p>
-          <a:p>
-            <a:pPr indent="0" lvl="0" marL="0" rtl="0" algn="l">
+            <a:endParaRPr sz="3300" b="1"/>
+          </a:p>
+          <a:p>
+            <a:pPr marL="0" lvl="0" indent="0" algn="l" rtl="0">
               <a:lnSpc>
                 <a:spcPct val="90000"/>
               </a:lnSpc>
@@ -9332,9 +9539,6 @@
               <a:buFont typeface="Calibri"/>
               <a:buNone/>
             </a:pPr>
-            <a:r>
-              <a:t/>
-            </a:r>
             <a:endParaRPr/>
           </a:p>
         </p:txBody>
@@ -9342,9 +9546,11 @@
       <p:sp>
         <p:nvSpPr>
           <p:cNvPr id="92" name="Google Shape;92;p17"/>
-          <p:cNvSpPr txBox="1"/>
+          <p:cNvSpPr txBox="1">
+            <a:spLocks noGrp="1"/>
+          </p:cNvSpPr>
           <p:nvPr>
-            <p:ph idx="1" type="body"/>
+            <p:ph type="body" idx="1"/>
           </p:nvPr>
         </p:nvSpPr>
         <p:spPr>
@@ -9360,21 +9566,21 @@
             <a:noFill/>
           </a:ln>
           <a:effectLst>
-            <a:outerShdw blurRad="57150" rotWithShape="0" algn="bl" dir="5400000" dist="19050">
+            <a:outerShdw blurRad="57150" dist="19050" dir="5400000" algn="bl" rotWithShape="0">
               <a:srgbClr val="000000">
                 <a:alpha val="50000"/>
               </a:srgbClr>
             </a:outerShdw>
-            <a:reflection blurRad="0" dir="5400000" dist="38100" endA="0" fadeDir="5400012" kx="0" rotWithShape="0" algn="bl" stPos="0" sy="-100000" ky="0"/>
+            <a:reflection dist="38100" dir="5400000" fadeDir="5400012" sy="-100000" algn="bl" rotWithShape="0"/>
           </a:effectLst>
         </p:spPr>
         <p:txBody>
-          <a:bodyPr anchorCtr="0" anchor="t" bIns="45700" lIns="91425" spcFirstLastPara="1" rIns="91425" wrap="square" tIns="45700">
+          <a:bodyPr spcFirstLastPara="1" wrap="square" lIns="91425" tIns="45700" rIns="91425" bIns="45700" anchor="t" anchorCtr="0">
             <a:normAutofit/>
           </a:bodyPr>
           <a:lstStyle/>
           <a:p>
-            <a:pPr indent="-374650" lvl="0" marL="457200" rtl="0" algn="l">
+            <a:pPr marL="457200" lvl="0" indent="-374650" algn="l" rtl="0">
               <a:lnSpc>
                 <a:spcPct val="90000"/>
               </a:lnSpc>
@@ -9405,7 +9611,7 @@
             </a:endParaRPr>
           </a:p>
           <a:p>
-            <a:pPr indent="-374650" lvl="0" marL="457200" rtl="0" algn="l">
+            <a:pPr marL="457200" lvl="0" indent="-374650" algn="l" rtl="0">
               <a:lnSpc>
                 <a:spcPct val="90000"/>
               </a:lnSpc>
@@ -9436,7 +9642,7 @@
             </a:endParaRPr>
           </a:p>
           <a:p>
-            <a:pPr indent="-374650" lvl="1" marL="914400" rtl="0" algn="l">
+            <a:pPr marL="914400" lvl="1" indent="-374650" algn="l" rtl="0">
               <a:lnSpc>
                 <a:spcPct val="90000"/>
               </a:lnSpc>
@@ -9467,7 +9673,7 @@
             </a:endParaRPr>
           </a:p>
           <a:p>
-            <a:pPr indent="-374650" lvl="1" marL="914400" rtl="0" algn="l">
+            <a:pPr marL="914400" lvl="1" indent="-374650" algn="l" rtl="0">
               <a:lnSpc>
                 <a:spcPct val="90000"/>
               </a:lnSpc>
@@ -9498,7 +9704,7 @@
             </a:endParaRPr>
           </a:p>
           <a:p>
-            <a:pPr indent="-374650" lvl="0" marL="457200" rtl="0" algn="l">
+            <a:pPr marL="457200" lvl="0" indent="-374650" algn="l" rtl="0">
               <a:lnSpc>
                 <a:spcPct val="90000"/>
               </a:lnSpc>
@@ -9529,7 +9735,7 @@
             </a:endParaRPr>
           </a:p>
           <a:p>
-            <a:pPr indent="0" lvl="0" marL="0" rtl="0" algn="l">
+            <a:pPr marL="0" lvl="0" indent="0" algn="l" rtl="0">
               <a:lnSpc>
                 <a:spcPct val="90000"/>
               </a:lnSpc>
@@ -9541,9 +9747,6 @@
               </a:spcAft>
               <a:buNone/>
             </a:pPr>
-            <a:r>
-              <a:t/>
-            </a:r>
             <a:endParaRPr/>
           </a:p>
         </p:txBody>
@@ -9641,11 +9844,11 @@
 </file>
 
 <file path=ppt/slides/slide5.xml><?xml version="1.0" encoding="utf-8"?>
-<p:sld xmlns:a="http://schemas.openxmlformats.org/drawingml/2006/main" xmlns:r="http://schemas.openxmlformats.org/officeDocument/2006/relationships" xmlns:mc="http://schemas.openxmlformats.org/markup-compatibility/2006" xmlns:mv="urn:schemas-microsoft-com:mac:vml" xmlns:p="http://schemas.openxmlformats.org/presentationml/2006/main" xmlns:c="http://schemas.openxmlformats.org/drawingml/2006/chart" xmlns:dgm="http://schemas.openxmlformats.org/drawingml/2006/diagram" xmlns:o="urn:schemas-microsoft-com:office:office" xmlns:v="urn:schemas-microsoft-com:vml" xmlns:pvml="urn:schemas-microsoft-com:office:powerpoint" xmlns:com="http://schemas.openxmlformats.org/drawingml/2006/compatibility" xmlns:p14="http://schemas.microsoft.com/office/powerpoint/2010/main" xmlns:p15="http://schemas.microsoft.com/office/powerpoint/2012/main" xmlns:ahyp="http://schemas.microsoft.com/office/drawing/2018/hyperlinkcolor">
+<p:sld xmlns:a="http://schemas.openxmlformats.org/drawingml/2006/main" xmlns:r="http://schemas.openxmlformats.org/officeDocument/2006/relationships" xmlns:p="http://schemas.openxmlformats.org/presentationml/2006/main">
   <p:cSld>
     <p:spTree>
       <p:nvGrpSpPr>
-        <p:cNvPr id="99" name="Shape 99"/>
+        <p:cNvPr id="1" name="Shape 99"/>
         <p:cNvGrpSpPr/>
         <p:nvPr/>
       </p:nvGrpSpPr>
@@ -9660,7 +9863,9 @@
       <p:sp>
         <p:nvSpPr>
           <p:cNvPr id="100" name="Google Shape;100;p18"/>
-          <p:cNvSpPr txBox="1"/>
+          <p:cNvSpPr txBox="1">
+            <a:spLocks noGrp="1"/>
+          </p:cNvSpPr>
           <p:nvPr>
             <p:ph type="title"/>
           </p:nvPr>
@@ -9675,12 +9880,12 @@
           </a:prstGeom>
         </p:spPr>
         <p:txBody>
-          <a:bodyPr anchorCtr="0" anchor="ctr" bIns="45700" lIns="91425" spcFirstLastPara="1" rIns="91425" wrap="square" tIns="45700">
+          <a:bodyPr spcFirstLastPara="1" wrap="square" lIns="91425" tIns="45700" rIns="91425" bIns="45700" anchor="ctr" anchorCtr="0">
             <a:normAutofit/>
           </a:bodyPr>
           <a:lstStyle/>
           <a:p>
-            <a:pPr indent="0" lvl="0" marL="0" rtl="0" algn="l">
+            <a:pPr marL="0" lvl="0" indent="0" algn="l" rtl="0">
               <a:spcBef>
                 <a:spcPts val="0"/>
               </a:spcBef>
@@ -9700,9 +9905,11 @@
       <p:sp>
         <p:nvSpPr>
           <p:cNvPr id="101" name="Google Shape;101;p18"/>
-          <p:cNvSpPr txBox="1"/>
+          <p:cNvSpPr txBox="1">
+            <a:spLocks noGrp="1"/>
+          </p:cNvSpPr>
           <p:nvPr>
-            <p:ph idx="1" type="body"/>
+            <p:ph type="body" idx="1"/>
           </p:nvPr>
         </p:nvSpPr>
         <p:spPr>
@@ -9715,12 +9922,12 @@
           </a:prstGeom>
         </p:spPr>
         <p:txBody>
-          <a:bodyPr anchorCtr="0" anchor="t" bIns="45700" lIns="91425" spcFirstLastPara="1" rIns="91425" wrap="square" tIns="45700">
+          <a:bodyPr spcFirstLastPara="1" wrap="square" lIns="91425" tIns="45700" rIns="91425" bIns="45700" anchor="t" anchorCtr="0">
             <a:normAutofit/>
           </a:bodyPr>
           <a:lstStyle/>
           <a:p>
-            <a:pPr indent="-393700" lvl="0" marL="457200" rtl="0" algn="l">
+            <a:pPr marL="457200" lvl="0" indent="-393700" algn="l" rtl="0">
               <a:spcBef>
                 <a:spcPts val="1000"/>
               </a:spcBef>
@@ -9745,7 +9952,7 @@
             </a:endParaRPr>
           </a:p>
           <a:p>
-            <a:pPr indent="-387350" lvl="0" marL="457200" rtl="0" algn="l">
+            <a:pPr marL="457200" lvl="0" indent="-387350" algn="l" rtl="0">
               <a:spcBef>
                 <a:spcPts val="0"/>
               </a:spcBef>
@@ -9773,7 +9980,7 @@
             </a:endParaRPr>
           </a:p>
           <a:p>
-            <a:pPr indent="-393700" lvl="0" marL="457200" rtl="0" algn="l">
+            <a:pPr marL="457200" lvl="0" indent="-393700" algn="l" rtl="0">
               <a:spcBef>
                 <a:spcPts val="0"/>
               </a:spcBef>
@@ -9798,7 +10005,7 @@
             </a:endParaRPr>
           </a:p>
           <a:p>
-            <a:pPr indent="-393700" lvl="0" marL="457200" rtl="0" algn="l">
+            <a:pPr marL="457200" lvl="0" indent="-393700" algn="l" rtl="0">
               <a:spcBef>
                 <a:spcPts val="0"/>
               </a:spcBef>
@@ -9823,7 +10030,7 @@
             </a:endParaRPr>
           </a:p>
           <a:p>
-            <a:pPr indent="-393700" lvl="0" marL="457200" rtl="0" algn="l">
+            <a:pPr marL="457200" lvl="0" indent="-393700" algn="l" rtl="0">
               <a:spcBef>
                 <a:spcPts val="0"/>
               </a:spcBef>
@@ -9848,7 +10055,7 @@
             </a:endParaRPr>
           </a:p>
           <a:p>
-            <a:pPr indent="-393700" lvl="0" marL="457200" rtl="0" algn="l">
+            <a:pPr marL="457200" lvl="0" indent="-393700" algn="l" rtl="0">
               <a:spcBef>
                 <a:spcPts val="0"/>
               </a:spcBef>
@@ -9883,11 +10090,11 @@
 </file>
 
 <file path=ppt/slides/slide6.xml><?xml version="1.0" encoding="utf-8"?>
-<p:sld xmlns:a="http://schemas.openxmlformats.org/drawingml/2006/main" xmlns:r="http://schemas.openxmlformats.org/officeDocument/2006/relationships" xmlns:mc="http://schemas.openxmlformats.org/markup-compatibility/2006" xmlns:mv="urn:schemas-microsoft-com:mac:vml" xmlns:p="http://schemas.openxmlformats.org/presentationml/2006/main" xmlns:c="http://schemas.openxmlformats.org/drawingml/2006/chart" xmlns:dgm="http://schemas.openxmlformats.org/drawingml/2006/diagram" xmlns:o="urn:schemas-microsoft-com:office:office" xmlns:v="urn:schemas-microsoft-com:vml" xmlns:pvml="urn:schemas-microsoft-com:office:powerpoint" xmlns:com="http://schemas.openxmlformats.org/drawingml/2006/compatibility" xmlns:p14="http://schemas.microsoft.com/office/powerpoint/2010/main" xmlns:p15="http://schemas.microsoft.com/office/powerpoint/2012/main" xmlns:ahyp="http://schemas.microsoft.com/office/drawing/2018/hyperlinkcolor">
+<p:sld xmlns:a="http://schemas.openxmlformats.org/drawingml/2006/main" xmlns:r="http://schemas.openxmlformats.org/officeDocument/2006/relationships" xmlns:p="http://schemas.openxmlformats.org/presentationml/2006/main">
   <p:cSld>
     <p:spTree>
       <p:nvGrpSpPr>
-        <p:cNvPr id="105" name="Shape 105"/>
+        <p:cNvPr id="1" name="Shape 105"/>
         <p:cNvGrpSpPr/>
         <p:nvPr/>
       </p:nvGrpSpPr>
@@ -9902,7 +10109,9 @@
       <p:sp>
         <p:nvSpPr>
           <p:cNvPr id="106" name="Google Shape;106;p19"/>
-          <p:cNvSpPr txBox="1"/>
+          <p:cNvSpPr txBox="1">
+            <a:spLocks noGrp="1"/>
+          </p:cNvSpPr>
           <p:nvPr>
             <p:ph type="title"/>
           </p:nvPr>
@@ -9917,12 +10126,12 @@
           </a:prstGeom>
         </p:spPr>
         <p:txBody>
-          <a:bodyPr anchorCtr="0" anchor="ctr" bIns="45700" lIns="91425" spcFirstLastPara="1" rIns="91425" wrap="square" tIns="45700">
+          <a:bodyPr spcFirstLastPara="1" wrap="square" lIns="91425" tIns="45700" rIns="91425" bIns="45700" anchor="ctr" anchorCtr="0">
             <a:normAutofit/>
           </a:bodyPr>
           <a:lstStyle/>
           <a:p>
-            <a:pPr indent="0" lvl="0" marL="0" rtl="0" algn="l">
+            <a:pPr marL="0" lvl="0" indent="0" algn="l" rtl="0">
               <a:spcBef>
                 <a:spcPts val="1000"/>
               </a:spcBef>
@@ -9932,19 +10141,21 @@
               <a:buNone/>
             </a:pPr>
             <a:r>
-              <a:rPr b="1" lang="hu-HU" sz="3400"/>
+              <a:rPr lang="hu-HU" sz="3400" b="1"/>
               <a:t>Kiértékelés és háló választása</a:t>
             </a:r>
-            <a:endParaRPr b="1" sz="5000"/>
+            <a:endParaRPr sz="5000" b="1"/>
           </a:p>
         </p:txBody>
       </p:sp>
       <p:sp>
         <p:nvSpPr>
           <p:cNvPr id="107" name="Google Shape;107;p19"/>
-          <p:cNvSpPr txBox="1"/>
+          <p:cNvSpPr txBox="1">
+            <a:spLocks noGrp="1"/>
+          </p:cNvSpPr>
           <p:nvPr>
-            <p:ph idx="1" type="body"/>
+            <p:ph type="body" idx="1"/>
           </p:nvPr>
         </p:nvSpPr>
         <p:spPr>
@@ -9957,12 +10168,12 @@
           </a:prstGeom>
         </p:spPr>
         <p:txBody>
-          <a:bodyPr anchorCtr="0" anchor="t" bIns="45700" lIns="91425" spcFirstLastPara="1" rIns="91425" wrap="square" tIns="45700">
+          <a:bodyPr spcFirstLastPara="1" wrap="square" lIns="91425" tIns="45700" rIns="91425" bIns="45700" anchor="t" anchorCtr="0">
             <a:normAutofit/>
           </a:bodyPr>
           <a:lstStyle/>
           <a:p>
-            <a:pPr indent="-387350" lvl="0" marL="457200" rtl="0" algn="l">
+            <a:pPr marL="457200" lvl="0" indent="-387350" algn="l" rtl="0">
               <a:spcBef>
                 <a:spcPts val="1000"/>
               </a:spcBef>
@@ -9990,7 +10201,7 @@
             </a:endParaRPr>
           </a:p>
           <a:p>
-            <a:pPr indent="-374650" lvl="1" marL="914400" rtl="0" algn="l">
+            <a:pPr marL="914400" lvl="1" indent="-374650" algn="l" rtl="0">
               <a:spcBef>
                 <a:spcPts val="0"/>
               </a:spcBef>
@@ -10018,7 +10229,7 @@
             </a:endParaRPr>
           </a:p>
           <a:p>
-            <a:pPr indent="-374650" lvl="1" marL="914400" rtl="0" algn="l">
+            <a:pPr marL="914400" lvl="1" indent="-374650" algn="l" rtl="0">
               <a:spcBef>
                 <a:spcPts val="0"/>
               </a:spcBef>
@@ -10046,7 +10257,7 @@
             </a:endParaRPr>
           </a:p>
           <a:p>
-            <a:pPr indent="-387350" lvl="0" marL="457200" rtl="0" algn="l">
+            <a:pPr marL="457200" lvl="0" indent="-387350" algn="l" rtl="0">
               <a:spcBef>
                 <a:spcPts val="0"/>
               </a:spcBef>
@@ -10074,7 +10285,7 @@
             </a:endParaRPr>
           </a:p>
           <a:p>
-            <a:pPr indent="-381000" lvl="1" marL="914400" rtl="0" algn="l">
+            <a:pPr marL="914400" lvl="1" indent="-381000" algn="l" rtl="0">
               <a:spcBef>
                 <a:spcPts val="0"/>
               </a:spcBef>
@@ -10110,7 +10321,7 @@
             </a:endParaRPr>
           </a:p>
           <a:p>
-            <a:pPr indent="-374650" lvl="1" marL="914400" rtl="0" algn="l">
+            <a:pPr marL="914400" lvl="1" indent="-374650" algn="l" rtl="0">
               <a:spcBef>
                 <a:spcPts val="0"/>
               </a:spcBef>
@@ -10138,7 +10349,7 @@
             </a:endParaRPr>
           </a:p>
           <a:p>
-            <a:pPr indent="-374650" lvl="1" marL="914400" rtl="0" algn="l">
+            <a:pPr marL="914400" lvl="1" indent="-374650" algn="l" rtl="0">
               <a:spcBef>
                 <a:spcPts val="0"/>
               </a:spcBef>
@@ -10157,23 +10368,7 @@
                   <a:srgbClr val="000000"/>
                 </a:solidFill>
               </a:rPr>
-              <a:t>Kernel Inception Distance: </a:t>
-            </a:r>
-            <a:r>
-              <a:rPr lang="hu-HU" sz="2000">
-                <a:solidFill>
-                  <a:srgbClr val="000000"/>
-                </a:solidFill>
-              </a:rPr>
-              <a:t>maximum</a:t>
-            </a:r>
-            <a:r>
-              <a:rPr lang="hu-HU" sz="2000">
-                <a:solidFill>
-                  <a:srgbClr val="000000"/>
-                </a:solidFill>
-              </a:rPr>
-              <a:t> átlagos eltérés</a:t>
+              <a:t>Kernel Inception Distance: maximum átlagos eltérés</a:t>
             </a:r>
             <a:endParaRPr sz="2000">
               <a:solidFill>
@@ -10182,7 +10377,7 @@
             </a:endParaRPr>
           </a:p>
           <a:p>
-            <a:pPr indent="-374650" lvl="1" marL="914400" rtl="0" algn="l">
+            <a:pPr marL="914400" lvl="1" indent="-374650" algn="l" rtl="0">
               <a:spcBef>
                 <a:spcPts val="0"/>
               </a:spcBef>
@@ -10210,7 +10405,7 @@
             </a:endParaRPr>
           </a:p>
           <a:p>
-            <a:pPr indent="0" lvl="0" marL="457200" rtl="0" algn="l">
+            <a:pPr marL="457200" lvl="0" indent="0" algn="l" rtl="0">
               <a:spcBef>
                 <a:spcPts val="1600"/>
               </a:spcBef>
@@ -10219,13 +10414,10 @@
               </a:spcAft>
               <a:buNone/>
             </a:pPr>
-            <a:r>
-              <a:t/>
-            </a:r>
             <a:endParaRPr/>
           </a:p>
           <a:p>
-            <a:pPr indent="0" lvl="0" marL="457200" rtl="0" algn="l">
+            <a:pPr marL="457200" lvl="0" indent="0" algn="l" rtl="0">
               <a:spcBef>
                 <a:spcPts val="1600"/>
               </a:spcBef>
@@ -10234,9 +10426,6 @@
               </a:spcAft>
               <a:buNone/>
             </a:pPr>
-            <a:r>
-              <a:t/>
-            </a:r>
             <a:endParaRPr/>
           </a:p>
         </p:txBody>
@@ -10278,11 +10467,11 @@
 </file>
 
 <file path=ppt/slides/slide7.xml><?xml version="1.0" encoding="utf-8"?>
-<p:sld xmlns:a="http://schemas.openxmlformats.org/drawingml/2006/main" xmlns:r="http://schemas.openxmlformats.org/officeDocument/2006/relationships" xmlns:mc="http://schemas.openxmlformats.org/markup-compatibility/2006" xmlns:mv="urn:schemas-microsoft-com:mac:vml" xmlns:p="http://schemas.openxmlformats.org/presentationml/2006/main" xmlns:c="http://schemas.openxmlformats.org/drawingml/2006/chart" xmlns:dgm="http://schemas.openxmlformats.org/drawingml/2006/diagram" xmlns:o="urn:schemas-microsoft-com:office:office" xmlns:v="urn:schemas-microsoft-com:vml" xmlns:pvml="urn:schemas-microsoft-com:office:powerpoint" xmlns:com="http://schemas.openxmlformats.org/drawingml/2006/compatibility" xmlns:p14="http://schemas.microsoft.com/office/powerpoint/2010/main" xmlns:p15="http://schemas.microsoft.com/office/powerpoint/2012/main" xmlns:ahyp="http://schemas.microsoft.com/office/drawing/2018/hyperlinkcolor">
+<p:sld xmlns:a="http://schemas.openxmlformats.org/drawingml/2006/main" xmlns:r="http://schemas.openxmlformats.org/officeDocument/2006/relationships" xmlns:p="http://schemas.openxmlformats.org/presentationml/2006/main">
   <p:cSld>
     <p:spTree>
       <p:nvGrpSpPr>
-        <p:cNvPr id="112" name="Shape 112"/>
+        <p:cNvPr id="1" name="Shape 112"/>
         <p:cNvGrpSpPr/>
         <p:nvPr/>
       </p:nvGrpSpPr>
@@ -10297,7 +10486,9 @@
       <p:sp>
         <p:nvSpPr>
           <p:cNvPr id="113" name="Google Shape;113;p20"/>
-          <p:cNvSpPr txBox="1"/>
+          <p:cNvSpPr txBox="1">
+            <a:spLocks noGrp="1"/>
+          </p:cNvSpPr>
           <p:nvPr>
             <p:ph type="title"/>
           </p:nvPr>
@@ -10312,12 +10503,12 @@
           </a:prstGeom>
         </p:spPr>
         <p:txBody>
-          <a:bodyPr anchorCtr="0" anchor="ctr" bIns="45700" lIns="91425" spcFirstLastPara="1" rIns="91425" wrap="square" tIns="45700">
+          <a:bodyPr spcFirstLastPara="1" wrap="square" lIns="91425" tIns="45700" rIns="91425" bIns="45700" anchor="ctr" anchorCtr="0">
             <a:normAutofit/>
           </a:bodyPr>
           <a:lstStyle/>
           <a:p>
-            <a:pPr indent="0" lvl="0" marL="0" rtl="0" algn="l">
+            <a:pPr marL="0" lvl="0" indent="0" algn="l" rtl="0">
               <a:spcBef>
                 <a:spcPts val="0"/>
               </a:spcBef>
@@ -10328,26 +10519,20 @@
             </a:pPr>
             <a:r>
               <a:rPr lang="hu-HU"/>
-              <a:t>Választott model “szubjektív </a:t>
+              <a:t>Választott modell “szubjektív értékelése”</a:t>
             </a:r>
-            <a:r>
-              <a:rPr lang="hu-HU"/>
-              <a:t>értékelése</a:t>
-            </a:r>
-            <a:r>
-              <a:rPr lang="hu-HU"/>
-              <a:t>”</a:t>
-            </a:r>
-            <a:endParaRPr/>
+            <a:endParaRPr dirty="0"/>
           </a:p>
         </p:txBody>
       </p:sp>
       <p:sp>
         <p:nvSpPr>
           <p:cNvPr id="114" name="Google Shape;114;p20"/>
-          <p:cNvSpPr txBox="1"/>
+          <p:cNvSpPr txBox="1">
+            <a:spLocks noGrp="1"/>
+          </p:cNvSpPr>
           <p:nvPr>
-            <p:ph idx="1" type="body"/>
+            <p:ph type="body" idx="1"/>
           </p:nvPr>
         </p:nvSpPr>
         <p:spPr>
@@ -10360,12 +10545,12 @@
           </a:prstGeom>
         </p:spPr>
         <p:txBody>
-          <a:bodyPr anchorCtr="0" anchor="t" bIns="45700" lIns="91425" spcFirstLastPara="1" rIns="91425" wrap="square" tIns="45700">
+          <a:bodyPr spcFirstLastPara="1" wrap="square" lIns="91425" tIns="45700" rIns="91425" bIns="45700" anchor="t" anchorCtr="0">
             <a:normAutofit/>
           </a:bodyPr>
           <a:lstStyle/>
           <a:p>
-            <a:pPr indent="-374650" lvl="0" marL="457200" rtl="0" algn="l">
+            <a:pPr marL="457200" lvl="0" indent="-374650" algn="l" rtl="0">
               <a:spcBef>
                 <a:spcPts val="1000"/>
               </a:spcBef>
@@ -10393,7 +10578,7 @@
             </a:endParaRPr>
           </a:p>
           <a:p>
-            <a:pPr indent="-374650" lvl="0" marL="457200" rtl="0" algn="l">
+            <a:pPr marL="457200" lvl="0" indent="-374650" algn="l" rtl="0">
               <a:spcBef>
                 <a:spcPts val="0"/>
               </a:spcBef>
@@ -10421,7 +10606,7 @@
             </a:endParaRPr>
           </a:p>
           <a:p>
-            <a:pPr indent="-374650" lvl="1" marL="914400" rtl="0" algn="l">
+            <a:pPr marL="914400" lvl="1" indent="-374650" algn="l" rtl="0">
               <a:spcBef>
                 <a:spcPts val="0"/>
               </a:spcBef>
@@ -10435,21 +10620,21 @@
               <a:buChar char="○"/>
             </a:pPr>
             <a:r>
-              <a:rPr i="1" lang="hu-HU" sz="2000">
+              <a:rPr lang="hu-HU" sz="2000" i="1">
                 <a:solidFill>
                   <a:srgbClr val="000000"/>
                 </a:solidFill>
               </a:rPr>
               <a:t>“Az általad küldött kép alapján, az ábrázolt tárgy nagyon hasonlít egy virágra. A színek, textúrák és a közeli nézet mind hozzájárulnak ehhez a benyomáshoz.”</a:t>
             </a:r>
-            <a:endParaRPr i="1" sz="2000">
+            <a:endParaRPr sz="2000" i="1">
               <a:solidFill>
                 <a:srgbClr val="000000"/>
               </a:solidFill>
             </a:endParaRPr>
           </a:p>
           <a:p>
-            <a:pPr indent="-374650" lvl="1" marL="914400" rtl="0" algn="just">
+            <a:pPr marL="914400" lvl="1" indent="-374650" algn="just" rtl="0">
               <a:lnSpc>
                 <a:spcPct val="115000"/>
               </a:lnSpc>
@@ -10466,21 +10651,21 @@
               <a:buChar char="○"/>
             </a:pPr>
             <a:r>
-              <a:rPr i="1" lang="hu-HU" sz="2000">
+              <a:rPr lang="hu-HU" sz="2000" i="1">
                 <a:solidFill>
                   <a:srgbClr val="000000"/>
                 </a:solidFill>
               </a:rPr>
               <a:t>“Az általad küldött kép alapján, az ábrázolt tárgy egy rakás kő”</a:t>
             </a:r>
-            <a:endParaRPr i="1" sz="2000">
+            <a:endParaRPr sz="2000" i="1">
               <a:solidFill>
                 <a:srgbClr val="000000"/>
               </a:solidFill>
             </a:endParaRPr>
           </a:p>
           <a:p>
-            <a:pPr indent="-374650" lvl="0" marL="457200" rtl="0" algn="l">
+            <a:pPr marL="457200" lvl="0" indent="-374650" algn="l" rtl="0">
               <a:spcBef>
                 <a:spcPts val="0"/>
               </a:spcBef>
@@ -10508,7 +10693,7 @@
             </a:endParaRPr>
           </a:p>
           <a:p>
-            <a:pPr indent="-374650" lvl="1" marL="914400" rtl="0" algn="l">
+            <a:pPr marL="914400" lvl="1" indent="-374650" algn="l" rtl="0">
               <a:spcBef>
                 <a:spcPts val="0"/>
               </a:spcBef>
@@ -10527,23 +10712,7 @@
                   <a:srgbClr val="000000"/>
                 </a:solidFill>
               </a:rPr>
-              <a:t>az </a:t>
-            </a:r>
-            <a:r>
-              <a:rPr lang="hu-HU" sz="2000">
-                <a:solidFill>
-                  <a:srgbClr val="000000"/>
-                </a:solidFill>
-              </a:rPr>
-              <a:t>erőforrás</a:t>
-            </a:r>
-            <a:r>
-              <a:rPr lang="hu-HU" sz="2000">
-                <a:solidFill>
-                  <a:srgbClr val="000000"/>
-                </a:solidFill>
-              </a:rPr>
-              <a:t> igény, google colab korlátai -&gt; Komondor legközelebb</a:t>
+              <a:t>az erőforrás igény, google colab korlátai -&gt; Komondor legközelebb</a:t>
             </a:r>
             <a:endParaRPr sz="2000">
               <a:solidFill>
@@ -10552,7 +10721,7 @@
             </a:endParaRPr>
           </a:p>
           <a:p>
-            <a:pPr indent="-374650" lvl="1" marL="914400" rtl="0" algn="l">
+            <a:pPr marL="914400" lvl="1" indent="-374650" algn="l" rtl="0">
               <a:spcBef>
                 <a:spcPts val="0"/>
               </a:spcBef>
@@ -10580,7 +10749,7 @@
             </a:endParaRPr>
           </a:p>
           <a:p>
-            <a:pPr indent="-374650" lvl="2" marL="1371600" rtl="0" algn="l">
+            <a:pPr marL="1371600" lvl="2" indent="-374650" algn="l" rtl="0">
               <a:spcBef>
                 <a:spcPts val="0"/>
               </a:spcBef>
@@ -10608,7 +10777,7 @@
             </a:endParaRPr>
           </a:p>
           <a:p>
-            <a:pPr indent="-374650" lvl="2" marL="1371600" rtl="0" algn="l">
+            <a:pPr marL="1371600" lvl="2" indent="-374650" algn="l" rtl="0">
               <a:spcBef>
                 <a:spcPts val="0"/>
               </a:spcBef>
@@ -10636,7 +10805,7 @@
             </a:endParaRPr>
           </a:p>
           <a:p>
-            <a:pPr indent="0" lvl="0" marL="0" rtl="0" algn="l">
+            <a:pPr marL="0" lvl="0" indent="0" algn="l" rtl="0">
               <a:spcBef>
                 <a:spcPts val="1600"/>
               </a:spcBef>
@@ -10645,13 +10814,10 @@
               </a:spcAft>
               <a:buNone/>
             </a:pPr>
-            <a:r>
-              <a:t/>
-            </a:r>
             <a:endParaRPr/>
           </a:p>
           <a:p>
-            <a:pPr indent="0" lvl="0" marL="0" rtl="0" algn="l">
+            <a:pPr marL="0" lvl="0" indent="0" algn="l" rtl="0">
               <a:spcBef>
                 <a:spcPts val="1600"/>
               </a:spcBef>
@@ -10660,9 +10826,6 @@
               </a:spcAft>
               <a:buNone/>
             </a:pPr>
-            <a:r>
-              <a:t/>
-            </a:r>
             <a:endParaRPr/>
           </a:p>
         </p:txBody>
@@ -10676,11 +10839,11 @@
 </file>
 
 <file path=ppt/slides/slide8.xml><?xml version="1.0" encoding="utf-8"?>
-<p:sld xmlns:a="http://schemas.openxmlformats.org/drawingml/2006/main" xmlns:r="http://schemas.openxmlformats.org/officeDocument/2006/relationships" xmlns:mc="http://schemas.openxmlformats.org/markup-compatibility/2006" xmlns:mv="urn:schemas-microsoft-com:mac:vml" xmlns:p="http://schemas.openxmlformats.org/presentationml/2006/main" xmlns:c="http://schemas.openxmlformats.org/drawingml/2006/chart" xmlns:dgm="http://schemas.openxmlformats.org/drawingml/2006/diagram" xmlns:o="urn:schemas-microsoft-com:office:office" xmlns:v="urn:schemas-microsoft-com:vml" xmlns:pvml="urn:schemas-microsoft-com:office:powerpoint" xmlns:com="http://schemas.openxmlformats.org/drawingml/2006/compatibility" xmlns:p14="http://schemas.microsoft.com/office/powerpoint/2010/main" xmlns:p15="http://schemas.microsoft.com/office/powerpoint/2012/main" xmlns:ahyp="http://schemas.microsoft.com/office/drawing/2018/hyperlinkcolor">
+<p:sld xmlns:a="http://schemas.openxmlformats.org/drawingml/2006/main" xmlns:r="http://schemas.openxmlformats.org/officeDocument/2006/relationships" xmlns:p="http://schemas.openxmlformats.org/presentationml/2006/main">
   <p:cSld>
     <p:spTree>
       <p:nvGrpSpPr>
-        <p:cNvPr id="118" name="Shape 118"/>
+        <p:cNvPr id="1" name="Shape 118"/>
         <p:cNvGrpSpPr/>
         <p:nvPr/>
       </p:nvGrpSpPr>
@@ -10695,7 +10858,9 @@
       <p:sp>
         <p:nvSpPr>
           <p:cNvPr id="119" name="Google Shape;119;p21"/>
-          <p:cNvSpPr txBox="1"/>
+          <p:cNvSpPr txBox="1">
+            <a:spLocks noGrp="1"/>
+          </p:cNvSpPr>
           <p:nvPr>
             <p:ph type="title"/>
           </p:nvPr>
@@ -10710,12 +10875,12 @@
           </a:prstGeom>
         </p:spPr>
         <p:txBody>
-          <a:bodyPr anchorCtr="0" anchor="ctr" bIns="45700" lIns="91425" spcFirstLastPara="1" rIns="91425" wrap="square" tIns="45700">
+          <a:bodyPr spcFirstLastPara="1" wrap="square" lIns="91425" tIns="45700" rIns="91425" bIns="45700" anchor="ctr" anchorCtr="0">
             <a:normAutofit/>
           </a:bodyPr>
           <a:lstStyle/>
           <a:p>
-            <a:pPr indent="0" lvl="0" marL="0" rtl="0" algn="l">
+            <a:pPr marL="0" lvl="0" indent="0" algn="l" rtl="0">
               <a:spcBef>
                 <a:spcPts val="1000"/>
               </a:spcBef>
@@ -10725,19 +10890,21 @@
               <a:buNone/>
             </a:pPr>
             <a:r>
-              <a:rPr b="1" lang="hu-HU" sz="3300"/>
+              <a:rPr lang="hu-HU" sz="3300" b="1"/>
               <a:t>Jelenlegi környezet és pipeline</a:t>
             </a:r>
-            <a:endParaRPr b="1" sz="4900"/>
+            <a:endParaRPr sz="4900" b="1"/>
           </a:p>
         </p:txBody>
       </p:sp>
       <p:sp>
         <p:nvSpPr>
           <p:cNvPr id="120" name="Google Shape;120;p21"/>
-          <p:cNvSpPr txBox="1"/>
+          <p:cNvSpPr txBox="1">
+            <a:spLocks noGrp="1"/>
+          </p:cNvSpPr>
           <p:nvPr>
-            <p:ph idx="1" type="body"/>
+            <p:ph type="body" idx="1"/>
           </p:nvPr>
         </p:nvSpPr>
         <p:spPr>
@@ -10750,12 +10917,12 @@
           </a:prstGeom>
         </p:spPr>
         <p:txBody>
-          <a:bodyPr anchorCtr="0" anchor="t" bIns="45700" lIns="91425" spcFirstLastPara="1" rIns="91425" wrap="square" tIns="45700">
+          <a:bodyPr spcFirstLastPara="1" wrap="square" lIns="91425" tIns="45700" rIns="91425" bIns="45700" anchor="t" anchorCtr="0">
             <a:normAutofit/>
           </a:bodyPr>
           <a:lstStyle/>
           <a:p>
-            <a:pPr indent="-387350" lvl="0" marL="457200" rtl="0" algn="l">
+            <a:pPr marL="457200" lvl="0" indent="-387350" algn="l" rtl="0">
               <a:spcBef>
                 <a:spcPts val="1000"/>
               </a:spcBef>
@@ -10783,7 +10950,7 @@
             </a:endParaRPr>
           </a:p>
           <a:p>
-            <a:pPr indent="-387350" lvl="0" marL="457200" rtl="0" algn="l">
+            <a:pPr marL="457200" lvl="0" indent="-387350" algn="l" rtl="0">
               <a:spcBef>
                 <a:spcPts val="0"/>
               </a:spcBef>
@@ -10811,7 +10978,7 @@
             </a:endParaRPr>
           </a:p>
           <a:p>
-            <a:pPr indent="-387350" lvl="1" marL="914400" rtl="0" algn="l">
+            <a:pPr marL="914400" lvl="1" indent="-387350" algn="l" rtl="0">
               <a:spcBef>
                 <a:spcPts val="0"/>
               </a:spcBef>
@@ -10830,15 +10997,7 @@
                   <a:srgbClr val="000000"/>
                 </a:solidFill>
               </a:rPr>
-              <a:t>adatelőkészítés</a:t>
-            </a:r>
-            <a:r>
-              <a:rPr lang="hu-HU" sz="2200">
-                <a:solidFill>
-                  <a:srgbClr val="000000"/>
-                </a:solidFill>
-              </a:rPr>
-              <a:t>-&gt;tanítás-&gt;tesztelés</a:t>
+              <a:t>adatelőkészítés-&gt;tanítás-&gt;tesztelés</a:t>
             </a:r>
             <a:endParaRPr sz="2200">
               <a:solidFill>
@@ -10847,7 +11006,7 @@
             </a:endParaRPr>
           </a:p>
           <a:p>
-            <a:pPr indent="-387350" lvl="1" marL="914400" rtl="0" algn="l">
+            <a:pPr marL="914400" lvl="1" indent="-387350" algn="l" rtl="0">
               <a:spcBef>
                 <a:spcPts val="0"/>
               </a:spcBef>
@@ -10866,23 +11025,7 @@
                   <a:srgbClr val="000000"/>
                 </a:solidFill>
               </a:rPr>
-              <a:t>adatelőkészítés</a:t>
-            </a:r>
-            <a:r>
-              <a:rPr lang="hu-HU" sz="2200">
-                <a:solidFill>
-                  <a:srgbClr val="000000"/>
-                </a:solidFill>
-              </a:rPr>
-              <a:t>-&gt;</a:t>
-            </a:r>
-            <a:r>
-              <a:rPr lang="hu-HU" sz="2200">
-                <a:solidFill>
-                  <a:srgbClr val="000000"/>
-                </a:solidFill>
-              </a:rPr>
-              <a:t>tesztelés</a:t>
+              <a:t>adatelőkészítés-&gt;tesztelés</a:t>
             </a:r>
             <a:endParaRPr sz="2200">
               <a:solidFill>
@@ -10891,7 +11034,7 @@
             </a:endParaRPr>
           </a:p>
           <a:p>
-            <a:pPr indent="-387350" lvl="0" marL="457200" rtl="0" algn="l">
+            <a:pPr marL="457200" lvl="0" indent="-387350" algn="l" rtl="0">
               <a:spcBef>
                 <a:spcPts val="0"/>
               </a:spcBef>
@@ -10919,7 +11062,7 @@
             </a:endParaRPr>
           </a:p>
           <a:p>
-            <a:pPr indent="-387350" lvl="1" marL="914400" rtl="0" algn="l">
+            <a:pPr marL="914400" lvl="1" indent="-387350" algn="l" rtl="0">
               <a:spcBef>
                 <a:spcPts val="0"/>
               </a:spcBef>
@@ -10947,7 +11090,7 @@
             </a:endParaRPr>
           </a:p>
           <a:p>
-            <a:pPr indent="-387350" lvl="1" marL="914400" rtl="0" algn="l">
+            <a:pPr marL="914400" lvl="1" indent="-387350" algn="l" rtl="0">
               <a:spcBef>
                 <a:spcPts val="0"/>
               </a:spcBef>
@@ -10975,47 +11118,41 @@
             </a:endParaRPr>
           </a:p>
           <a:p>
-            <a:pPr indent="0" lvl="0" marL="0" rtl="0" algn="l">
+            <a:pPr marL="0" lvl="0" indent="0" algn="l" rtl="0">
               <a:spcBef>
                 <a:spcPts val="1600"/>
               </a:spcBef>
               <a:spcAft>
                 <a:spcPts val="0"/>
+              </a:spcAft>
+              <a:buNone/>
+            </a:pPr>
+            <a:endParaRPr/>
+          </a:p>
+          <a:p>
+            <a:pPr marL="0" lvl="0" indent="0" algn="l" rtl="0">
+              <a:spcBef>
+                <a:spcPts val="1600"/>
+              </a:spcBef>
+              <a:spcAft>
+                <a:spcPts val="0"/>
+              </a:spcAft>
+              <a:buNone/>
+            </a:pPr>
+            <a:endParaRPr/>
+          </a:p>
+          <a:p>
+            <a:pPr marL="0" lvl="0" indent="0" algn="l" rtl="0">
+              <a:spcBef>
+                <a:spcPts val="1600"/>
+              </a:spcBef>
+              <a:spcAft>
+                <a:spcPts val="1600"/>
               </a:spcAft>
               <a:buNone/>
             </a:pPr>
             <a:r>
-              <a:t/>
-            </a:r>
-            <a:endParaRPr/>
-          </a:p>
-          <a:p>
-            <a:pPr indent="0" lvl="0" marL="0" rtl="0" algn="l">
-              <a:spcBef>
-                <a:spcPts val="1600"/>
-              </a:spcBef>
-              <a:spcAft>
-                <a:spcPts val="0"/>
-              </a:spcAft>
-              <a:buNone/>
-            </a:pPr>
-            <a:r>
-              <a:t/>
-            </a:r>
-            <a:endParaRPr/>
-          </a:p>
-          <a:p>
-            <a:pPr indent="0" lvl="0" marL="0" rtl="0" algn="l">
-              <a:spcBef>
-                <a:spcPts val="1600"/>
-              </a:spcBef>
-              <a:spcAft>
-                <a:spcPts val="1600"/>
-              </a:spcAft>
-              <a:buNone/>
-            </a:pPr>
-            <a:r>
-              <a:rPr b="1" lang="hu-HU">
+              <a:rPr lang="hu-HU" b="1">
                 <a:solidFill>
                   <a:srgbClr val="000000"/>
                 </a:solidFill>
@@ -11095,11 +11232,11 @@
 </file>
 
 <file path=ppt/slides/slide9.xml><?xml version="1.0" encoding="utf-8"?>
-<p:sld xmlns:a="http://schemas.openxmlformats.org/drawingml/2006/main" xmlns:r="http://schemas.openxmlformats.org/officeDocument/2006/relationships" xmlns:mc="http://schemas.openxmlformats.org/markup-compatibility/2006" xmlns:mv="urn:schemas-microsoft-com:mac:vml" xmlns:p="http://schemas.openxmlformats.org/presentationml/2006/main" xmlns:c="http://schemas.openxmlformats.org/drawingml/2006/chart" xmlns:dgm="http://schemas.openxmlformats.org/drawingml/2006/diagram" xmlns:o="urn:schemas-microsoft-com:office:office" xmlns:v="urn:schemas-microsoft-com:vml" xmlns:pvml="urn:schemas-microsoft-com:office:powerpoint" xmlns:com="http://schemas.openxmlformats.org/drawingml/2006/compatibility" xmlns:p14="http://schemas.microsoft.com/office/powerpoint/2010/main" xmlns:p15="http://schemas.microsoft.com/office/powerpoint/2012/main" xmlns:ahyp="http://schemas.microsoft.com/office/drawing/2018/hyperlinkcolor">
+<p:sld xmlns:a="http://schemas.openxmlformats.org/drawingml/2006/main" xmlns:r="http://schemas.openxmlformats.org/officeDocument/2006/relationships" xmlns:p="http://schemas.openxmlformats.org/presentationml/2006/main">
   <p:cSld>
     <p:spTree>
       <p:nvGrpSpPr>
-        <p:cNvPr id="126" name="Shape 126"/>
+        <p:cNvPr id="1" name="Shape 126"/>
         <p:cNvGrpSpPr/>
         <p:nvPr/>
       </p:nvGrpSpPr>
@@ -11114,7 +11251,9 @@
       <p:sp>
         <p:nvSpPr>
           <p:cNvPr id="127" name="Google Shape;127;p22"/>
-          <p:cNvSpPr txBox="1"/>
+          <p:cNvSpPr txBox="1">
+            <a:spLocks noGrp="1"/>
+          </p:cNvSpPr>
           <p:nvPr>
             <p:ph type="title"/>
           </p:nvPr>
@@ -11129,12 +11268,12 @@
           </a:prstGeom>
         </p:spPr>
         <p:txBody>
-          <a:bodyPr anchorCtr="0" anchor="ctr" bIns="45700" lIns="91425" spcFirstLastPara="1" rIns="91425" wrap="square" tIns="45700">
+          <a:bodyPr spcFirstLastPara="1" wrap="square" lIns="91425" tIns="45700" rIns="91425" bIns="45700" anchor="ctr" anchorCtr="0">
             <a:normAutofit/>
           </a:bodyPr>
           <a:lstStyle/>
           <a:p>
-            <a:pPr indent="0" lvl="0" marL="0" rtl="0" algn="l">
+            <a:pPr marL="0" lvl="0" indent="0" algn="l" rtl="0">
               <a:spcBef>
                 <a:spcPts val="0"/>
               </a:spcBef>
@@ -11154,9 +11293,11 @@
       <p:sp>
         <p:nvSpPr>
           <p:cNvPr id="128" name="Google Shape;128;p22"/>
-          <p:cNvSpPr txBox="1"/>
+          <p:cNvSpPr txBox="1">
+            <a:spLocks noGrp="1"/>
+          </p:cNvSpPr>
           <p:nvPr>
-            <p:ph idx="1" type="body"/>
+            <p:ph type="body" idx="1"/>
           </p:nvPr>
         </p:nvSpPr>
         <p:spPr>
@@ -11169,12 +11310,12 @@
           </a:prstGeom>
         </p:spPr>
         <p:txBody>
-          <a:bodyPr anchorCtr="0" anchor="t" bIns="45700" lIns="91425" spcFirstLastPara="1" rIns="91425" wrap="square" tIns="45700">
+          <a:bodyPr spcFirstLastPara="1" wrap="square" lIns="91425" tIns="45700" rIns="91425" bIns="45700" anchor="t" anchorCtr="0">
             <a:normAutofit/>
           </a:bodyPr>
           <a:lstStyle/>
           <a:p>
-            <a:pPr indent="-336550" lvl="0" marL="457200" rtl="0" algn="l">
+            <a:pPr marL="457200" lvl="0" indent="-336550" algn="l" rtl="0">
               <a:spcBef>
                 <a:spcPts val="1000"/>
               </a:spcBef>
@@ -11208,7 +11349,7 @@
             </a:endParaRPr>
           </a:p>
           <a:p>
-            <a:pPr indent="-336550" lvl="0" marL="457200" rtl="0" algn="l">
+            <a:pPr marL="457200" lvl="0" indent="-336550" algn="l" rtl="0">
               <a:spcBef>
                 <a:spcPts val="0"/>
               </a:spcBef>
@@ -11242,7 +11383,7 @@
             </a:endParaRPr>
           </a:p>
           <a:p>
-            <a:pPr indent="-336550" lvl="0" marL="457200" rtl="0" algn="l">
+            <a:pPr marL="457200" lvl="0" indent="-336550" algn="l" rtl="0">
               <a:spcBef>
                 <a:spcPts val="0"/>
               </a:spcBef>
@@ -11276,7 +11417,7 @@
             </a:endParaRPr>
           </a:p>
           <a:p>
-            <a:pPr indent="-336550" lvl="0" marL="457200" rtl="0" algn="l">
+            <a:pPr marL="457200" lvl="0" indent="-336550" algn="l" rtl="0">
               <a:spcBef>
                 <a:spcPts val="0"/>
               </a:spcBef>
@@ -11310,7 +11451,7 @@
             </a:endParaRPr>
           </a:p>
           <a:p>
-            <a:pPr indent="-336550" lvl="0" marL="457200" rtl="0" algn="l">
+            <a:pPr marL="457200" lvl="0" indent="-336550" algn="l" rtl="0">
               <a:spcBef>
                 <a:spcPts val="0"/>
               </a:spcBef>
@@ -11332,29 +11473,7 @@
                   <a:schemeClr val="lt1"/>
                 </a:highlight>
               </a:rPr>
-              <a:t>Tanítóhalmaz kezelése (</a:t>
-            </a:r>
-            <a:r>
-              <a:rPr lang="hu-HU" sz="2700">
-                <a:solidFill>
-                  <a:srgbClr val="000000"/>
-                </a:solidFill>
-                <a:highlight>
-                  <a:schemeClr val="lt1"/>
-                </a:highlight>
-              </a:rPr>
-              <a:t>DALL-E-Dogs, </a:t>
-            </a:r>
-            <a:r>
-              <a:rPr lang="hu-HU" sz="2700">
-                <a:solidFill>
-                  <a:srgbClr val="000000"/>
-                </a:solidFill>
-                <a:highlight>
-                  <a:schemeClr val="lt1"/>
-                </a:highlight>
-              </a:rPr>
-              <a:t>Flowers102, celebA) [Gergő, Marci]</a:t>
+              <a:t>Tanítóhalmaz kezelése (DALL-E-Dogs, Flowers102, celebA) [Gergő, Marci]</a:t>
             </a:r>
             <a:endParaRPr sz="2700">
               <a:solidFill>
@@ -11366,7 +11485,7 @@
             </a:endParaRPr>
           </a:p>
           <a:p>
-            <a:pPr indent="-336550" lvl="0" marL="457200" rtl="0" algn="l">
+            <a:pPr marL="457200" lvl="0" indent="-336550" algn="l" rtl="0">
               <a:spcBef>
                 <a:spcPts val="0"/>
               </a:spcBef>
@@ -11388,29 +11507,7 @@
                   <a:schemeClr val="lt1"/>
                 </a:highlight>
               </a:rPr>
-              <a:t>Pipeline a docker környezetben [</a:t>
-            </a:r>
-            <a:r>
-              <a:rPr lang="hu-HU" sz="2700">
-                <a:solidFill>
-                  <a:srgbClr val="000000"/>
-                </a:solidFill>
-                <a:highlight>
-                  <a:schemeClr val="lt1"/>
-                </a:highlight>
-              </a:rPr>
-              <a:t>Marci, Gergő</a:t>
-            </a:r>
-            <a:r>
-              <a:rPr lang="hu-HU" sz="2700">
-                <a:solidFill>
-                  <a:srgbClr val="000000"/>
-                </a:solidFill>
-                <a:highlight>
-                  <a:schemeClr val="lt1"/>
-                </a:highlight>
-              </a:rPr>
-              <a:t>]</a:t>
+              <a:t>Pipeline a docker környezetben [Marci, Gergő]</a:t>
             </a:r>
             <a:endParaRPr sz="2700">
               <a:solidFill>
@@ -11422,7 +11519,7 @@
             </a:endParaRPr>
           </a:p>
           <a:p>
-            <a:pPr indent="-336550" lvl="0" marL="457200" rtl="0" algn="l">
+            <a:pPr marL="457200" lvl="0" indent="-336550" algn="l" rtl="0">
               <a:spcBef>
                 <a:spcPts val="0"/>
               </a:spcBef>
@@ -11466,7 +11563,7 @@
 </file>
 
 <file path=ppt/theme/theme1.xml><?xml version="1.0" encoding="utf-8"?>
-<a:theme xmlns:a="http://schemas.openxmlformats.org/drawingml/2006/main" xmlns:r="http://schemas.openxmlformats.org/officeDocument/2006/relationships" name="Paradigm">
+<a:theme xmlns:a="http://schemas.openxmlformats.org/drawingml/2006/main" name="Paradigm">
   <a:themeElements>
     <a:clrScheme name="Paradigm">
       <a:dk1>
@@ -11741,11 +11838,13 @@
       </a:bgFillStyleLst>
     </a:fmtScheme>
   </a:themeElements>
+  <a:objectDefaults/>
+  <a:extraClrSchemeLst/>
 </a:theme>
 </file>
 
 <file path=ppt/theme/theme2.xml><?xml version="1.0" encoding="utf-8"?>
-<a:theme xmlns:a="http://schemas.openxmlformats.org/drawingml/2006/main" xmlns:r="http://schemas.openxmlformats.org/officeDocument/2006/relationships">
+<a:theme xmlns:a="http://schemas.openxmlformats.org/drawingml/2006/main">
   <a:themeElements>
     <a:clrScheme name="Default">
       <a:dk1>
@@ -12020,5 +12119,7 @@
       </a:bgFillStyleLst>
     </a:fmtScheme>
   </a:themeElements>
+  <a:objectDefaults/>
+  <a:extraClrSchemeLst/>
 </a:theme>
 </file>